--- a/Apresentação e-commerce.pptx
+++ b/Apresentação e-commerce.pptx
@@ -21242,8 +21242,8 @@
         </p:nvSpPr>
         <p:spPr>
           <a:xfrm rot="14203607">
-            <a:off x="3178468" y="886508"/>
-            <a:ext cx="12519514" cy="6871588"/>
+            <a:off x="3106219" y="1020329"/>
+            <a:ext cx="13636553" cy="7301822"/>
           </a:xfrm>
           <a:custGeom>
             <a:avLst/>
@@ -21551,7 +21551,7 @@
         <p:spPr>
           <a:xfrm>
             <a:off x="351993" y="6367675"/>
-            <a:ext cx="11386134" cy="307777"/>
+            <a:ext cx="11386134" cy="246221"/>
           </a:xfrm>
         </p:spPr>
         <p:txBody>
@@ -21559,7 +21559,7 @@
           <a:lstStyle/>
           <a:p>
             <a:r>
-              <a:rPr lang="en-GB" dirty="0"/>
+              <a:rPr lang="en-GB" sz="1600" dirty="0"/>
               <a:t>João Silveirinha | Pedro Correia</a:t>
             </a:r>
           </a:p>
@@ -21865,10 +21865,10 @@
           <a:lstStyle/>
           <a:p>
             <a:r>
-              <a:rPr lang="en-GB" err="1"/>
+              <a:rPr lang="en-GB" dirty="0" err="1"/>
               <a:t>implementação</a:t>
             </a:r>
-            <a:endParaRPr lang="en-US"/>
+            <a:endParaRPr lang="en-US" dirty="0"/>
           </a:p>
         </p:txBody>
       </p:sp>
@@ -22134,7 +22134,7 @@
         </p:nvSpPr>
         <p:spPr>
           <a:xfrm>
-            <a:off x="304797" y="2273343"/>
+            <a:off x="76200" y="2273343"/>
             <a:ext cx="2719376" cy="4076234"/>
           </a:xfrm>
         </p:spPr>
@@ -22144,60 +22144,68 @@
           <a:p>
             <a:pPr lvl="3"/>
             <a:r>
-              <a:rPr lang="en-GB"/>
-              <a:t>Estruturação Server e Client Side;</a:t>
+              <a:rPr lang="en-GB" dirty="0" err="1"/>
+              <a:t>Estruturação</a:t>
+            </a:r>
+            <a:r>
+              <a:rPr lang="en-GB" dirty="0"/>
+              <a:t> Server e Client Side;</a:t>
             </a:r>
           </a:p>
           <a:p>
             <a:pPr lvl="3"/>
             <a:r>
-              <a:rPr lang="en-GB"/>
-              <a:t>Preparação do </a:t>
+              <a:rPr lang="en-GB" dirty="0" err="1"/>
+              <a:t>Preparação</a:t>
             </a:r>
             <a:r>
-              <a:rPr lang="en-GB" err="1"/>
+              <a:rPr lang="en-GB" dirty="0"/>
+              <a:t> do </a:t>
+            </a:r>
+            <a:r>
+              <a:rPr lang="en-GB" dirty="0" err="1"/>
               <a:t>ambiente</a:t>
             </a:r>
             <a:r>
-              <a:rPr lang="en-GB"/>
+              <a:rPr lang="en-GB" dirty="0"/>
               <a:t> de </a:t>
             </a:r>
             <a:r>
-              <a:rPr lang="en-GB" err="1"/>
+              <a:rPr lang="en-GB" dirty="0" err="1"/>
               <a:t>trabalho</a:t>
             </a:r>
             <a:r>
-              <a:rPr lang="en-GB"/>
+              <a:rPr lang="en-GB" dirty="0"/>
               <a:t> e </a:t>
             </a:r>
             <a:r>
-              <a:rPr lang="en-GB" err="1"/>
+              <a:rPr lang="en-GB" dirty="0" err="1"/>
               <a:t>instalação</a:t>
             </a:r>
             <a:r>
-              <a:rPr lang="en-GB"/>
+              <a:rPr lang="en-GB" dirty="0"/>
               <a:t> de ferramentas </a:t>
             </a:r>
             <a:r>
-              <a:rPr lang="en-GB" err="1"/>
+              <a:rPr lang="en-GB" dirty="0" err="1"/>
               <a:t>necessárias</a:t>
             </a:r>
             <a:r>
-              <a:rPr lang="en-GB"/>
+              <a:rPr lang="en-GB" dirty="0"/>
               <a:t> para o </a:t>
             </a:r>
             <a:r>
-              <a:rPr lang="en-GB" err="1"/>
+              <a:rPr lang="en-GB" dirty="0" err="1"/>
               <a:t>projeto</a:t>
             </a:r>
             <a:r>
-              <a:rPr lang="en-GB"/>
+              <a:rPr lang="en-GB" dirty="0"/>
               <a:t>.</a:t>
             </a:r>
           </a:p>
           <a:p>
             <a:pPr lvl="3"/>
-            <a:endParaRPr lang="en-GB"/>
+            <a:endParaRPr lang="en-GB" dirty="0"/>
           </a:p>
         </p:txBody>
       </p:sp>
@@ -22468,7 +22476,7 @@
         </p:nvSpPr>
         <p:spPr>
           <a:xfrm>
-            <a:off x="3276599" y="2273343"/>
+            <a:off x="3021723" y="2273343"/>
             <a:ext cx="2719376" cy="4076234"/>
           </a:xfrm>
           <a:prstGeom prst="rect">
@@ -22961,7 +22969,7 @@
         </p:nvSpPr>
         <p:spPr>
           <a:xfrm>
-            <a:off x="6248401" y="2273343"/>
+            <a:off x="5995983" y="2273343"/>
             <a:ext cx="2719376" cy="4076234"/>
           </a:xfrm>
           <a:prstGeom prst="rect">
@@ -23166,122 +23174,122 @@
           <a:p>
             <a:pPr lvl="3"/>
             <a:r>
-              <a:rPr lang="en-GB" err="1"/>
+              <a:rPr lang="en-GB" dirty="0" err="1"/>
               <a:t>Criar</a:t>
             </a:r>
             <a:r>
-              <a:rPr lang="en-GB"/>
+              <a:rPr lang="en-GB" dirty="0"/>
               <a:t> BD </a:t>
             </a:r>
             <a:r>
-              <a:rPr lang="en-GB" err="1"/>
+              <a:rPr lang="en-GB" dirty="0" err="1"/>
               <a:t>em</a:t>
             </a:r>
             <a:r>
-              <a:rPr lang="en-GB"/>
+              <a:rPr lang="en-GB" dirty="0"/>
               <a:t> </a:t>
             </a:r>
             <a:r>
-              <a:rPr lang="en-GB" err="1"/>
+              <a:rPr lang="en-GB" dirty="0" err="1"/>
               <a:t>mySQL</a:t>
             </a:r>
             <a:r>
-              <a:rPr lang="en-GB"/>
+              <a:rPr lang="en-GB" dirty="0"/>
               <a:t>;</a:t>
             </a:r>
           </a:p>
           <a:p>
             <a:pPr lvl="3"/>
             <a:r>
-              <a:rPr lang="en-GB" err="1"/>
+              <a:rPr lang="en-GB" dirty="0" err="1"/>
               <a:t>Criar</a:t>
             </a:r>
             <a:r>
-              <a:rPr lang="en-GB"/>
+              <a:rPr lang="en-GB" dirty="0"/>
               <a:t> um Controller para Product e Account;</a:t>
             </a:r>
           </a:p>
           <a:p>
             <a:pPr lvl="3"/>
             <a:r>
-              <a:rPr lang="en-GB" err="1"/>
+              <a:rPr lang="en-GB" dirty="0" err="1"/>
               <a:t>Função</a:t>
             </a:r>
             <a:r>
-              <a:rPr lang="en-GB"/>
+              <a:rPr lang="en-GB" dirty="0"/>
               <a:t> para </a:t>
             </a:r>
             <a:r>
-              <a:rPr lang="en-GB" err="1"/>
+              <a:rPr lang="en-GB" dirty="0" err="1"/>
               <a:t>renderizar</a:t>
             </a:r>
             <a:r>
-              <a:rPr lang="en-GB"/>
+              <a:rPr lang="en-GB" dirty="0"/>
               <a:t> PDP;</a:t>
             </a:r>
           </a:p>
           <a:p>
             <a:pPr lvl="3"/>
             <a:r>
-              <a:rPr lang="en-GB" err="1"/>
+              <a:rPr lang="en-GB" dirty="0" err="1"/>
               <a:t>Criar</a:t>
             </a:r>
             <a:r>
-              <a:rPr lang="en-GB"/>
+              <a:rPr lang="en-GB" dirty="0"/>
               <a:t> </a:t>
             </a:r>
             <a:r>
-              <a:rPr lang="en-GB" err="1"/>
+              <a:rPr lang="en-GB" dirty="0" err="1"/>
               <a:t>objeto</a:t>
             </a:r>
             <a:r>
-              <a:rPr lang="en-GB"/>
+              <a:rPr lang="en-GB" dirty="0"/>
               <a:t> Customer </a:t>
             </a:r>
             <a:r>
-              <a:rPr lang="en-GB" err="1"/>
+              <a:rPr lang="en-GB" dirty="0" err="1"/>
               <a:t>na</a:t>
             </a:r>
             <a:r>
-              <a:rPr lang="en-GB"/>
+              <a:rPr lang="en-GB" dirty="0"/>
               <a:t> BD;</a:t>
             </a:r>
           </a:p>
           <a:p>
             <a:pPr lvl="3"/>
             <a:r>
-              <a:rPr lang="en-GB" err="1"/>
+              <a:rPr lang="en-GB" dirty="0" err="1"/>
               <a:t>Adicionar</a:t>
             </a:r>
             <a:r>
-              <a:rPr lang="en-GB"/>
+              <a:rPr lang="en-GB" dirty="0"/>
               <a:t> </a:t>
             </a:r>
             <a:r>
-              <a:rPr lang="en-GB" err="1"/>
+              <a:rPr lang="en-GB" dirty="0" err="1"/>
               <a:t>funcionalidades</a:t>
             </a:r>
             <a:r>
-              <a:rPr lang="en-GB"/>
+              <a:rPr lang="en-GB" dirty="0"/>
               <a:t> de Register, Login e Logout de Customer;</a:t>
             </a:r>
           </a:p>
           <a:p>
             <a:pPr lvl="3"/>
             <a:r>
-              <a:rPr lang="en-GB" err="1"/>
+              <a:rPr lang="en-GB" dirty="0" err="1"/>
               <a:t>Guardar</a:t>
             </a:r>
             <a:r>
-              <a:rPr lang="en-GB"/>
+              <a:rPr lang="en-GB" dirty="0"/>
               <a:t> Login Data </a:t>
             </a:r>
             <a:r>
-              <a:rPr lang="en-GB" err="1"/>
+              <a:rPr lang="en-GB" dirty="0" err="1"/>
               <a:t>em</a:t>
             </a:r>
             <a:r>
-              <a:rPr lang="en-GB"/>
+              <a:rPr lang="en-GB" dirty="0"/>
               <a:t> Session.</a:t>
             </a:r>
           </a:p>
@@ -23289,7 +23297,7 @@
             <a:pPr marL="361950" lvl="3" indent="0">
               <a:buNone/>
             </a:pPr>
-            <a:endParaRPr lang="en-GB"/>
+            <a:endParaRPr lang="en-GB" dirty="0"/>
           </a:p>
         </p:txBody>
       </p:sp>
@@ -23560,7 +23568,7 @@
         </p:nvSpPr>
         <p:spPr>
           <a:xfrm>
-            <a:off x="9220203" y="2273343"/>
+            <a:off x="8967785" y="2273343"/>
             <a:ext cx="2719376" cy="4076234"/>
           </a:xfrm>
           <a:prstGeom prst="rect">
@@ -23765,17 +23773,17 @@
           <a:p>
             <a:pPr lvl="3"/>
             <a:r>
-              <a:rPr lang="en-GB" err="1"/>
+              <a:rPr lang="en-GB" dirty="0" err="1"/>
               <a:t>Criar</a:t>
             </a:r>
             <a:r>
-              <a:rPr lang="en-GB"/>
+              <a:rPr lang="en-GB" dirty="0"/>
               <a:t> Factory para o object Product;</a:t>
             </a:r>
           </a:p>
           <a:p>
             <a:pPr lvl="3"/>
-            <a:endParaRPr lang="en-GB"/>
+            <a:endParaRPr lang="en-GB" dirty="0"/>
           </a:p>
         </p:txBody>
       </p:sp>
@@ -24100,7 +24108,7 @@
         </p:nvSpPr>
         <p:spPr>
           <a:xfrm>
-            <a:off x="304797" y="2273343"/>
+            <a:off x="9832" y="2263697"/>
             <a:ext cx="2719376" cy="4076234"/>
           </a:xfrm>
         </p:spPr>
@@ -24395,7 +24403,7 @@
         </p:nvSpPr>
         <p:spPr>
           <a:xfrm>
-            <a:off x="3276599" y="2273343"/>
+            <a:off x="2981634" y="2273343"/>
             <a:ext cx="2719376" cy="4076234"/>
           </a:xfrm>
           <a:prstGeom prst="rect">
@@ -24999,7 +25007,7 @@
         </p:nvSpPr>
         <p:spPr>
           <a:xfrm>
-            <a:off x="6248401" y="2273343"/>
+            <a:off x="5953436" y="2263697"/>
             <a:ext cx="2719376" cy="4076234"/>
           </a:xfrm>
           <a:prstGeom prst="rect">
@@ -25204,38 +25212,38 @@
           <a:p>
             <a:pPr lvl="3"/>
             <a:r>
-              <a:rPr lang="en-GB" err="1"/>
+              <a:rPr lang="en-GB" dirty="0" err="1"/>
               <a:t>Implementar</a:t>
             </a:r>
             <a:r>
-              <a:rPr lang="en-GB"/>
+              <a:rPr lang="en-GB" dirty="0"/>
               <a:t> CSRF protection para </a:t>
             </a:r>
             <a:r>
-              <a:rPr lang="en-GB" err="1"/>
+              <a:rPr lang="en-GB" dirty="0" err="1"/>
               <a:t>todos</a:t>
             </a:r>
             <a:r>
-              <a:rPr lang="en-GB"/>
+              <a:rPr lang="en-GB" dirty="0"/>
               <a:t> </a:t>
             </a:r>
             <a:r>
-              <a:rPr lang="en-GB" err="1"/>
+              <a:rPr lang="en-GB" dirty="0" err="1"/>
               <a:t>os</a:t>
             </a:r>
             <a:r>
-              <a:rPr lang="en-GB"/>
+              <a:rPr lang="en-GB" dirty="0"/>
               <a:t> POST requests;</a:t>
             </a:r>
           </a:p>
           <a:p>
             <a:pPr lvl="3"/>
             <a:r>
-              <a:rPr lang="en-GB" err="1"/>
+              <a:rPr lang="en-GB" dirty="0" err="1"/>
               <a:t>Criar</a:t>
             </a:r>
             <a:r>
-              <a:rPr lang="en-GB"/>
+              <a:rPr lang="en-GB" dirty="0"/>
               <a:t> Shopping Cart;</a:t>
             </a:r>
           </a:p>
@@ -25508,7 +25516,7 @@
         </p:nvSpPr>
         <p:spPr>
           <a:xfrm>
-            <a:off x="9220203" y="2273343"/>
+            <a:off x="8925238" y="2263697"/>
             <a:ext cx="2719376" cy="4076234"/>
           </a:xfrm>
           <a:prstGeom prst="rect">
@@ -26111,7 +26119,7 @@
         </p:nvSpPr>
         <p:spPr>
           <a:xfrm>
-            <a:off x="2209800" y="2273343"/>
+            <a:off x="1905000" y="2263697"/>
             <a:ext cx="3786175" cy="4076234"/>
           </a:xfrm>
           <a:prstGeom prst="rect">
@@ -26316,59 +26324,59 @@
           <a:p>
             <a:pPr lvl="3"/>
             <a:r>
-              <a:rPr lang="en-GB" err="1"/>
+              <a:rPr lang="en-GB" dirty="0" err="1"/>
               <a:t>Desenvolver</a:t>
             </a:r>
             <a:r>
-              <a:rPr lang="en-GB"/>
+              <a:rPr lang="en-GB" dirty="0"/>
               <a:t> Search Bar (</a:t>
             </a:r>
             <a:r>
-              <a:rPr lang="en-GB" err="1"/>
+              <a:rPr lang="en-GB" dirty="0" err="1"/>
               <a:t>nome</a:t>
             </a:r>
             <a:r>
-              <a:rPr lang="en-GB"/>
+              <a:rPr lang="en-GB" dirty="0"/>
               <a:t> e ID), </a:t>
             </a:r>
             <a:r>
-              <a:rPr lang="en-GB" err="1"/>
+              <a:rPr lang="en-GB" dirty="0" err="1"/>
               <a:t>implementar</a:t>
             </a:r>
             <a:r>
-              <a:rPr lang="en-GB"/>
+              <a:rPr lang="en-GB" dirty="0"/>
               <a:t> Debounce para </a:t>
             </a:r>
             <a:r>
-              <a:rPr lang="en-GB" err="1"/>
+              <a:rPr lang="en-GB" dirty="0" err="1"/>
               <a:t>otimizar</a:t>
             </a:r>
             <a:r>
-              <a:rPr lang="en-GB"/>
+              <a:rPr lang="en-GB" dirty="0"/>
               <a:t> </a:t>
             </a:r>
             <a:r>
-              <a:rPr lang="en-GB" err="1"/>
+              <a:rPr lang="en-GB" dirty="0" err="1"/>
               <a:t>os</a:t>
             </a:r>
             <a:r>
-              <a:rPr lang="en-GB"/>
+              <a:rPr lang="en-GB" dirty="0"/>
               <a:t> requests </a:t>
             </a:r>
             <a:r>
-              <a:rPr lang="en-GB" err="1"/>
+              <a:rPr lang="en-GB" dirty="0" err="1"/>
               <a:t>ao</a:t>
             </a:r>
             <a:r>
-              <a:rPr lang="en-GB"/>
+              <a:rPr lang="en-GB" dirty="0"/>
               <a:t> </a:t>
             </a:r>
             <a:r>
-              <a:rPr lang="en-GB" err="1"/>
+              <a:rPr lang="en-GB" dirty="0" err="1"/>
               <a:t>servidor</a:t>
             </a:r>
             <a:r>
-              <a:rPr lang="en-GB"/>
+              <a:rPr lang="en-GB" dirty="0"/>
               <a:t>.</a:t>
             </a:r>
           </a:p>
@@ -26641,7 +26649,7 @@
         </p:nvSpPr>
         <p:spPr>
           <a:xfrm>
-            <a:off x="6248401" y="2273343"/>
+            <a:off x="5966487" y="2263697"/>
             <a:ext cx="3733792" cy="4076234"/>
           </a:xfrm>
           <a:prstGeom prst="rect">
@@ -26846,19 +26854,19 @@
           <a:p>
             <a:pPr lvl="3"/>
             <a:r>
-              <a:rPr lang="en-GB" err="1"/>
+              <a:rPr lang="en-GB" dirty="0" err="1"/>
               <a:t>Implementar</a:t>
             </a:r>
             <a:r>
-              <a:rPr lang="en-GB"/>
+              <a:rPr lang="en-GB" dirty="0"/>
               <a:t> </a:t>
             </a:r>
             <a:r>
-              <a:rPr lang="en-GB" err="1"/>
+              <a:rPr lang="en-GB" dirty="0" err="1"/>
               <a:t>LazyLoad</a:t>
             </a:r>
             <a:r>
-              <a:rPr lang="en-GB"/>
+              <a:rPr lang="en-GB" dirty="0"/>
               <a:t>.</a:t>
             </a:r>
           </a:p>
@@ -27578,6 +27586,9 @@
           <a:prstGeom prst="roundRect">
             <a:avLst/>
           </a:prstGeom>
+          <a:solidFill>
+            <a:srgbClr val="0B0D12"/>
+          </a:solidFill>
           <a:ln>
             <a:noFill/>
           </a:ln>
@@ -28527,24 +28538,7 @@
                 <a:ea typeface="+mj-ea"/>
                 <a:cs typeface="Ubuntu Light"/>
               </a:rPr>
-              <a:t>A </a:t>
-            </a:r>
-            <a:r>
-              <a:rPr kumimoji="0" lang="en-US" sz="5400" i="0" u="none" strike="noStrike" kern="1200" cap="all" spc="-6" normalizeH="0" baseline="0" noProof="0" dirty="0" err="1">
-                <a:ln>
-                  <a:noFill/>
-                </a:ln>
-                <a:solidFill>
-                  <a:schemeClr val="bg1"/>
-                </a:solidFill>
-                <a:effectLst/>
-                <a:uLnTx/>
-                <a:uFillTx/>
-                <a:latin typeface="Ubuntu Light"/>
-                <a:ea typeface="+mj-ea"/>
-                <a:cs typeface="Ubuntu Light"/>
-              </a:rPr>
-              <a:t>equipa</a:t>
+              <a:t>A equipa</a:t>
             </a:r>
             <a:endParaRPr kumimoji="0" lang="en-US" sz="5400" i="0" u="none" strike="noStrike" kern="1200" cap="all" spc="0" normalizeH="0" baseline="0" noProof="0" dirty="0">
               <a:ln>

--- a/Apresentação e-commerce.pptx
+++ b/Apresentação e-commerce.pptx
@@ -266,7 +266,7 @@
             <a:fld id="{86C988DC-9DE3-4390-97AB-D61B85DACE57}" type="datetimeFigureOut">
               <a:rPr lang="pt-PT" sz="900" smtClean="0"/>
               <a:pPr/>
-              <a:t>02/05/23</a:t>
+              <a:t>03/05/23</a:t>
             </a:fld>
             <a:endParaRPr lang="pt-PT" sz="900"/>
           </a:p>
@@ -445,7 +445,7 @@
             <a:fld id="{0835B8F7-DAC4-4931-8AED-4356A8B2FD64}" type="datetimeFigureOut">
               <a:rPr lang="pt-BR" smtClean="0"/>
               <a:pPr/>
-              <a:t>02/05/2023</a:t>
+              <a:t>03/05/2023</a:t>
             </a:fld>
             <a:endParaRPr lang="pt-BR"/>
           </a:p>
@@ -21895,7 +21895,7 @@
             <a:avLst/>
           </a:prstGeom>
           <a:solidFill>
-            <a:srgbClr val="007D74"/>
+            <a:srgbClr val="12ABDC"/>
           </a:solidFill>
         </p:spPr>
         <p:txBody>
@@ -22232,7 +22232,7 @@
             <a:avLst/>
           </a:prstGeom>
           <a:solidFill>
-            <a:srgbClr val="007D74"/>
+            <a:srgbClr val="12ABDC"/>
           </a:solidFill>
         </p:spPr>
         <p:txBody>
@@ -22725,7 +22725,7 @@
             <a:avLst/>
           </a:prstGeom>
           <a:solidFill>
-            <a:srgbClr val="007D74"/>
+            <a:srgbClr val="12ABDC"/>
           </a:solidFill>
         </p:spPr>
         <p:txBody>
@@ -23324,7 +23324,7 @@
             <a:avLst/>
           </a:prstGeom>
           <a:solidFill>
-            <a:srgbClr val="007D74"/>
+            <a:srgbClr val="12ABDC"/>
           </a:solidFill>
         </p:spPr>
         <p:txBody>
@@ -23839,10 +23839,10 @@
           <a:lstStyle/>
           <a:p>
             <a:r>
-              <a:rPr lang="en-GB" err="1"/>
+              <a:rPr lang="en-GB" dirty="0"/>
               <a:t>implementação</a:t>
             </a:r>
-            <a:endParaRPr lang="en-US"/>
+            <a:endParaRPr lang="en-US" dirty="0"/>
           </a:p>
         </p:txBody>
       </p:sp>
@@ -23869,7 +23869,7 @@
             <a:avLst/>
           </a:prstGeom>
           <a:solidFill>
-            <a:srgbClr val="007D74"/>
+            <a:srgbClr val="12ABDC"/>
           </a:solidFill>
         </p:spPr>
         <p:txBody>
@@ -24159,7 +24159,7 @@
             <a:avLst/>
           </a:prstGeom>
           <a:solidFill>
-            <a:srgbClr val="007D74"/>
+            <a:srgbClr val="12ABDC"/>
           </a:solidFill>
         </p:spPr>
         <p:txBody>
@@ -24763,7 +24763,7 @@
             <a:avLst/>
           </a:prstGeom>
           <a:solidFill>
-            <a:srgbClr val="007D74"/>
+            <a:srgbClr val="12ABDC"/>
           </a:solidFill>
         </p:spPr>
         <p:txBody>
@@ -25272,7 +25272,7 @@
             <a:avLst/>
           </a:prstGeom>
           <a:solidFill>
-            <a:srgbClr val="007D74"/>
+            <a:srgbClr val="12ABDC"/>
           </a:solidFill>
         </p:spPr>
         <p:txBody>
@@ -25875,7 +25875,7 @@
             <a:avLst/>
           </a:prstGeom>
           <a:solidFill>
-            <a:srgbClr val="007D74"/>
+            <a:srgbClr val="12ABDC"/>
           </a:solidFill>
         </p:spPr>
         <p:txBody>
@@ -26405,7 +26405,7 @@
             <a:avLst/>
           </a:prstGeom>
           <a:solidFill>
-            <a:srgbClr val="007D74"/>
+            <a:srgbClr val="12ABDC"/>
           </a:solidFill>
         </p:spPr>
         <p:txBody>
@@ -27087,23 +27087,6 @@
               <a:defRPr/>
             </a:pPr>
             <a:r>
-              <a:rPr kumimoji="0" lang="en-US" sz="4800" i="0" u="none" strike="noStrike" kern="1200" cap="all" spc="-6" normalizeH="0" baseline="0" noProof="0" dirty="0" err="1">
-                <a:ln>
-                  <a:noFill/>
-                </a:ln>
-                <a:solidFill>
-                  <a:schemeClr val="bg1"/>
-                </a:solidFill>
-                <a:effectLst/>
-                <a:uLnTx/>
-                <a:uFillTx/>
-                <a:latin typeface="Ubuntu Light"/>
-                <a:ea typeface="+mj-ea"/>
-                <a:cs typeface="Ubuntu Light"/>
-              </a:rPr>
-              <a:t>Resultados</a:t>
-            </a:r>
-            <a:r>
               <a:rPr kumimoji="0" lang="en-US" sz="4800" i="0" u="none" strike="noStrike" kern="1200" cap="all" spc="-6" normalizeH="0" baseline="0" noProof="0" dirty="0">
                 <a:ln>
                   <a:noFill/>
@@ -27118,24 +27101,7 @@
                 <a:ea typeface="+mj-ea"/>
                 <a:cs typeface="Ubuntu Light"/>
               </a:rPr>
-              <a:t> e 	</a:t>
-            </a:r>
-            <a:r>
-              <a:rPr kumimoji="0" lang="en-US" sz="4800" i="0" u="none" strike="noStrike" kern="1200" cap="all" spc="-6" normalizeH="0" baseline="0" noProof="0" dirty="0" err="1">
-                <a:ln>
-                  <a:noFill/>
-                </a:ln>
-                <a:solidFill>
-                  <a:schemeClr val="bg1"/>
-                </a:solidFill>
-                <a:effectLst/>
-                <a:uLnTx/>
-                <a:uFillTx/>
-                <a:latin typeface="Ubuntu Light"/>
-                <a:ea typeface="+mj-ea"/>
-                <a:cs typeface="Ubuntu Light"/>
-              </a:rPr>
-              <a:t>conclusões</a:t>
+              <a:t>Resultados e 	conclusões</a:t>
             </a:r>
             <a:endParaRPr kumimoji="0" lang="en-US" sz="4800" i="0" u="none" strike="noStrike" kern="1200" cap="all" spc="0" normalizeH="0" baseline="0" noProof="0" dirty="0">
               <a:ln>
@@ -29062,61 +29028,6 @@
       </p:sp>
       <p:sp>
         <p:nvSpPr>
-          <p:cNvPr id="12" name="Oval 11">
-            <a:extLst>
-              <a:ext uri="{FF2B5EF4-FFF2-40B4-BE49-F238E27FC236}">
-                <a16:creationId xmlns:a16="http://schemas.microsoft.com/office/drawing/2014/main" id="{BE6A9AA4-6E52-BAA0-B007-2FAD99D66B63}"/>
-              </a:ext>
-            </a:extLst>
-          </p:cNvPr>
-          <p:cNvSpPr/>
-          <p:nvPr/>
-        </p:nvSpPr>
-        <p:spPr>
-          <a:xfrm>
-            <a:off x="1143000" y="2057400"/>
-            <a:ext cx="2093142" cy="2086364"/>
-          </a:xfrm>
-          <a:prstGeom prst="ellipse">
-            <a:avLst/>
-          </a:prstGeom>
-          <a:blipFill>
-            <a:blip r:embed="rId2"/>
-            <a:stretch>
-              <a:fillRect/>
-            </a:stretch>
-          </a:blipFill>
-          <a:ln>
-            <a:noFill/>
-          </a:ln>
-        </p:spPr>
-        <p:style>
-          <a:lnRef idx="2">
-            <a:schemeClr val="accent1">
-              <a:shade val="50000"/>
-            </a:schemeClr>
-          </a:lnRef>
-          <a:fillRef idx="1">
-            <a:schemeClr val="accent1"/>
-          </a:fillRef>
-          <a:effectRef idx="0">
-            <a:schemeClr val="accent1"/>
-          </a:effectRef>
-          <a:fontRef idx="minor">
-            <a:schemeClr val="lt1"/>
-          </a:fontRef>
-        </p:style>
-        <p:txBody>
-          <a:bodyPr rtlCol="0" anchor="ctr"/>
-          <a:lstStyle/>
-          <a:p>
-            <a:pPr algn="ctr"/>
-            <a:endParaRPr lang="pt-PT" sz="1600" dirty="0" err="1"/>
-          </a:p>
-        </p:txBody>
-      </p:sp>
-      <p:sp>
-        <p:nvSpPr>
           <p:cNvPr id="13" name="Oval 12">
             <a:extLst>
               <a:ext uri="{FF2B5EF4-FFF2-40B4-BE49-F238E27FC236}">
@@ -29136,7 +29047,7 @@
             <a:avLst/>
           </a:prstGeom>
           <a:blipFill>
-            <a:blip r:embed="rId3">
+            <a:blip r:embed="rId2">
               <a:extLst>
                 <a:ext uri="{28A0092B-C50C-407E-A947-70E740481C1C}">
                   <a14:useLocalDpi xmlns:a14="http://schemas.microsoft.com/office/drawing/2010/main" val="0"/>
@@ -29197,7 +29108,7 @@
             <a:avLst/>
           </a:prstGeom>
           <a:blipFill>
-            <a:blip r:embed="rId4">
+            <a:blip r:embed="rId3">
               <a:extLst>
                 <a:ext uri="{28A0092B-C50C-407E-A947-70E740481C1C}">
                   <a14:useLocalDpi xmlns:a14="http://schemas.microsoft.com/office/drawing/2010/main" val="0"/>
@@ -29252,6 +29163,67 @@
         <p:spPr>
           <a:xfrm>
             <a:off x="8915400" y="2057400"/>
+            <a:ext cx="2093142" cy="2086364"/>
+          </a:xfrm>
+          <a:prstGeom prst="ellipse">
+            <a:avLst/>
+          </a:prstGeom>
+          <a:blipFill>
+            <a:blip r:embed="rId4">
+              <a:extLst>
+                <a:ext uri="{28A0092B-C50C-407E-A947-70E740481C1C}">
+                  <a14:useLocalDpi xmlns:a14="http://schemas.microsoft.com/office/drawing/2010/main" val="0"/>
+                </a:ext>
+              </a:extLst>
+            </a:blip>
+            <a:stretch>
+              <a:fillRect/>
+            </a:stretch>
+          </a:blipFill>
+          <a:ln>
+            <a:noFill/>
+          </a:ln>
+        </p:spPr>
+        <p:style>
+          <a:lnRef idx="2">
+            <a:schemeClr val="accent1">
+              <a:shade val="50000"/>
+            </a:schemeClr>
+          </a:lnRef>
+          <a:fillRef idx="1">
+            <a:schemeClr val="accent1"/>
+          </a:fillRef>
+          <a:effectRef idx="0">
+            <a:schemeClr val="accent1"/>
+          </a:effectRef>
+          <a:fontRef idx="minor">
+            <a:schemeClr val="lt1"/>
+          </a:fontRef>
+        </p:style>
+        <p:txBody>
+          <a:bodyPr rtlCol="0" anchor="ctr"/>
+          <a:lstStyle/>
+          <a:p>
+            <a:pPr algn="ctr"/>
+            <a:endParaRPr lang="pt-PT" sz="1600" dirty="0" err="1"/>
+          </a:p>
+        </p:txBody>
+      </p:sp>
+      <p:sp>
+        <p:nvSpPr>
+          <p:cNvPr id="5" name="Oval 4">
+            <a:extLst>
+              <a:ext uri="{FF2B5EF4-FFF2-40B4-BE49-F238E27FC236}">
+                <a16:creationId xmlns:a16="http://schemas.microsoft.com/office/drawing/2014/main" id="{6621CC53-F170-6E56-24D6-19ACD1805001}"/>
+              </a:ext>
+            </a:extLst>
+          </p:cNvPr>
+          <p:cNvSpPr/>
+          <p:nvPr/>
+        </p:nvSpPr>
+        <p:spPr>
+          <a:xfrm>
+            <a:off x="1143000" y="2133600"/>
             <a:ext cx="2093142" cy="2086364"/>
           </a:xfrm>
           <a:prstGeom prst="ellipse">
@@ -31811,6 +31783,15 @@
 </file>
 
 <file path=customXml/item1.xml><?xml version="1.0" encoding="utf-8"?>
+<?mso-contentType ?>
+<FormTemplates xmlns="http://schemas.microsoft.com/sharepoint/v3/contenttype/forms">
+  <Display>DocumentLibraryForm</Display>
+  <Edit>DocumentLibraryForm</Edit>
+  <New>DocumentLibraryForm</New>
+</FormTemplates>
+</file>
+
+<file path=customXml/item2.xml><?xml version="1.0" encoding="utf-8"?>
 <ct:contentTypeSchema xmlns:ct="http://schemas.microsoft.com/office/2006/metadata/contentType" xmlns:ma="http://schemas.microsoft.com/office/2006/metadata/properties/metaAttributes" ct:_="" ma:_="" ma:contentTypeName="Document" ma:contentTypeID="0x010100E3DB8F1B61B4E349B1D07C13E9DB8DAC" ma:contentTypeVersion="9" ma:contentTypeDescription="Create a new document." ma:contentTypeScope="" ma:versionID="6e9e2595fa1084b1a028894ca2627931">
   <xsd:schema xmlns:xsd="http://www.w3.org/2001/XMLSchema" xmlns:xs="http://www.w3.org/2001/XMLSchema" xmlns:p="http://schemas.microsoft.com/office/2006/metadata/properties" xmlns:ns2="f1122fed-4606-4ec8-90ef-13536176a38c" xmlns:ns3="83fd27e2-85d6-4e10-9bbd-a3e555ecf21b" targetNamespace="http://schemas.microsoft.com/office/2006/metadata/properties" ma:root="true" ma:fieldsID="42542138c7c0860554875b300c3d4ef7" ns2:_="" ns3:_="">
     <xsd:import namespace="f1122fed-4606-4ec8-90ef-13536176a38c"/>
@@ -32016,15 +31997,6 @@
 </ct:contentTypeSchema>
 </file>
 
-<file path=customXml/item2.xml><?xml version="1.0" encoding="utf-8"?>
-<?mso-contentType ?>
-<FormTemplates xmlns="http://schemas.microsoft.com/sharepoint/v3/contenttype/forms">
-  <Display>DocumentLibraryForm</Display>
-  <Edit>DocumentLibraryForm</Edit>
-  <New>DocumentLibraryForm</New>
-</FormTemplates>
-</file>
-
 <file path=customXml/item3.xml><?xml version="1.0" encoding="utf-8"?>
 <p:properties xmlns:p="http://schemas.microsoft.com/office/2006/metadata/properties" xmlns:xsi="http://www.w3.org/2001/XMLSchema-instance" xmlns:pc="http://schemas.microsoft.com/office/infopath/2007/PartnerControls">
   <documentManagement>
@@ -32035,6 +32007,14 @@
 </file>
 
 <file path=customXml/itemProps1.xml><?xml version="1.0" encoding="utf-8"?>
+<ds:datastoreItem xmlns:ds="http://schemas.openxmlformats.org/officeDocument/2006/customXml" ds:itemID="{D941E1A9-0998-4BCC-8A3D-8EAB16ADB626}">
+  <ds:schemaRefs>
+    <ds:schemaRef ds:uri="http://schemas.microsoft.com/sharepoint/v3/contenttype/forms"/>
+  </ds:schemaRefs>
+</ds:datastoreItem>
+</file>
+
+<file path=customXml/itemProps2.xml><?xml version="1.0" encoding="utf-8"?>
 <ds:datastoreItem xmlns:ds="http://schemas.openxmlformats.org/officeDocument/2006/customXml" ds:itemID="{2B411529-341F-4BDF-98A6-FA8EF3214927}">
   <ds:schemaRefs>
     <ds:schemaRef ds:uri="http://schemas.microsoft.com/office/2006/metadata/contentType"/>
@@ -32053,14 +32033,6 @@
 </ds:datastoreItem>
 </file>
 
-<file path=customXml/itemProps2.xml><?xml version="1.0" encoding="utf-8"?>
-<ds:datastoreItem xmlns:ds="http://schemas.openxmlformats.org/officeDocument/2006/customXml" ds:itemID="{D941E1A9-0998-4BCC-8A3D-8EAB16ADB626}">
-  <ds:schemaRefs>
-    <ds:schemaRef ds:uri="http://schemas.microsoft.com/sharepoint/v3/contenttype/forms"/>
-  </ds:schemaRefs>
-</ds:datastoreItem>
-</file>
-
 <file path=customXml/itemProps3.xml><?xml version="1.0" encoding="utf-8"?>
 <ds:datastoreItem xmlns:ds="http://schemas.openxmlformats.org/officeDocument/2006/customXml" ds:itemID="{FF982877-D147-4C15-B050-A052E4937983}">
   <ds:schemaRefs>

--- a/Apresentação e-commerce.pptx
+++ b/Apresentação e-commerce.pptx
@@ -5,10 +5,10 @@
     <p:sldMasterId id="2147483962" r:id="rId4"/>
   </p:sldMasterIdLst>
   <p:notesMasterIdLst>
-    <p:notesMasterId r:id="rId23"/>
+    <p:notesMasterId r:id="rId20"/>
   </p:notesMasterIdLst>
   <p:handoutMasterIdLst>
-    <p:handoutMasterId r:id="rId24"/>
+    <p:handoutMasterId r:id="rId21"/>
   </p:handoutMasterIdLst>
   <p:sldIdLst>
     <p:sldId id="2145706631" r:id="rId5"/>
@@ -18,41 +18,38 @@
     <p:sldId id="2145706641" r:id="rId9"/>
     <p:sldId id="2145706642" r:id="rId10"/>
     <p:sldId id="2145706648" r:id="rId11"/>
-    <p:sldId id="2145706643" r:id="rId12"/>
+    <p:sldId id="2145706644" r:id="rId12"/>
     <p:sldId id="2145706647" r:id="rId13"/>
-    <p:sldId id="2145706644" r:id="rId14"/>
-    <p:sldId id="2145706649" r:id="rId15"/>
-    <p:sldId id="2145706650" r:id="rId16"/>
-    <p:sldId id="2145706651" r:id="rId17"/>
-    <p:sldId id="2145706645" r:id="rId18"/>
-    <p:sldId id="2145706654" r:id="rId19"/>
-    <p:sldId id="2145706646" r:id="rId20"/>
-    <p:sldId id="2145706655" r:id="rId21"/>
-    <p:sldId id="1041" r:id="rId22"/>
+    <p:sldId id="2145706649" r:id="rId14"/>
+    <p:sldId id="2145706650" r:id="rId15"/>
+    <p:sldId id="2145706651" r:id="rId16"/>
+    <p:sldId id="2145706646" r:id="rId17"/>
+    <p:sldId id="2145706655" r:id="rId18"/>
+    <p:sldId id="1041" r:id="rId19"/>
   </p:sldIdLst>
   <p:sldSz cx="12192000" cy="6858000"/>
   <p:notesSz cx="6858000" cy="9144000"/>
   <p:embeddedFontLst>
     <p:embeddedFont>
       <p:font typeface="Ubuntu" panose="020B0504030602030204" pitchFamily="34" charset="0"/>
-      <p:regular r:id="rId25"/>
-      <p:bold r:id="rId26"/>
-      <p:italic r:id="rId27"/>
-      <p:boldItalic r:id="rId28"/>
+      <p:regular r:id="rId22"/>
+      <p:bold r:id="rId23"/>
+      <p:italic r:id="rId24"/>
+      <p:boldItalic r:id="rId25"/>
     </p:embeddedFont>
     <p:embeddedFont>
       <p:font typeface="Ubuntu Light" panose="020B0304030602030204" pitchFamily="34" charset="0"/>
-      <p:regular r:id="rId29"/>
-      <p:italic r:id="rId30"/>
+      <p:regular r:id="rId26"/>
+      <p:italic r:id="rId27"/>
     </p:embeddedFont>
     <p:embeddedFont>
       <p:font typeface="Ubuntu Medium" panose="020B0504030602030204" pitchFamily="34" charset="0"/>
-      <p:regular r:id="rId31"/>
-      <p:italic r:id="rId32"/>
+      <p:regular r:id="rId28"/>
+      <p:italic r:id="rId29"/>
     </p:embeddedFont>
   </p:embeddedFontLst>
   <p:custDataLst>
-    <p:tags r:id="rId33"/>
+    <p:tags r:id="rId30"/>
   </p:custDataLst>
   <p:defaultTextStyle>
     <a:defPPr>
@@ -1101,7 +1098,7 @@
     </p:spTree>
     <p:extLst>
       <p:ext uri="{BB962C8B-B14F-4D97-AF65-F5344CB8AC3E}">
-        <p14:creationId xmlns:p14="http://schemas.microsoft.com/office/powerpoint/2010/main" val="756345465"/>
+        <p14:creationId xmlns:p14="http://schemas.microsoft.com/office/powerpoint/2010/main" val="1524612168"/>
       </p:ext>
     </p:extLst>
   </p:cSld>
@@ -1177,7 +1174,7 @@
             <a:fld id="{C0696B5C-12A0-4042-B4D0-BD3B9A4F58C6}" type="slidenum">
               <a:rPr lang="pt-BR" smtClean="0"/>
               <a:pPr/>
-              <a:t>10</a:t>
+              <a:t>13</a:t>
             </a:fld>
             <a:endParaRPr lang="pt-BR"/>
           </a:p>
@@ -1186,7 +1183,7 @@
     </p:spTree>
     <p:extLst>
       <p:ext uri="{BB962C8B-B14F-4D97-AF65-F5344CB8AC3E}">
-        <p14:creationId xmlns:p14="http://schemas.microsoft.com/office/powerpoint/2010/main" val="1524612168"/>
+        <p14:creationId xmlns:p14="http://schemas.microsoft.com/office/powerpoint/2010/main" val="3519400249"/>
       </p:ext>
     </p:extLst>
   </p:cSld>
@@ -1263,176 +1260,6 @@
               <a:rPr lang="pt-BR" smtClean="0"/>
               <a:pPr/>
               <a:t>14</a:t>
-            </a:fld>
-            <a:endParaRPr lang="pt-BR"/>
-          </a:p>
-        </p:txBody>
-      </p:sp>
-    </p:spTree>
-    <p:extLst>
-      <p:ext uri="{BB962C8B-B14F-4D97-AF65-F5344CB8AC3E}">
-        <p14:creationId xmlns:p14="http://schemas.microsoft.com/office/powerpoint/2010/main" val="1887733178"/>
-      </p:ext>
-    </p:extLst>
-  </p:cSld>
-  <p:clrMapOvr>
-    <a:masterClrMapping/>
-  </p:clrMapOvr>
-</p:notes>
-</file>
-
-<file path=ppt/notesSlides/notesSlide8.xml><?xml version="1.0" encoding="utf-8"?>
-<p:notes xmlns:a="http://schemas.openxmlformats.org/drawingml/2006/main" xmlns:r="http://schemas.openxmlformats.org/officeDocument/2006/relationships" xmlns:p="http://schemas.openxmlformats.org/presentationml/2006/main">
-  <p:cSld>
-    <p:spTree>
-      <p:nvGrpSpPr>
-        <p:cNvPr id="1" name=""/>
-        <p:cNvGrpSpPr/>
-        <p:nvPr/>
-      </p:nvGrpSpPr>
-      <p:grpSpPr>
-        <a:xfrm>
-          <a:off x="0" y="0"/>
-          <a:ext cx="0" cy="0"/>
-          <a:chOff x="0" y="0"/>
-          <a:chExt cx="0" cy="0"/>
-        </a:xfrm>
-      </p:grpSpPr>
-      <p:sp>
-        <p:nvSpPr>
-          <p:cNvPr id="2" name="Slide Image Placeholder 1"/>
-          <p:cNvSpPr>
-            <a:spLocks noGrp="1" noRot="1" noChangeAspect="1"/>
-          </p:cNvSpPr>
-          <p:nvPr>
-            <p:ph type="sldImg"/>
-          </p:nvPr>
-        </p:nvSpPr>
-        <p:spPr/>
-      </p:sp>
-      <p:sp>
-        <p:nvSpPr>
-          <p:cNvPr id="3" name="Notes Placeholder 2"/>
-          <p:cNvSpPr>
-            <a:spLocks noGrp="1"/>
-          </p:cNvSpPr>
-          <p:nvPr>
-            <p:ph type="body" idx="1"/>
-          </p:nvPr>
-        </p:nvSpPr>
-        <p:spPr/>
-        <p:txBody>
-          <a:bodyPr/>
-          <a:lstStyle/>
-          <a:p>
-            <a:endParaRPr lang="en-US"/>
-          </a:p>
-        </p:txBody>
-      </p:sp>
-      <p:sp>
-        <p:nvSpPr>
-          <p:cNvPr id="4" name="Slide Number Placeholder 3"/>
-          <p:cNvSpPr>
-            <a:spLocks noGrp="1"/>
-          </p:cNvSpPr>
-          <p:nvPr>
-            <p:ph type="sldNum" sz="quarter" idx="5"/>
-          </p:nvPr>
-        </p:nvSpPr>
-        <p:spPr/>
-        <p:txBody>
-          <a:bodyPr/>
-          <a:lstStyle/>
-          <a:p>
-            <a:fld id="{C0696B5C-12A0-4042-B4D0-BD3B9A4F58C6}" type="slidenum">
-              <a:rPr lang="pt-BR" smtClean="0"/>
-              <a:pPr/>
-              <a:t>16</a:t>
-            </a:fld>
-            <a:endParaRPr lang="pt-BR"/>
-          </a:p>
-        </p:txBody>
-      </p:sp>
-    </p:spTree>
-    <p:extLst>
-      <p:ext uri="{BB962C8B-B14F-4D97-AF65-F5344CB8AC3E}">
-        <p14:creationId xmlns:p14="http://schemas.microsoft.com/office/powerpoint/2010/main" val="3519400249"/>
-      </p:ext>
-    </p:extLst>
-  </p:cSld>
-  <p:clrMapOvr>
-    <a:masterClrMapping/>
-  </p:clrMapOvr>
-</p:notes>
-</file>
-
-<file path=ppt/notesSlides/notesSlide9.xml><?xml version="1.0" encoding="utf-8"?>
-<p:notes xmlns:a="http://schemas.openxmlformats.org/drawingml/2006/main" xmlns:r="http://schemas.openxmlformats.org/officeDocument/2006/relationships" xmlns:p="http://schemas.openxmlformats.org/presentationml/2006/main">
-  <p:cSld>
-    <p:spTree>
-      <p:nvGrpSpPr>
-        <p:cNvPr id="1" name=""/>
-        <p:cNvGrpSpPr/>
-        <p:nvPr/>
-      </p:nvGrpSpPr>
-      <p:grpSpPr>
-        <a:xfrm>
-          <a:off x="0" y="0"/>
-          <a:ext cx="0" cy="0"/>
-          <a:chOff x="0" y="0"/>
-          <a:chExt cx="0" cy="0"/>
-        </a:xfrm>
-      </p:grpSpPr>
-      <p:sp>
-        <p:nvSpPr>
-          <p:cNvPr id="2" name="Slide Image Placeholder 1"/>
-          <p:cNvSpPr>
-            <a:spLocks noGrp="1" noRot="1" noChangeAspect="1"/>
-          </p:cNvSpPr>
-          <p:nvPr>
-            <p:ph type="sldImg"/>
-          </p:nvPr>
-        </p:nvSpPr>
-        <p:spPr/>
-      </p:sp>
-      <p:sp>
-        <p:nvSpPr>
-          <p:cNvPr id="3" name="Notes Placeholder 2"/>
-          <p:cNvSpPr>
-            <a:spLocks noGrp="1"/>
-          </p:cNvSpPr>
-          <p:nvPr>
-            <p:ph type="body" idx="1"/>
-          </p:nvPr>
-        </p:nvSpPr>
-        <p:spPr/>
-        <p:txBody>
-          <a:bodyPr/>
-          <a:lstStyle/>
-          <a:p>
-            <a:endParaRPr lang="en-US"/>
-          </a:p>
-        </p:txBody>
-      </p:sp>
-      <p:sp>
-        <p:nvSpPr>
-          <p:cNvPr id="4" name="Slide Number Placeholder 3"/>
-          <p:cNvSpPr>
-            <a:spLocks noGrp="1"/>
-          </p:cNvSpPr>
-          <p:nvPr>
-            <p:ph type="sldNum" sz="quarter" idx="5"/>
-          </p:nvPr>
-        </p:nvSpPr>
-        <p:spPr/>
-        <p:txBody>
-          <a:bodyPr/>
-          <a:lstStyle/>
-          <a:p>
-            <a:fld id="{C0696B5C-12A0-4042-B4D0-BD3B9A4F58C6}" type="slidenum">
-              <a:rPr lang="pt-BR" smtClean="0"/>
-              <a:pPr/>
-              <a:t>17</a:t>
             </a:fld>
             <a:endParaRPr lang="pt-BR"/>
           </a:p>
@@ -21595,174 +21422,464 @@
           <a:chExt cx="0" cy="0"/>
         </a:xfrm>
       </p:grpSpPr>
-      <p:pic>
-        <p:nvPicPr>
-          <p:cNvPr id="14" name="Picture Placeholder 13">
+      <p:sp>
+        <p:nvSpPr>
+          <p:cNvPr id="2" name="Title 1">
             <a:extLst>
               <a:ext uri="{FF2B5EF4-FFF2-40B4-BE49-F238E27FC236}">
-                <a16:creationId xmlns:a16="http://schemas.microsoft.com/office/drawing/2014/main" id="{E1D47607-D621-4ECE-7E3E-CA986270B22E}"/>
-              </a:ext>
-              <a:ext uri="{C183D7F6-B498-43B3-948B-1728B52AA6E4}">
-                <adec:decorative xmlns:adec="http://schemas.microsoft.com/office/drawing/2017/decorative" val="1"/>
+                <a16:creationId xmlns:a16="http://schemas.microsoft.com/office/drawing/2014/main" id="{26542BB7-2C03-8C3A-BD31-F3C4568C9CA3}"/>
               </a:ext>
             </a:extLst>
           </p:cNvPr>
-          <p:cNvPicPr>
-            <a:picLocks noGrp="1" noChangeAspect="1"/>
-          </p:cNvPicPr>
+          <p:cNvSpPr>
+            <a:spLocks noGrp="1"/>
+          </p:cNvSpPr>
           <p:nvPr>
-            <p:ph type="pic" sz="quarter" idx="13"/>
+            <p:ph type="title"/>
           </p:nvPr>
-        </p:nvPicPr>
-        <p:blipFill>
-          <a:blip r:embed="rId3">
-            <a:extLst>
-              <a:ext uri="{28A0092B-C50C-407E-A947-70E740481C1C}">
-                <a14:useLocalDpi xmlns:a14="http://schemas.microsoft.com/office/drawing/2010/main" val="0"/>
-              </a:ext>
-            </a:extLst>
-          </a:blip>
-          <a:srcRect/>
-          <a:stretch>
-            <a:fillRect/>
-          </a:stretch>
-        </p:blipFill>
+        </p:nvSpPr>
         <p:spPr/>
-      </p:pic>
+        <p:txBody>
+          <a:bodyPr/>
+          <a:lstStyle/>
+          <a:p>
+            <a:r>
+              <a:rPr lang="en-GB" dirty="0" err="1"/>
+              <a:t>implementação</a:t>
+            </a:r>
+            <a:endParaRPr lang="en-US" dirty="0"/>
+          </a:p>
+        </p:txBody>
+      </p:sp>
       <p:sp>
         <p:nvSpPr>
-          <p:cNvPr id="9" name="Rectangle 8">
+          <p:cNvPr id="8" name="Text Placeholder 5">
             <a:extLst>
               <a:ext uri="{FF2B5EF4-FFF2-40B4-BE49-F238E27FC236}">
-                <a16:creationId xmlns:a16="http://schemas.microsoft.com/office/drawing/2014/main" id="{CF1962CF-EF97-412C-B792-066A1C9D2733}"/>
-              </a:ext>
-              <a:ext uri="{C183D7F6-B498-43B3-948B-1728B52AA6E4}">
-                <adec:decorative xmlns:adec="http://schemas.microsoft.com/office/drawing/2017/decorative" val="1"/>
+                <a16:creationId xmlns:a16="http://schemas.microsoft.com/office/drawing/2014/main" id="{48AFCFE0-D5C6-3C68-8250-1358A0E1C701}"/>
               </a:ext>
             </a:extLst>
           </p:cNvPr>
-          <p:cNvSpPr/>
+          <p:cNvSpPr txBox="1">
+            <a:spLocks/>
+          </p:cNvSpPr>
           <p:nvPr/>
         </p:nvSpPr>
-        <p:spPr bwMode="white">
+        <p:spPr>
           <a:xfrm>
-            <a:off x="1624995" y="0"/>
-            <a:ext cx="4563421" cy="6859720"/>
+            <a:off x="304796" y="1295400"/>
+            <a:ext cx="2719385" cy="716711"/>
           </a:xfrm>
           <a:prstGeom prst="rect">
             <a:avLst/>
           </a:prstGeom>
           <a:solidFill>
-            <a:srgbClr val="272936">
-              <a:alpha val="78132"/>
-            </a:srgbClr>
+            <a:srgbClr val="007D74"/>
           </a:solidFill>
-          <a:ln>
-            <a:noFill/>
-          </a:ln>
         </p:spPr>
-        <p:style>
-          <a:lnRef idx="2">
-            <a:schemeClr val="accent1">
-              <a:shade val="50000"/>
-            </a:schemeClr>
-          </a:lnRef>
-          <a:fillRef idx="1">
-            <a:schemeClr val="accent1"/>
-          </a:fillRef>
-          <a:effectRef idx="0">
-            <a:schemeClr val="accent1"/>
-          </a:effectRef>
-          <a:fontRef idx="minor">
-            <a:schemeClr val="lt1"/>
-          </a:fontRef>
-        </p:style>
         <p:txBody>
-          <a:bodyPr rtlCol="0" anchor="ctr"/>
-          <a:lstStyle/>
+          <a:bodyPr/>
+          <a:lstStyle>
+            <a:lvl1pPr marL="0" indent="0" algn="l" defTabSz="914400" rtl="0" eaLnBrk="1" latinLnBrk="0" hangingPunct="1">
+              <a:lnSpc>
+                <a:spcPct val="100000"/>
+              </a:lnSpc>
+              <a:spcBef>
+                <a:spcPts val="0"/>
+              </a:spcBef>
+              <a:spcAft>
+                <a:spcPts val="600"/>
+              </a:spcAft>
+              <a:buFont typeface="Arial" panose="020B0604020202020204" pitchFamily="34" charset="0"/>
+              <a:buNone/>
+              <a:defRPr sz="2000" kern="1200" baseline="0">
+                <a:solidFill>
+                  <a:schemeClr val="tx1"/>
+                </a:solidFill>
+                <a:latin typeface="+mn-lt"/>
+                <a:ea typeface="+mn-ea"/>
+                <a:cs typeface="+mn-cs"/>
+              </a:defRPr>
+            </a:lvl1pPr>
+            <a:lvl2pPr marL="177800" indent="-177800" algn="l" defTabSz="914400" rtl="0" eaLnBrk="1" latinLnBrk="0" hangingPunct="1">
+              <a:lnSpc>
+                <a:spcPct val="100000"/>
+              </a:lnSpc>
+              <a:spcBef>
+                <a:spcPts val="0"/>
+              </a:spcBef>
+              <a:spcAft>
+                <a:spcPts val="600"/>
+              </a:spcAft>
+              <a:buClr>
+                <a:schemeClr val="accent1"/>
+              </a:buClr>
+              <a:buFont typeface="Wingdings" panose="05000000000000000000" pitchFamily="2" charset="2"/>
+              <a:buChar char="§"/>
+              <a:defRPr sz="1800" kern="1200" baseline="0">
+                <a:solidFill>
+                  <a:schemeClr val="tx1"/>
+                </a:solidFill>
+                <a:latin typeface="+mn-lt"/>
+                <a:ea typeface="+mn-ea"/>
+                <a:cs typeface="+mn-cs"/>
+              </a:defRPr>
+            </a:lvl2pPr>
+            <a:lvl3pPr marL="361950" indent="-184150" algn="l" defTabSz="914400" rtl="0" eaLnBrk="1" latinLnBrk="0" hangingPunct="1">
+              <a:lnSpc>
+                <a:spcPct val="100000"/>
+              </a:lnSpc>
+              <a:spcBef>
+                <a:spcPts val="0"/>
+              </a:spcBef>
+              <a:spcAft>
+                <a:spcPts val="600"/>
+              </a:spcAft>
+              <a:buClr>
+                <a:schemeClr val="accent2"/>
+              </a:buClr>
+              <a:buFont typeface="Arial" panose="020B0604020202020204" pitchFamily="34" charset="0"/>
+              <a:buChar char="•"/>
+              <a:defRPr sz="1600" kern="1200" baseline="0">
+                <a:solidFill>
+                  <a:schemeClr val="tx1"/>
+                </a:solidFill>
+                <a:latin typeface="+mn-lt"/>
+                <a:ea typeface="+mn-ea"/>
+                <a:cs typeface="+mn-cs"/>
+              </a:defRPr>
+            </a:lvl3pPr>
+            <a:lvl4pPr marL="539750" indent="-177800" algn="l" defTabSz="914400" rtl="0" eaLnBrk="1" latinLnBrk="0" hangingPunct="1">
+              <a:lnSpc>
+                <a:spcPct val="100000"/>
+              </a:lnSpc>
+              <a:spcBef>
+                <a:spcPts val="0"/>
+              </a:spcBef>
+              <a:spcAft>
+                <a:spcPts val="600"/>
+              </a:spcAft>
+              <a:buClr>
+                <a:schemeClr val="tx1"/>
+              </a:buClr>
+              <a:buFont typeface="Ubuntu" panose="020B0504030602030204" pitchFamily="34" charset="0"/>
+              <a:buChar char="–"/>
+              <a:defRPr sz="1400" kern="1200" baseline="0">
+                <a:solidFill>
+                  <a:schemeClr val="tx1"/>
+                </a:solidFill>
+                <a:latin typeface="+mn-lt"/>
+                <a:ea typeface="+mn-ea"/>
+                <a:cs typeface="+mn-cs"/>
+              </a:defRPr>
+            </a:lvl4pPr>
+            <a:lvl5pPr marL="717550" indent="-177800" algn="l" defTabSz="914400" rtl="0" eaLnBrk="1" latinLnBrk="0" hangingPunct="1">
+              <a:lnSpc>
+                <a:spcPct val="100000"/>
+              </a:lnSpc>
+              <a:spcBef>
+                <a:spcPts val="0"/>
+              </a:spcBef>
+              <a:spcAft>
+                <a:spcPts val="600"/>
+              </a:spcAft>
+              <a:buClr>
+                <a:schemeClr val="accent3"/>
+              </a:buClr>
+              <a:buFont typeface="Arial" panose="020B0604020202020204" pitchFamily="34" charset="0"/>
+              <a:buChar char="•"/>
+              <a:defRPr sz="1400" kern="1200" baseline="0">
+                <a:solidFill>
+                  <a:schemeClr val="tx1"/>
+                </a:solidFill>
+                <a:latin typeface="+mn-lt"/>
+                <a:ea typeface="+mn-ea"/>
+                <a:cs typeface="+mn-cs"/>
+              </a:defRPr>
+            </a:lvl5pPr>
+            <a:lvl6pPr marL="2514600" indent="-228600" algn="l" defTabSz="914400" rtl="0" eaLnBrk="1" latinLnBrk="0" hangingPunct="1">
+              <a:lnSpc>
+                <a:spcPct val="90000"/>
+              </a:lnSpc>
+              <a:spcBef>
+                <a:spcPts val="500"/>
+              </a:spcBef>
+              <a:buFont typeface="Arial" panose="020B0604020202020204" pitchFamily="34" charset="0"/>
+              <a:buChar char="•"/>
+              <a:defRPr sz="1800" kern="1200">
+                <a:solidFill>
+                  <a:schemeClr val="tx1"/>
+                </a:solidFill>
+                <a:latin typeface="+mn-lt"/>
+                <a:ea typeface="+mn-ea"/>
+                <a:cs typeface="+mn-cs"/>
+              </a:defRPr>
+            </a:lvl6pPr>
+            <a:lvl7pPr marL="2971800" indent="-228600" algn="l" defTabSz="914400" rtl="0" eaLnBrk="1" latinLnBrk="0" hangingPunct="1">
+              <a:lnSpc>
+                <a:spcPct val="90000"/>
+              </a:lnSpc>
+              <a:spcBef>
+                <a:spcPts val="500"/>
+              </a:spcBef>
+              <a:buFont typeface="Arial" panose="020B0604020202020204" pitchFamily="34" charset="0"/>
+              <a:buChar char="•"/>
+              <a:defRPr sz="1800" kern="1200">
+                <a:solidFill>
+                  <a:schemeClr val="tx1"/>
+                </a:solidFill>
+                <a:latin typeface="+mn-lt"/>
+                <a:ea typeface="+mn-ea"/>
+                <a:cs typeface="+mn-cs"/>
+              </a:defRPr>
+            </a:lvl7pPr>
+            <a:lvl8pPr marL="3429000" indent="-228600" algn="l" defTabSz="914400" rtl="0" eaLnBrk="1" latinLnBrk="0" hangingPunct="1">
+              <a:lnSpc>
+                <a:spcPct val="90000"/>
+              </a:lnSpc>
+              <a:spcBef>
+                <a:spcPts val="500"/>
+              </a:spcBef>
+              <a:buFont typeface="Arial" panose="020B0604020202020204" pitchFamily="34" charset="0"/>
+              <a:buChar char="•"/>
+              <a:defRPr sz="1800" kern="1200">
+                <a:solidFill>
+                  <a:schemeClr val="tx1"/>
+                </a:solidFill>
+                <a:latin typeface="+mn-lt"/>
+                <a:ea typeface="+mn-ea"/>
+                <a:cs typeface="+mn-cs"/>
+              </a:defRPr>
+            </a:lvl8pPr>
+            <a:lvl9pPr marL="3886200" indent="-228600" algn="l" defTabSz="914400" rtl="0" eaLnBrk="1" latinLnBrk="0" hangingPunct="1">
+              <a:lnSpc>
+                <a:spcPct val="90000"/>
+              </a:lnSpc>
+              <a:spcBef>
+                <a:spcPts val="500"/>
+              </a:spcBef>
+              <a:buFont typeface="Arial" panose="020B0604020202020204" pitchFamily="34" charset="0"/>
+              <a:buChar char="•"/>
+              <a:defRPr sz="1800" kern="1200">
+                <a:solidFill>
+                  <a:schemeClr val="tx1"/>
+                </a:solidFill>
+                <a:latin typeface="+mn-lt"/>
+                <a:ea typeface="+mn-ea"/>
+                <a:cs typeface="+mn-cs"/>
+              </a:defRPr>
+            </a:lvl9pPr>
+          </a:lstStyle>
           <a:p>
-            <a:pPr algn="ctr"/>
-            <a:endParaRPr lang="en-GB" sz="849">
+            <a:r>
+              <a:rPr lang="en-GB" sz="1800">
+                <a:solidFill>
+                  <a:schemeClr val="bg1"/>
+                </a:solidFill>
+              </a:rPr>
+              <a:t>1ª </a:t>
+            </a:r>
+            <a:r>
+              <a:rPr lang="en-GB" sz="1800" err="1">
+                <a:solidFill>
+                  <a:schemeClr val="bg1"/>
+                </a:solidFill>
+              </a:rPr>
+              <a:t>Fase</a:t>
+            </a:r>
+            <a:endParaRPr lang="en-GB" sz="1800">
               <a:solidFill>
-                <a:schemeClr val="tx1"/>
+                <a:schemeClr val="bg1"/>
               </a:solidFill>
-              <a:latin typeface="+mj-lt"/>
             </a:endParaRPr>
           </a:p>
         </p:txBody>
       </p:sp>
       <p:sp>
         <p:nvSpPr>
-          <p:cNvPr id="11" name="object 5">
+          <p:cNvPr id="9" name="Text Placeholder 4">
             <a:extLst>
               <a:ext uri="{FF2B5EF4-FFF2-40B4-BE49-F238E27FC236}">
-                <a16:creationId xmlns:a16="http://schemas.microsoft.com/office/drawing/2014/main" id="{14918BB1-58F4-42AC-859A-E60DF368D314}"/>
+                <a16:creationId xmlns:a16="http://schemas.microsoft.com/office/drawing/2014/main" id="{51FA85B3-C664-B6D1-106C-A307CE84938B}"/>
+              </a:ext>
+            </a:extLst>
+          </p:cNvPr>
+          <p:cNvSpPr>
+            <a:spLocks noGrp="1"/>
+          </p:cNvSpPr>
+          <p:nvPr>
+            <p:ph type="body" sz="quarter" idx="10"/>
+          </p:nvPr>
+        </p:nvSpPr>
+        <p:spPr>
+          <a:xfrm>
+            <a:off x="76200" y="2273343"/>
+            <a:ext cx="2719376" cy="4076234"/>
+          </a:xfrm>
+        </p:spPr>
+        <p:txBody>
+          <a:bodyPr/>
+          <a:lstStyle/>
+          <a:p>
+            <a:pPr lvl="3"/>
+            <a:r>
+              <a:rPr lang="en-GB" dirty="0" err="1"/>
+              <a:t>Preparação</a:t>
+            </a:r>
+            <a:r>
+              <a:rPr lang="en-GB" dirty="0"/>
+              <a:t> do </a:t>
+            </a:r>
+            <a:r>
+              <a:rPr lang="en-GB" dirty="0" err="1"/>
+              <a:t>ambiente</a:t>
+            </a:r>
+            <a:r>
+              <a:rPr lang="en-GB" dirty="0"/>
+              <a:t> de </a:t>
+            </a:r>
+            <a:r>
+              <a:rPr lang="en-GB" dirty="0" err="1"/>
+              <a:t>trabalho</a:t>
+            </a:r>
+            <a:r>
+              <a:rPr lang="en-GB" dirty="0"/>
+              <a:t> e </a:t>
+            </a:r>
+            <a:r>
+              <a:rPr lang="en-GB" dirty="0" err="1"/>
+              <a:t>instalação</a:t>
+            </a:r>
+            <a:r>
+              <a:rPr lang="en-GB" dirty="0"/>
+              <a:t> de ferramentas </a:t>
+            </a:r>
+            <a:r>
+              <a:rPr lang="en-GB" dirty="0" err="1"/>
+              <a:t>necessárias</a:t>
+            </a:r>
+            <a:r>
+              <a:rPr lang="en-GB" dirty="0"/>
+              <a:t> para o </a:t>
+            </a:r>
+            <a:r>
+              <a:rPr lang="en-GB" dirty="0" err="1"/>
+              <a:t>projeto</a:t>
+            </a:r>
+            <a:r>
+              <a:rPr lang="en-GB" dirty="0"/>
+              <a:t>;</a:t>
+            </a:r>
+          </a:p>
+          <a:p>
+            <a:pPr lvl="4"/>
+            <a:r>
+              <a:rPr lang="en-GB" dirty="0"/>
+              <a:t>(</a:t>
+            </a:r>
+            <a:r>
+              <a:rPr lang="en-GB" dirty="0" err="1"/>
+              <a:t>Instalar</a:t>
+            </a:r>
+            <a:r>
+              <a:rPr lang="en-GB" dirty="0"/>
+              <a:t> </a:t>
+            </a:r>
+            <a:r>
+              <a:rPr lang="en-GB" dirty="0" err="1"/>
+              <a:t>nodeJS</a:t>
+            </a:r>
+            <a:r>
+              <a:rPr lang="en-GB" dirty="0"/>
+              <a:t>)</a:t>
+            </a:r>
+          </a:p>
+          <a:p>
+            <a:pPr lvl="3"/>
+            <a:r>
+              <a:rPr lang="en-GB" dirty="0" err="1"/>
+              <a:t>Estruturar</a:t>
+            </a:r>
+            <a:r>
+              <a:rPr lang="en-GB" dirty="0"/>
+              <a:t> server-side.</a:t>
+            </a:r>
+          </a:p>
+          <a:p>
+            <a:pPr lvl="4"/>
+            <a:r>
+              <a:rPr lang="en-GB" dirty="0"/>
+              <a:t>(</a:t>
+            </a:r>
+            <a:r>
+              <a:rPr lang="en-GB" dirty="0" err="1"/>
+              <a:t>Implementar</a:t>
+            </a:r>
+            <a:r>
+              <a:rPr lang="en-GB" dirty="0"/>
+              <a:t> </a:t>
+            </a:r>
+            <a:r>
+              <a:rPr lang="en-GB" dirty="0" err="1"/>
+              <a:t>ExpressJS</a:t>
+            </a:r>
+            <a:r>
+              <a:rPr lang="en-GB" dirty="0"/>
+              <a:t>, EJS, Webpack, Prettier, </a:t>
+            </a:r>
+            <a:r>
+              <a:rPr lang="en-GB" dirty="0" err="1"/>
+              <a:t>MySql</a:t>
+            </a:r>
+            <a:r>
+              <a:rPr lang="en-GB" dirty="0"/>
+              <a:t>, </a:t>
+            </a:r>
+            <a:r>
+              <a:rPr lang="en-GB" dirty="0" err="1"/>
+              <a:t>Jquery</a:t>
+            </a:r>
+            <a:r>
+              <a:rPr lang="en-GB" dirty="0"/>
+              <a:t>)</a:t>
+            </a:r>
+          </a:p>
+          <a:p>
+            <a:pPr lvl="3"/>
+            <a:endParaRPr lang="en-GB" dirty="0"/>
+          </a:p>
+        </p:txBody>
+      </p:sp>
+      <p:sp>
+        <p:nvSpPr>
+          <p:cNvPr id="18" name="Text Placeholder 5">
+            <a:extLst>
+              <a:ext uri="{FF2B5EF4-FFF2-40B4-BE49-F238E27FC236}">
+                <a16:creationId xmlns:a16="http://schemas.microsoft.com/office/drawing/2014/main" id="{93655D6A-EA90-2BDF-C59A-23E637509E95}"/>
               </a:ext>
             </a:extLst>
           </p:cNvPr>
           <p:cNvSpPr txBox="1">
-            <a:spLocks noGrp="1"/>
+            <a:spLocks/>
           </p:cNvSpPr>
-          <p:nvPr>
-            <p:ph type="title" idx="4294967295"/>
-          </p:nvPr>
+          <p:nvPr/>
         </p:nvSpPr>
         <p:spPr>
           <a:xfrm>
-            <a:off x="1709148" y="2895600"/>
-            <a:ext cx="5002346" cy="829649"/>
+            <a:off x="3276598" y="1295400"/>
+            <a:ext cx="2719385" cy="716711"/>
           </a:xfrm>
           <a:prstGeom prst="rect">
             <a:avLst/>
           </a:prstGeom>
-          <a:noFill/>
-          <a:ln>
-            <a:noFill/>
-            <a:prstDash/>
-          </a:ln>
-          <a:effectLst/>
+          <a:solidFill>
+            <a:srgbClr val="007D74"/>
+          </a:solidFill>
         </p:spPr>
         <p:txBody>
-          <a:bodyPr rot="0" spcFirstLastPara="0" vertOverflow="overflow" horzOverflow="overflow" vert="horz" wrap="square" lIns="0" tIns="90105" rIns="0" bIns="0" numCol="1" spcCol="0" rtlCol="0" fromWordArt="0" anchor="b" anchorCtr="0" forceAA="0" compatLnSpc="1">
-            <a:prstTxWarp prst="textNoShape">
-              <a:avLst/>
-            </a:prstTxWarp>
-            <a:spAutoFit/>
-          </a:bodyPr>
+          <a:bodyPr/>
           <a:lstStyle>
-            <a:lvl1pPr marL="0" marR="0" indent="0" algn="l" defTabSz="1507846" rtl="0" eaLnBrk="1" fontAlgn="auto" latinLnBrk="0" hangingPunct="1">
-              <a:lnSpc>
-                <a:spcPct val="90000"/>
-              </a:lnSpc>
-              <a:spcBef>
-                <a:spcPct val="0"/>
-              </a:spcBef>
-              <a:spcAft>
-                <a:spcPts val="0"/>
-              </a:spcAft>
-              <a:buClrTx/>
-              <a:buSzTx/>
-              <a:buFontTx/>
-              <a:buNone/>
-              <a:tabLst/>
-              <a:defRPr kumimoji="0" lang="en-US" sz="2950" b="0" i="0" u="none" strike="noStrike" kern="1200" cap="all" spc="0" normalizeH="0" baseline="0" noProof="0">
-                <a:ln>
-                  <a:noFill/>
-                </a:ln>
-                <a:solidFill>
-                  <a:schemeClr val="bg1"/>
-                </a:solidFill>
-                <a:effectLst/>
-                <a:uLnTx/>
-                <a:uFillTx/>
-                <a:latin typeface="Ubuntu Light"/>
-                <a:ea typeface="+mj-ea"/>
-                <a:cs typeface="Ubuntu Light"/>
-              </a:defRPr>
-            </a:lvl1pPr>
-          </a:lstStyle>
-          <a:p>
-            <a:pPr marL="7701" marR="3081" lvl="0" indent="0" algn="ctr" defTabSz="1507846" rtl="0" eaLnBrk="1" fontAlgn="auto" latinLnBrk="0" hangingPunct="1">
+            <a:lvl1pPr marL="0" indent="0" algn="l" defTabSz="914400" rtl="0" eaLnBrk="1" latinLnBrk="0" hangingPunct="1">
               <a:lnSpc>
                 <a:spcPct val="100000"/>
               </a:lnSpc>
@@ -21770,53 +21887,1555 @@
                 <a:spcPts val="0"/>
               </a:spcBef>
               <a:spcAft>
+                <a:spcPts val="600"/>
+              </a:spcAft>
+              <a:buFont typeface="Arial" panose="020B0604020202020204" pitchFamily="34" charset="0"/>
+              <a:buNone/>
+              <a:defRPr sz="2000" kern="1200" baseline="0">
+                <a:solidFill>
+                  <a:schemeClr val="tx1"/>
+                </a:solidFill>
+                <a:latin typeface="+mn-lt"/>
+                <a:ea typeface="+mn-ea"/>
+                <a:cs typeface="+mn-cs"/>
+              </a:defRPr>
+            </a:lvl1pPr>
+            <a:lvl2pPr marL="177800" indent="-177800" algn="l" defTabSz="914400" rtl="0" eaLnBrk="1" latinLnBrk="0" hangingPunct="1">
+              <a:lnSpc>
+                <a:spcPct val="100000"/>
+              </a:lnSpc>
+              <a:spcBef>
                 <a:spcPts val="0"/>
+              </a:spcBef>
+              <a:spcAft>
+                <a:spcPts val="600"/>
               </a:spcAft>
-              <a:buClrTx/>
-              <a:buSzTx/>
-              <a:buFontTx/>
-              <a:buNone/>
-              <a:tabLst/>
-              <a:defRPr/>
-            </a:pPr>
-            <a:r>
-              <a:rPr kumimoji="0" lang="en-US" sz="4800" i="0" u="none" strike="noStrike" kern="1200" cap="all" spc="-6" normalizeH="0" baseline="0" noProof="0" dirty="0">
-                <a:ln>
-                  <a:noFill/>
-                </a:ln>
+              <a:buClr>
+                <a:schemeClr val="accent1"/>
+              </a:buClr>
+              <a:buFont typeface="Wingdings" panose="05000000000000000000" pitchFamily="2" charset="2"/>
+              <a:buChar char="§"/>
+              <a:defRPr sz="1800" kern="1200" baseline="0">
+                <a:solidFill>
+                  <a:schemeClr val="tx1"/>
+                </a:solidFill>
+                <a:latin typeface="+mn-lt"/>
+                <a:ea typeface="+mn-ea"/>
+                <a:cs typeface="+mn-cs"/>
+              </a:defRPr>
+            </a:lvl2pPr>
+            <a:lvl3pPr marL="361950" indent="-184150" algn="l" defTabSz="914400" rtl="0" eaLnBrk="1" latinLnBrk="0" hangingPunct="1">
+              <a:lnSpc>
+                <a:spcPct val="100000"/>
+              </a:lnSpc>
+              <a:spcBef>
+                <a:spcPts val="0"/>
+              </a:spcBef>
+              <a:spcAft>
+                <a:spcPts val="600"/>
+              </a:spcAft>
+              <a:buClr>
+                <a:schemeClr val="accent2"/>
+              </a:buClr>
+              <a:buFont typeface="Arial" panose="020B0604020202020204" pitchFamily="34" charset="0"/>
+              <a:buChar char="•"/>
+              <a:defRPr sz="1600" kern="1200" baseline="0">
+                <a:solidFill>
+                  <a:schemeClr val="tx1"/>
+                </a:solidFill>
+                <a:latin typeface="+mn-lt"/>
+                <a:ea typeface="+mn-ea"/>
+                <a:cs typeface="+mn-cs"/>
+              </a:defRPr>
+            </a:lvl3pPr>
+            <a:lvl4pPr marL="539750" indent="-177800" algn="l" defTabSz="914400" rtl="0" eaLnBrk="1" latinLnBrk="0" hangingPunct="1">
+              <a:lnSpc>
+                <a:spcPct val="100000"/>
+              </a:lnSpc>
+              <a:spcBef>
+                <a:spcPts val="0"/>
+              </a:spcBef>
+              <a:spcAft>
+                <a:spcPts val="600"/>
+              </a:spcAft>
+              <a:buClr>
+                <a:schemeClr val="tx1"/>
+              </a:buClr>
+              <a:buFont typeface="Ubuntu" panose="020B0504030602030204" pitchFamily="34" charset="0"/>
+              <a:buChar char="–"/>
+              <a:defRPr sz="1400" kern="1200" baseline="0">
+                <a:solidFill>
+                  <a:schemeClr val="tx1"/>
+                </a:solidFill>
+                <a:latin typeface="+mn-lt"/>
+                <a:ea typeface="+mn-ea"/>
+                <a:cs typeface="+mn-cs"/>
+              </a:defRPr>
+            </a:lvl4pPr>
+            <a:lvl5pPr marL="717550" indent="-177800" algn="l" defTabSz="914400" rtl="0" eaLnBrk="1" latinLnBrk="0" hangingPunct="1">
+              <a:lnSpc>
+                <a:spcPct val="100000"/>
+              </a:lnSpc>
+              <a:spcBef>
+                <a:spcPts val="0"/>
+              </a:spcBef>
+              <a:spcAft>
+                <a:spcPts val="600"/>
+              </a:spcAft>
+              <a:buClr>
+                <a:schemeClr val="accent3"/>
+              </a:buClr>
+              <a:buFont typeface="Arial" panose="020B0604020202020204" pitchFamily="34" charset="0"/>
+              <a:buChar char="•"/>
+              <a:defRPr sz="1400" kern="1200" baseline="0">
+                <a:solidFill>
+                  <a:schemeClr val="tx1"/>
+                </a:solidFill>
+                <a:latin typeface="+mn-lt"/>
+                <a:ea typeface="+mn-ea"/>
+                <a:cs typeface="+mn-cs"/>
+              </a:defRPr>
+            </a:lvl5pPr>
+            <a:lvl6pPr marL="2514600" indent="-228600" algn="l" defTabSz="914400" rtl="0" eaLnBrk="1" latinLnBrk="0" hangingPunct="1">
+              <a:lnSpc>
+                <a:spcPct val="90000"/>
+              </a:lnSpc>
+              <a:spcBef>
+                <a:spcPts val="500"/>
+              </a:spcBef>
+              <a:buFont typeface="Arial" panose="020B0604020202020204" pitchFamily="34" charset="0"/>
+              <a:buChar char="•"/>
+              <a:defRPr sz="1800" kern="1200">
+                <a:solidFill>
+                  <a:schemeClr val="tx1"/>
+                </a:solidFill>
+                <a:latin typeface="+mn-lt"/>
+                <a:ea typeface="+mn-ea"/>
+                <a:cs typeface="+mn-cs"/>
+              </a:defRPr>
+            </a:lvl6pPr>
+            <a:lvl7pPr marL="2971800" indent="-228600" algn="l" defTabSz="914400" rtl="0" eaLnBrk="1" latinLnBrk="0" hangingPunct="1">
+              <a:lnSpc>
+                <a:spcPct val="90000"/>
+              </a:lnSpc>
+              <a:spcBef>
+                <a:spcPts val="500"/>
+              </a:spcBef>
+              <a:buFont typeface="Arial" panose="020B0604020202020204" pitchFamily="34" charset="0"/>
+              <a:buChar char="•"/>
+              <a:defRPr sz="1800" kern="1200">
+                <a:solidFill>
+                  <a:schemeClr val="tx1"/>
+                </a:solidFill>
+                <a:latin typeface="+mn-lt"/>
+                <a:ea typeface="+mn-ea"/>
+                <a:cs typeface="+mn-cs"/>
+              </a:defRPr>
+            </a:lvl7pPr>
+            <a:lvl8pPr marL="3429000" indent="-228600" algn="l" defTabSz="914400" rtl="0" eaLnBrk="1" latinLnBrk="0" hangingPunct="1">
+              <a:lnSpc>
+                <a:spcPct val="90000"/>
+              </a:lnSpc>
+              <a:spcBef>
+                <a:spcPts val="500"/>
+              </a:spcBef>
+              <a:buFont typeface="Arial" panose="020B0604020202020204" pitchFamily="34" charset="0"/>
+              <a:buChar char="•"/>
+              <a:defRPr sz="1800" kern="1200">
+                <a:solidFill>
+                  <a:schemeClr val="tx1"/>
+                </a:solidFill>
+                <a:latin typeface="+mn-lt"/>
+                <a:ea typeface="+mn-ea"/>
+                <a:cs typeface="+mn-cs"/>
+              </a:defRPr>
+            </a:lvl8pPr>
+            <a:lvl9pPr marL="3886200" indent="-228600" algn="l" defTabSz="914400" rtl="0" eaLnBrk="1" latinLnBrk="0" hangingPunct="1">
+              <a:lnSpc>
+                <a:spcPct val="90000"/>
+              </a:lnSpc>
+              <a:spcBef>
+                <a:spcPts val="500"/>
+              </a:spcBef>
+              <a:buFont typeface="Arial" panose="020B0604020202020204" pitchFamily="34" charset="0"/>
+              <a:buChar char="•"/>
+              <a:defRPr sz="1800" kern="1200">
+                <a:solidFill>
+                  <a:schemeClr val="tx1"/>
+                </a:solidFill>
+                <a:latin typeface="+mn-lt"/>
+                <a:ea typeface="+mn-ea"/>
+                <a:cs typeface="+mn-cs"/>
+              </a:defRPr>
+            </a:lvl9pPr>
+          </a:lstStyle>
+          <a:p>
+            <a:r>
+              <a:rPr lang="en-GB" sz="1800">
                 <a:solidFill>
                   <a:schemeClr val="bg1"/>
                 </a:solidFill>
-                <a:effectLst/>
-                <a:uLnTx/>
-                <a:uFillTx/>
-                <a:latin typeface="Ubuntu Light"/>
-                <a:ea typeface="+mj-ea"/>
-                <a:cs typeface="Ubuntu Light"/>
               </a:rPr>
-              <a:t>implementação</a:t>
-            </a:r>
-            <a:endParaRPr kumimoji="0" lang="en-US" sz="5400" i="0" u="none" strike="noStrike" kern="1200" cap="all" spc="0" normalizeH="0" baseline="0" noProof="0" dirty="0">
-              <a:ln>
-                <a:noFill/>
-              </a:ln>
+              <a:t>2ª </a:t>
+            </a:r>
+            <a:r>
+              <a:rPr lang="en-GB" sz="1800" err="1">
+                <a:solidFill>
+                  <a:schemeClr val="bg1"/>
+                </a:solidFill>
+              </a:rPr>
+              <a:t>Fase</a:t>
+            </a:r>
+            <a:endParaRPr lang="en-GB" sz="1800">
               <a:solidFill>
+                <a:schemeClr val="bg1"/>
+              </a:solidFill>
+            </a:endParaRPr>
+          </a:p>
+          <a:p>
+            <a:endParaRPr lang="en-GB" sz="1800">
+              <a:solidFill>
+                <a:schemeClr val="bg1"/>
+              </a:solidFill>
+            </a:endParaRPr>
+          </a:p>
+        </p:txBody>
+      </p:sp>
+      <p:sp>
+        <p:nvSpPr>
+          <p:cNvPr id="19" name="Text Placeholder 4">
+            <a:extLst>
+              <a:ext uri="{FF2B5EF4-FFF2-40B4-BE49-F238E27FC236}">
+                <a16:creationId xmlns:a16="http://schemas.microsoft.com/office/drawing/2014/main" id="{5F40F9CF-7C2C-BDB7-5EC5-E26B6B4E5FC8}"/>
+              </a:ext>
+            </a:extLst>
+          </p:cNvPr>
+          <p:cNvSpPr txBox="1">
+            <a:spLocks/>
+          </p:cNvSpPr>
+          <p:nvPr/>
+        </p:nvSpPr>
+        <p:spPr>
+          <a:xfrm>
+            <a:off x="3021723" y="2273343"/>
+            <a:ext cx="2719376" cy="4076234"/>
+          </a:xfrm>
+          <a:prstGeom prst="rect">
+            <a:avLst/>
+          </a:prstGeom>
+        </p:spPr>
+        <p:txBody>
+          <a:bodyPr vert="horz" lIns="0" tIns="0" rIns="0" bIns="0" rtlCol="0">
+            <a:noAutofit/>
+          </a:bodyPr>
+          <a:lstStyle>
+            <a:lvl1pPr marL="0" indent="0" algn="l" defTabSz="914400" rtl="0" eaLnBrk="1" latinLnBrk="0" hangingPunct="1">
+              <a:lnSpc>
+                <a:spcPct val="100000"/>
+              </a:lnSpc>
+              <a:spcBef>
+                <a:spcPts val="0"/>
+              </a:spcBef>
+              <a:spcAft>
+                <a:spcPts val="600"/>
+              </a:spcAft>
+              <a:buFont typeface="Arial" panose="020B0604020202020204" pitchFamily="34" charset="0"/>
+              <a:buNone/>
+              <a:defRPr sz="2000" kern="1200" baseline="0">
+                <a:solidFill>
+                  <a:schemeClr val="bg1"/>
+                </a:solidFill>
+                <a:latin typeface="+mn-lt"/>
+                <a:ea typeface="+mn-ea"/>
+                <a:cs typeface="+mn-cs"/>
+              </a:defRPr>
+            </a:lvl1pPr>
+            <a:lvl2pPr marL="177800" indent="-177800" algn="l" defTabSz="914400" rtl="0" eaLnBrk="1" latinLnBrk="0" hangingPunct="1">
+              <a:lnSpc>
+                <a:spcPct val="100000"/>
+              </a:lnSpc>
+              <a:spcBef>
+                <a:spcPts val="0"/>
+              </a:spcBef>
+              <a:spcAft>
+                <a:spcPts val="600"/>
+              </a:spcAft>
+              <a:buClr>
+                <a:schemeClr val="accent1"/>
+              </a:buClr>
+              <a:buFont typeface="Wingdings" panose="05000000000000000000" pitchFamily="2" charset="2"/>
+              <a:buChar char="§"/>
+              <a:defRPr sz="1800" kern="1200" baseline="0">
+                <a:solidFill>
+                  <a:schemeClr val="bg1"/>
+                </a:solidFill>
+                <a:latin typeface="+mn-lt"/>
+                <a:ea typeface="+mn-ea"/>
+                <a:cs typeface="+mn-cs"/>
+              </a:defRPr>
+            </a:lvl2pPr>
+            <a:lvl3pPr marL="361950" indent="-184150" algn="l" defTabSz="914400" rtl="0" eaLnBrk="1" latinLnBrk="0" hangingPunct="1">
+              <a:lnSpc>
+                <a:spcPct val="100000"/>
+              </a:lnSpc>
+              <a:spcBef>
+                <a:spcPts val="0"/>
+              </a:spcBef>
+              <a:spcAft>
+                <a:spcPts val="600"/>
+              </a:spcAft>
+              <a:buClr>
                 <a:schemeClr val="accent2"/>
+              </a:buClr>
+              <a:buFont typeface="Arial" panose="020B0604020202020204" pitchFamily="34" charset="0"/>
+              <a:buChar char="•"/>
+              <a:defRPr sz="1600" kern="1200" baseline="0">
+                <a:solidFill>
+                  <a:schemeClr val="bg1"/>
+                </a:solidFill>
+                <a:latin typeface="+mn-lt"/>
+                <a:ea typeface="+mn-ea"/>
+                <a:cs typeface="+mn-cs"/>
+              </a:defRPr>
+            </a:lvl3pPr>
+            <a:lvl4pPr marL="539750" indent="-177800" algn="l" defTabSz="914400" rtl="0" eaLnBrk="1" latinLnBrk="0" hangingPunct="1">
+              <a:lnSpc>
+                <a:spcPct val="100000"/>
+              </a:lnSpc>
+              <a:spcBef>
+                <a:spcPts val="0"/>
+              </a:spcBef>
+              <a:spcAft>
+                <a:spcPts val="600"/>
+              </a:spcAft>
+              <a:buClr>
+                <a:schemeClr val="accent5"/>
+              </a:buClr>
+              <a:buFont typeface="Ubuntu" panose="020B0504030602030204" pitchFamily="34" charset="0"/>
+              <a:buChar char="–"/>
+              <a:defRPr sz="1400" kern="1200" baseline="0">
+                <a:solidFill>
+                  <a:schemeClr val="bg1"/>
+                </a:solidFill>
+                <a:latin typeface="+mn-lt"/>
+                <a:ea typeface="+mn-ea"/>
+                <a:cs typeface="+mn-cs"/>
+              </a:defRPr>
+            </a:lvl4pPr>
+            <a:lvl5pPr marL="717550" indent="-177800" algn="l" defTabSz="914400" rtl="0" eaLnBrk="1" latinLnBrk="0" hangingPunct="1">
+              <a:lnSpc>
+                <a:spcPct val="100000"/>
+              </a:lnSpc>
+              <a:spcBef>
+                <a:spcPts val="0"/>
+              </a:spcBef>
+              <a:spcAft>
+                <a:spcPts val="600"/>
+              </a:spcAft>
+              <a:buClr>
+                <a:schemeClr val="bg1"/>
+              </a:buClr>
+              <a:buFont typeface="Arial" panose="020B0604020202020204" pitchFamily="34" charset="0"/>
+              <a:buChar char="•"/>
+              <a:defRPr sz="1400" kern="1200" baseline="0">
+                <a:solidFill>
+                  <a:schemeClr val="bg1"/>
+                </a:solidFill>
+                <a:latin typeface="+mn-lt"/>
+                <a:ea typeface="+mn-ea"/>
+                <a:cs typeface="+mn-cs"/>
+              </a:defRPr>
+            </a:lvl5pPr>
+            <a:lvl6pPr marL="2514600" indent="-228600" algn="l" defTabSz="914400" rtl="0" eaLnBrk="1" latinLnBrk="0" hangingPunct="1">
+              <a:lnSpc>
+                <a:spcPct val="90000"/>
+              </a:lnSpc>
+              <a:spcBef>
+                <a:spcPts val="500"/>
+              </a:spcBef>
+              <a:buFont typeface="Arial" panose="020B0604020202020204" pitchFamily="34" charset="0"/>
+              <a:buChar char="•"/>
+              <a:defRPr sz="1800" kern="1200">
+                <a:solidFill>
+                  <a:schemeClr val="tx1"/>
+                </a:solidFill>
+                <a:latin typeface="+mn-lt"/>
+                <a:ea typeface="+mn-ea"/>
+                <a:cs typeface="+mn-cs"/>
+              </a:defRPr>
+            </a:lvl6pPr>
+            <a:lvl7pPr marL="2971800" indent="-228600" algn="l" defTabSz="914400" rtl="0" eaLnBrk="1" latinLnBrk="0" hangingPunct="1">
+              <a:lnSpc>
+                <a:spcPct val="90000"/>
+              </a:lnSpc>
+              <a:spcBef>
+                <a:spcPts val="500"/>
+              </a:spcBef>
+              <a:buFont typeface="Arial" panose="020B0604020202020204" pitchFamily="34" charset="0"/>
+              <a:buChar char="•"/>
+              <a:defRPr sz="1800" kern="1200">
+                <a:solidFill>
+                  <a:schemeClr val="tx1"/>
+                </a:solidFill>
+                <a:latin typeface="+mn-lt"/>
+                <a:ea typeface="+mn-ea"/>
+                <a:cs typeface="+mn-cs"/>
+              </a:defRPr>
+            </a:lvl7pPr>
+            <a:lvl8pPr marL="3429000" indent="-228600" algn="l" defTabSz="914400" rtl="0" eaLnBrk="1" latinLnBrk="0" hangingPunct="1">
+              <a:lnSpc>
+                <a:spcPct val="90000"/>
+              </a:lnSpc>
+              <a:spcBef>
+                <a:spcPts val="500"/>
+              </a:spcBef>
+              <a:buFont typeface="Arial" panose="020B0604020202020204" pitchFamily="34" charset="0"/>
+              <a:buChar char="•"/>
+              <a:defRPr sz="1800" kern="1200">
+                <a:solidFill>
+                  <a:schemeClr val="tx1"/>
+                </a:solidFill>
+                <a:latin typeface="+mn-lt"/>
+                <a:ea typeface="+mn-ea"/>
+                <a:cs typeface="+mn-cs"/>
+              </a:defRPr>
+            </a:lvl8pPr>
+            <a:lvl9pPr marL="3886200" indent="-228600" algn="l" defTabSz="914400" rtl="0" eaLnBrk="1" latinLnBrk="0" hangingPunct="1">
+              <a:lnSpc>
+                <a:spcPct val="90000"/>
+              </a:lnSpc>
+              <a:spcBef>
+                <a:spcPts val="500"/>
+              </a:spcBef>
+              <a:buFont typeface="Arial" panose="020B0604020202020204" pitchFamily="34" charset="0"/>
+              <a:buChar char="•"/>
+              <a:defRPr sz="1800" kern="1200">
+                <a:solidFill>
+                  <a:schemeClr val="tx1"/>
+                </a:solidFill>
+                <a:latin typeface="+mn-lt"/>
+                <a:ea typeface="+mn-ea"/>
+                <a:cs typeface="+mn-cs"/>
+              </a:defRPr>
+            </a:lvl9pPr>
+          </a:lstStyle>
+          <a:p>
+            <a:pPr lvl="3"/>
+            <a:r>
+              <a:rPr lang="en-GB" dirty="0" err="1"/>
+              <a:t>Estruturar</a:t>
+            </a:r>
+            <a:r>
+              <a:rPr lang="en-GB" dirty="0"/>
+              <a:t> client-side;</a:t>
+            </a:r>
+          </a:p>
+          <a:p>
+            <a:pPr lvl="4"/>
+            <a:r>
+              <a:rPr lang="en-GB" dirty="0"/>
+              <a:t>(</a:t>
+            </a:r>
+            <a:r>
+              <a:rPr lang="en-GB" dirty="0" err="1"/>
+              <a:t>Implementar</a:t>
+            </a:r>
+            <a:r>
+              <a:rPr lang="en-GB" dirty="0"/>
+              <a:t> SASS, Bootstrap, Gulp, etc.)</a:t>
+            </a:r>
+          </a:p>
+        </p:txBody>
+      </p:sp>
+      <p:sp>
+        <p:nvSpPr>
+          <p:cNvPr id="20" name="Text Placeholder 5">
+            <a:extLst>
+              <a:ext uri="{FF2B5EF4-FFF2-40B4-BE49-F238E27FC236}">
+                <a16:creationId xmlns:a16="http://schemas.microsoft.com/office/drawing/2014/main" id="{1F271B16-BD0A-6E14-E680-A5C913ED3A43}"/>
+              </a:ext>
+            </a:extLst>
+          </p:cNvPr>
+          <p:cNvSpPr txBox="1">
+            <a:spLocks/>
+          </p:cNvSpPr>
+          <p:nvPr/>
+        </p:nvSpPr>
+        <p:spPr>
+          <a:xfrm>
+            <a:off x="6248400" y="1295400"/>
+            <a:ext cx="2719385" cy="716711"/>
+          </a:xfrm>
+          <a:prstGeom prst="rect">
+            <a:avLst/>
+          </a:prstGeom>
+          <a:solidFill>
+            <a:srgbClr val="007D74"/>
+          </a:solidFill>
+        </p:spPr>
+        <p:txBody>
+          <a:bodyPr/>
+          <a:lstStyle>
+            <a:lvl1pPr marL="0" indent="0" algn="l" defTabSz="914400" rtl="0" eaLnBrk="1" latinLnBrk="0" hangingPunct="1">
+              <a:lnSpc>
+                <a:spcPct val="100000"/>
+              </a:lnSpc>
+              <a:spcBef>
+                <a:spcPts val="0"/>
+              </a:spcBef>
+              <a:spcAft>
+                <a:spcPts val="600"/>
+              </a:spcAft>
+              <a:buFont typeface="Arial" panose="020B0604020202020204" pitchFamily="34" charset="0"/>
+              <a:buNone/>
+              <a:defRPr sz="2000" kern="1200" baseline="0">
+                <a:solidFill>
+                  <a:schemeClr val="tx1"/>
+                </a:solidFill>
+                <a:latin typeface="+mn-lt"/>
+                <a:ea typeface="+mn-ea"/>
+                <a:cs typeface="+mn-cs"/>
+              </a:defRPr>
+            </a:lvl1pPr>
+            <a:lvl2pPr marL="177800" indent="-177800" algn="l" defTabSz="914400" rtl="0" eaLnBrk="1" latinLnBrk="0" hangingPunct="1">
+              <a:lnSpc>
+                <a:spcPct val="100000"/>
+              </a:lnSpc>
+              <a:spcBef>
+                <a:spcPts val="0"/>
+              </a:spcBef>
+              <a:spcAft>
+                <a:spcPts val="600"/>
+              </a:spcAft>
+              <a:buClr>
+                <a:schemeClr val="accent1"/>
+              </a:buClr>
+              <a:buFont typeface="Wingdings" panose="05000000000000000000" pitchFamily="2" charset="2"/>
+              <a:buChar char="§"/>
+              <a:defRPr sz="1800" kern="1200" baseline="0">
+                <a:solidFill>
+                  <a:schemeClr val="tx1"/>
+                </a:solidFill>
+                <a:latin typeface="+mn-lt"/>
+                <a:ea typeface="+mn-ea"/>
+                <a:cs typeface="+mn-cs"/>
+              </a:defRPr>
+            </a:lvl2pPr>
+            <a:lvl3pPr marL="361950" indent="-184150" algn="l" defTabSz="914400" rtl="0" eaLnBrk="1" latinLnBrk="0" hangingPunct="1">
+              <a:lnSpc>
+                <a:spcPct val="100000"/>
+              </a:lnSpc>
+              <a:spcBef>
+                <a:spcPts val="0"/>
+              </a:spcBef>
+              <a:spcAft>
+                <a:spcPts val="600"/>
+              </a:spcAft>
+              <a:buClr>
+                <a:schemeClr val="accent2"/>
+              </a:buClr>
+              <a:buFont typeface="Arial" panose="020B0604020202020204" pitchFamily="34" charset="0"/>
+              <a:buChar char="•"/>
+              <a:defRPr sz="1600" kern="1200" baseline="0">
+                <a:solidFill>
+                  <a:schemeClr val="tx1"/>
+                </a:solidFill>
+                <a:latin typeface="+mn-lt"/>
+                <a:ea typeface="+mn-ea"/>
+                <a:cs typeface="+mn-cs"/>
+              </a:defRPr>
+            </a:lvl3pPr>
+            <a:lvl4pPr marL="539750" indent="-177800" algn="l" defTabSz="914400" rtl="0" eaLnBrk="1" latinLnBrk="0" hangingPunct="1">
+              <a:lnSpc>
+                <a:spcPct val="100000"/>
+              </a:lnSpc>
+              <a:spcBef>
+                <a:spcPts val="0"/>
+              </a:spcBef>
+              <a:spcAft>
+                <a:spcPts val="600"/>
+              </a:spcAft>
+              <a:buClr>
+                <a:schemeClr val="tx1"/>
+              </a:buClr>
+              <a:buFont typeface="Ubuntu" panose="020B0504030602030204" pitchFamily="34" charset="0"/>
+              <a:buChar char="–"/>
+              <a:defRPr sz="1400" kern="1200" baseline="0">
+                <a:solidFill>
+                  <a:schemeClr val="tx1"/>
+                </a:solidFill>
+                <a:latin typeface="+mn-lt"/>
+                <a:ea typeface="+mn-ea"/>
+                <a:cs typeface="+mn-cs"/>
+              </a:defRPr>
+            </a:lvl4pPr>
+            <a:lvl5pPr marL="717550" indent="-177800" algn="l" defTabSz="914400" rtl="0" eaLnBrk="1" latinLnBrk="0" hangingPunct="1">
+              <a:lnSpc>
+                <a:spcPct val="100000"/>
+              </a:lnSpc>
+              <a:spcBef>
+                <a:spcPts val="0"/>
+              </a:spcBef>
+              <a:spcAft>
+                <a:spcPts val="600"/>
+              </a:spcAft>
+              <a:buClr>
+                <a:schemeClr val="accent3"/>
+              </a:buClr>
+              <a:buFont typeface="Arial" panose="020B0604020202020204" pitchFamily="34" charset="0"/>
+              <a:buChar char="•"/>
+              <a:defRPr sz="1400" kern="1200" baseline="0">
+                <a:solidFill>
+                  <a:schemeClr val="tx1"/>
+                </a:solidFill>
+                <a:latin typeface="+mn-lt"/>
+                <a:ea typeface="+mn-ea"/>
+                <a:cs typeface="+mn-cs"/>
+              </a:defRPr>
+            </a:lvl5pPr>
+            <a:lvl6pPr marL="2514600" indent="-228600" algn="l" defTabSz="914400" rtl="0" eaLnBrk="1" latinLnBrk="0" hangingPunct="1">
+              <a:lnSpc>
+                <a:spcPct val="90000"/>
+              </a:lnSpc>
+              <a:spcBef>
+                <a:spcPts val="500"/>
+              </a:spcBef>
+              <a:buFont typeface="Arial" panose="020B0604020202020204" pitchFamily="34" charset="0"/>
+              <a:buChar char="•"/>
+              <a:defRPr sz="1800" kern="1200">
+                <a:solidFill>
+                  <a:schemeClr val="tx1"/>
+                </a:solidFill>
+                <a:latin typeface="+mn-lt"/>
+                <a:ea typeface="+mn-ea"/>
+                <a:cs typeface="+mn-cs"/>
+              </a:defRPr>
+            </a:lvl6pPr>
+            <a:lvl7pPr marL="2971800" indent="-228600" algn="l" defTabSz="914400" rtl="0" eaLnBrk="1" latinLnBrk="0" hangingPunct="1">
+              <a:lnSpc>
+                <a:spcPct val="90000"/>
+              </a:lnSpc>
+              <a:spcBef>
+                <a:spcPts val="500"/>
+              </a:spcBef>
+              <a:buFont typeface="Arial" panose="020B0604020202020204" pitchFamily="34" charset="0"/>
+              <a:buChar char="•"/>
+              <a:defRPr sz="1800" kern="1200">
+                <a:solidFill>
+                  <a:schemeClr val="tx1"/>
+                </a:solidFill>
+                <a:latin typeface="+mn-lt"/>
+                <a:ea typeface="+mn-ea"/>
+                <a:cs typeface="+mn-cs"/>
+              </a:defRPr>
+            </a:lvl7pPr>
+            <a:lvl8pPr marL="3429000" indent="-228600" algn="l" defTabSz="914400" rtl="0" eaLnBrk="1" latinLnBrk="0" hangingPunct="1">
+              <a:lnSpc>
+                <a:spcPct val="90000"/>
+              </a:lnSpc>
+              <a:spcBef>
+                <a:spcPts val="500"/>
+              </a:spcBef>
+              <a:buFont typeface="Arial" panose="020B0604020202020204" pitchFamily="34" charset="0"/>
+              <a:buChar char="•"/>
+              <a:defRPr sz="1800" kern="1200">
+                <a:solidFill>
+                  <a:schemeClr val="tx1"/>
+                </a:solidFill>
+                <a:latin typeface="+mn-lt"/>
+                <a:ea typeface="+mn-ea"/>
+                <a:cs typeface="+mn-cs"/>
+              </a:defRPr>
+            </a:lvl8pPr>
+            <a:lvl9pPr marL="3886200" indent="-228600" algn="l" defTabSz="914400" rtl="0" eaLnBrk="1" latinLnBrk="0" hangingPunct="1">
+              <a:lnSpc>
+                <a:spcPct val="90000"/>
+              </a:lnSpc>
+              <a:spcBef>
+                <a:spcPts val="500"/>
+              </a:spcBef>
+              <a:buFont typeface="Arial" panose="020B0604020202020204" pitchFamily="34" charset="0"/>
+              <a:buChar char="•"/>
+              <a:defRPr sz="1800" kern="1200">
+                <a:solidFill>
+                  <a:schemeClr val="tx1"/>
+                </a:solidFill>
+                <a:latin typeface="+mn-lt"/>
+                <a:ea typeface="+mn-ea"/>
+                <a:cs typeface="+mn-cs"/>
+              </a:defRPr>
+            </a:lvl9pPr>
+          </a:lstStyle>
+          <a:p>
+            <a:r>
+              <a:rPr lang="en-GB" sz="1800">
+                <a:solidFill>
+                  <a:schemeClr val="bg1"/>
+                </a:solidFill>
+              </a:rPr>
+              <a:t>3ª </a:t>
+            </a:r>
+            <a:r>
+              <a:rPr lang="en-GB" sz="1800" err="1">
+                <a:solidFill>
+                  <a:schemeClr val="bg1"/>
+                </a:solidFill>
+              </a:rPr>
+              <a:t>Fase</a:t>
+            </a:r>
+            <a:endParaRPr lang="en-GB" sz="1800">
+              <a:solidFill>
+                <a:schemeClr val="bg1"/>
               </a:solidFill>
-              <a:effectLst/>
-              <a:uLnTx/>
-              <a:uFillTx/>
-              <a:latin typeface="Ubuntu Light"/>
-              <a:ea typeface="+mj-ea"/>
-              <a:cs typeface="Ubuntu Light"/>
             </a:endParaRPr>
+          </a:p>
+          <a:p>
+            <a:endParaRPr lang="en-GB" sz="1800">
+              <a:solidFill>
+                <a:schemeClr val="bg1"/>
+              </a:solidFill>
+            </a:endParaRPr>
+          </a:p>
+        </p:txBody>
+      </p:sp>
+      <p:sp>
+        <p:nvSpPr>
+          <p:cNvPr id="21" name="Text Placeholder 4">
+            <a:extLst>
+              <a:ext uri="{FF2B5EF4-FFF2-40B4-BE49-F238E27FC236}">
+                <a16:creationId xmlns:a16="http://schemas.microsoft.com/office/drawing/2014/main" id="{E8DD302A-0129-1DCC-A013-F7336AFE59EC}"/>
+              </a:ext>
+            </a:extLst>
+          </p:cNvPr>
+          <p:cNvSpPr txBox="1">
+            <a:spLocks/>
+          </p:cNvSpPr>
+          <p:nvPr/>
+        </p:nvSpPr>
+        <p:spPr>
+          <a:xfrm>
+            <a:off x="5995983" y="2273343"/>
+            <a:ext cx="2719376" cy="4076234"/>
+          </a:xfrm>
+          <a:prstGeom prst="rect">
+            <a:avLst/>
+          </a:prstGeom>
+        </p:spPr>
+        <p:txBody>
+          <a:bodyPr vert="horz" lIns="0" tIns="0" rIns="0" bIns="0" rtlCol="0">
+            <a:noAutofit/>
+          </a:bodyPr>
+          <a:lstStyle>
+            <a:lvl1pPr marL="0" indent="0" algn="l" defTabSz="914400" rtl="0" eaLnBrk="1" latinLnBrk="0" hangingPunct="1">
+              <a:lnSpc>
+                <a:spcPct val="100000"/>
+              </a:lnSpc>
+              <a:spcBef>
+                <a:spcPts val="0"/>
+              </a:spcBef>
+              <a:spcAft>
+                <a:spcPts val="600"/>
+              </a:spcAft>
+              <a:buFont typeface="Arial" panose="020B0604020202020204" pitchFamily="34" charset="0"/>
+              <a:buNone/>
+              <a:defRPr sz="2000" kern="1200" baseline="0">
+                <a:solidFill>
+                  <a:schemeClr val="bg1"/>
+                </a:solidFill>
+                <a:latin typeface="+mn-lt"/>
+                <a:ea typeface="+mn-ea"/>
+                <a:cs typeface="+mn-cs"/>
+              </a:defRPr>
+            </a:lvl1pPr>
+            <a:lvl2pPr marL="177800" indent="-177800" algn="l" defTabSz="914400" rtl="0" eaLnBrk="1" latinLnBrk="0" hangingPunct="1">
+              <a:lnSpc>
+                <a:spcPct val="100000"/>
+              </a:lnSpc>
+              <a:spcBef>
+                <a:spcPts val="0"/>
+              </a:spcBef>
+              <a:spcAft>
+                <a:spcPts val="600"/>
+              </a:spcAft>
+              <a:buClr>
+                <a:schemeClr val="accent1"/>
+              </a:buClr>
+              <a:buFont typeface="Wingdings" panose="05000000000000000000" pitchFamily="2" charset="2"/>
+              <a:buChar char="§"/>
+              <a:defRPr sz="1800" kern="1200" baseline="0">
+                <a:solidFill>
+                  <a:schemeClr val="bg1"/>
+                </a:solidFill>
+                <a:latin typeface="+mn-lt"/>
+                <a:ea typeface="+mn-ea"/>
+                <a:cs typeface="+mn-cs"/>
+              </a:defRPr>
+            </a:lvl2pPr>
+            <a:lvl3pPr marL="361950" indent="-184150" algn="l" defTabSz="914400" rtl="0" eaLnBrk="1" latinLnBrk="0" hangingPunct="1">
+              <a:lnSpc>
+                <a:spcPct val="100000"/>
+              </a:lnSpc>
+              <a:spcBef>
+                <a:spcPts val="0"/>
+              </a:spcBef>
+              <a:spcAft>
+                <a:spcPts val="600"/>
+              </a:spcAft>
+              <a:buClr>
+                <a:schemeClr val="accent2"/>
+              </a:buClr>
+              <a:buFont typeface="Arial" panose="020B0604020202020204" pitchFamily="34" charset="0"/>
+              <a:buChar char="•"/>
+              <a:defRPr sz="1600" kern="1200" baseline="0">
+                <a:solidFill>
+                  <a:schemeClr val="bg1"/>
+                </a:solidFill>
+                <a:latin typeface="+mn-lt"/>
+                <a:ea typeface="+mn-ea"/>
+                <a:cs typeface="+mn-cs"/>
+              </a:defRPr>
+            </a:lvl3pPr>
+            <a:lvl4pPr marL="539750" indent="-177800" algn="l" defTabSz="914400" rtl="0" eaLnBrk="1" latinLnBrk="0" hangingPunct="1">
+              <a:lnSpc>
+                <a:spcPct val="100000"/>
+              </a:lnSpc>
+              <a:spcBef>
+                <a:spcPts val="0"/>
+              </a:spcBef>
+              <a:spcAft>
+                <a:spcPts val="600"/>
+              </a:spcAft>
+              <a:buClr>
+                <a:schemeClr val="accent5"/>
+              </a:buClr>
+              <a:buFont typeface="Ubuntu" panose="020B0504030602030204" pitchFamily="34" charset="0"/>
+              <a:buChar char="–"/>
+              <a:defRPr sz="1400" kern="1200" baseline="0">
+                <a:solidFill>
+                  <a:schemeClr val="bg1"/>
+                </a:solidFill>
+                <a:latin typeface="+mn-lt"/>
+                <a:ea typeface="+mn-ea"/>
+                <a:cs typeface="+mn-cs"/>
+              </a:defRPr>
+            </a:lvl4pPr>
+            <a:lvl5pPr marL="717550" indent="-177800" algn="l" defTabSz="914400" rtl="0" eaLnBrk="1" latinLnBrk="0" hangingPunct="1">
+              <a:lnSpc>
+                <a:spcPct val="100000"/>
+              </a:lnSpc>
+              <a:spcBef>
+                <a:spcPts val="0"/>
+              </a:spcBef>
+              <a:spcAft>
+                <a:spcPts val="600"/>
+              </a:spcAft>
+              <a:buClr>
+                <a:schemeClr val="bg1"/>
+              </a:buClr>
+              <a:buFont typeface="Arial" panose="020B0604020202020204" pitchFamily="34" charset="0"/>
+              <a:buChar char="•"/>
+              <a:defRPr sz="1400" kern="1200" baseline="0">
+                <a:solidFill>
+                  <a:schemeClr val="bg1"/>
+                </a:solidFill>
+                <a:latin typeface="+mn-lt"/>
+                <a:ea typeface="+mn-ea"/>
+                <a:cs typeface="+mn-cs"/>
+              </a:defRPr>
+            </a:lvl5pPr>
+            <a:lvl6pPr marL="2514600" indent="-228600" algn="l" defTabSz="914400" rtl="0" eaLnBrk="1" latinLnBrk="0" hangingPunct="1">
+              <a:lnSpc>
+                <a:spcPct val="90000"/>
+              </a:lnSpc>
+              <a:spcBef>
+                <a:spcPts val="500"/>
+              </a:spcBef>
+              <a:buFont typeface="Arial" panose="020B0604020202020204" pitchFamily="34" charset="0"/>
+              <a:buChar char="•"/>
+              <a:defRPr sz="1800" kern="1200">
+                <a:solidFill>
+                  <a:schemeClr val="tx1"/>
+                </a:solidFill>
+                <a:latin typeface="+mn-lt"/>
+                <a:ea typeface="+mn-ea"/>
+                <a:cs typeface="+mn-cs"/>
+              </a:defRPr>
+            </a:lvl6pPr>
+            <a:lvl7pPr marL="2971800" indent="-228600" algn="l" defTabSz="914400" rtl="0" eaLnBrk="1" latinLnBrk="0" hangingPunct="1">
+              <a:lnSpc>
+                <a:spcPct val="90000"/>
+              </a:lnSpc>
+              <a:spcBef>
+                <a:spcPts val="500"/>
+              </a:spcBef>
+              <a:buFont typeface="Arial" panose="020B0604020202020204" pitchFamily="34" charset="0"/>
+              <a:buChar char="•"/>
+              <a:defRPr sz="1800" kern="1200">
+                <a:solidFill>
+                  <a:schemeClr val="tx1"/>
+                </a:solidFill>
+                <a:latin typeface="+mn-lt"/>
+                <a:ea typeface="+mn-ea"/>
+                <a:cs typeface="+mn-cs"/>
+              </a:defRPr>
+            </a:lvl7pPr>
+            <a:lvl8pPr marL="3429000" indent="-228600" algn="l" defTabSz="914400" rtl="0" eaLnBrk="1" latinLnBrk="0" hangingPunct="1">
+              <a:lnSpc>
+                <a:spcPct val="90000"/>
+              </a:lnSpc>
+              <a:spcBef>
+                <a:spcPts val="500"/>
+              </a:spcBef>
+              <a:buFont typeface="Arial" panose="020B0604020202020204" pitchFamily="34" charset="0"/>
+              <a:buChar char="•"/>
+              <a:defRPr sz="1800" kern="1200">
+                <a:solidFill>
+                  <a:schemeClr val="tx1"/>
+                </a:solidFill>
+                <a:latin typeface="+mn-lt"/>
+                <a:ea typeface="+mn-ea"/>
+                <a:cs typeface="+mn-cs"/>
+              </a:defRPr>
+            </a:lvl8pPr>
+            <a:lvl9pPr marL="3886200" indent="-228600" algn="l" defTabSz="914400" rtl="0" eaLnBrk="1" latinLnBrk="0" hangingPunct="1">
+              <a:lnSpc>
+                <a:spcPct val="90000"/>
+              </a:lnSpc>
+              <a:spcBef>
+                <a:spcPts val="500"/>
+              </a:spcBef>
+              <a:buFont typeface="Arial" panose="020B0604020202020204" pitchFamily="34" charset="0"/>
+              <a:buChar char="•"/>
+              <a:defRPr sz="1800" kern="1200">
+                <a:solidFill>
+                  <a:schemeClr val="tx1"/>
+                </a:solidFill>
+                <a:latin typeface="+mn-lt"/>
+                <a:ea typeface="+mn-ea"/>
+                <a:cs typeface="+mn-cs"/>
+              </a:defRPr>
+            </a:lvl9pPr>
+          </a:lstStyle>
+          <a:p>
+            <a:pPr lvl="3"/>
+            <a:r>
+              <a:rPr lang="en-GB" dirty="0" err="1"/>
+              <a:t>Criar</a:t>
+            </a:r>
+            <a:r>
+              <a:rPr lang="en-GB" dirty="0"/>
+              <a:t> BD </a:t>
+            </a:r>
+            <a:r>
+              <a:rPr lang="en-GB" dirty="0" err="1"/>
+              <a:t>em</a:t>
+            </a:r>
+            <a:r>
+              <a:rPr lang="en-GB" dirty="0"/>
+              <a:t> </a:t>
+            </a:r>
+            <a:r>
+              <a:rPr lang="en-GB" dirty="0" err="1"/>
+              <a:t>mySQL</a:t>
+            </a:r>
+            <a:r>
+              <a:rPr lang="en-GB" dirty="0"/>
+              <a:t>;</a:t>
+            </a:r>
+          </a:p>
+          <a:p>
+            <a:pPr lvl="3"/>
+            <a:r>
+              <a:rPr lang="en-GB" dirty="0" err="1"/>
+              <a:t>Criar</a:t>
+            </a:r>
+            <a:r>
+              <a:rPr lang="en-GB" dirty="0"/>
+              <a:t> um Controller para Product e Account;</a:t>
+            </a:r>
+          </a:p>
+          <a:p>
+            <a:pPr lvl="3"/>
+            <a:r>
+              <a:rPr lang="en-GB" dirty="0" err="1"/>
+              <a:t>Função</a:t>
+            </a:r>
+            <a:r>
+              <a:rPr lang="en-GB" dirty="0"/>
+              <a:t> para </a:t>
+            </a:r>
+            <a:r>
+              <a:rPr lang="en-GB" dirty="0" err="1"/>
+              <a:t>renderizar</a:t>
+            </a:r>
+            <a:r>
+              <a:rPr lang="en-GB" dirty="0"/>
+              <a:t> PDP;</a:t>
+            </a:r>
+          </a:p>
+          <a:p>
+            <a:pPr lvl="3"/>
+            <a:r>
+              <a:rPr lang="en-GB" dirty="0" err="1"/>
+              <a:t>Criar</a:t>
+            </a:r>
+            <a:r>
+              <a:rPr lang="en-GB" dirty="0"/>
+              <a:t> </a:t>
+            </a:r>
+            <a:r>
+              <a:rPr lang="en-GB" dirty="0" err="1"/>
+              <a:t>objeto</a:t>
+            </a:r>
+            <a:r>
+              <a:rPr lang="en-GB" dirty="0"/>
+              <a:t> Customer </a:t>
+            </a:r>
+            <a:r>
+              <a:rPr lang="en-GB" dirty="0" err="1"/>
+              <a:t>na</a:t>
+            </a:r>
+            <a:r>
+              <a:rPr lang="en-GB" dirty="0"/>
+              <a:t> BD;</a:t>
+            </a:r>
+          </a:p>
+          <a:p>
+            <a:pPr lvl="3"/>
+            <a:r>
+              <a:rPr lang="en-GB" dirty="0" err="1"/>
+              <a:t>Adicionar</a:t>
+            </a:r>
+            <a:r>
+              <a:rPr lang="en-GB" dirty="0"/>
+              <a:t> </a:t>
+            </a:r>
+            <a:r>
+              <a:rPr lang="en-GB" dirty="0" err="1"/>
+              <a:t>funcionalidades</a:t>
+            </a:r>
+            <a:r>
+              <a:rPr lang="en-GB" dirty="0"/>
+              <a:t> de Register, Login e Logout de Customer;</a:t>
+            </a:r>
+          </a:p>
+          <a:p>
+            <a:pPr lvl="3"/>
+            <a:r>
+              <a:rPr lang="en-GB" dirty="0" err="1"/>
+              <a:t>Guardar</a:t>
+            </a:r>
+            <a:r>
+              <a:rPr lang="en-GB" dirty="0"/>
+              <a:t> Login Data </a:t>
+            </a:r>
+            <a:r>
+              <a:rPr lang="en-GB" dirty="0" err="1"/>
+              <a:t>em</a:t>
+            </a:r>
+            <a:r>
+              <a:rPr lang="en-GB" dirty="0"/>
+              <a:t> Session.</a:t>
+            </a:r>
+          </a:p>
+          <a:p>
+            <a:pPr marL="361950" lvl="3" indent="0">
+              <a:buNone/>
+            </a:pPr>
+            <a:endParaRPr lang="en-GB" dirty="0"/>
+          </a:p>
+        </p:txBody>
+      </p:sp>
+      <p:sp>
+        <p:nvSpPr>
+          <p:cNvPr id="22" name="Text Placeholder 5">
+            <a:extLst>
+              <a:ext uri="{FF2B5EF4-FFF2-40B4-BE49-F238E27FC236}">
+                <a16:creationId xmlns:a16="http://schemas.microsoft.com/office/drawing/2014/main" id="{DDA2C911-45B6-5651-9B8D-6720422F66C6}"/>
+              </a:ext>
+            </a:extLst>
+          </p:cNvPr>
+          <p:cNvSpPr txBox="1">
+            <a:spLocks/>
+          </p:cNvSpPr>
+          <p:nvPr/>
+        </p:nvSpPr>
+        <p:spPr>
+          <a:xfrm>
+            <a:off x="9220202" y="1295400"/>
+            <a:ext cx="2719385" cy="716711"/>
+          </a:xfrm>
+          <a:prstGeom prst="rect">
+            <a:avLst/>
+          </a:prstGeom>
+          <a:solidFill>
+            <a:srgbClr val="007D74"/>
+          </a:solidFill>
+        </p:spPr>
+        <p:txBody>
+          <a:bodyPr/>
+          <a:lstStyle>
+            <a:lvl1pPr marL="0" indent="0" algn="l" defTabSz="914400" rtl="0" eaLnBrk="1" latinLnBrk="0" hangingPunct="1">
+              <a:lnSpc>
+                <a:spcPct val="100000"/>
+              </a:lnSpc>
+              <a:spcBef>
+                <a:spcPts val="0"/>
+              </a:spcBef>
+              <a:spcAft>
+                <a:spcPts val="600"/>
+              </a:spcAft>
+              <a:buFont typeface="Arial" panose="020B0604020202020204" pitchFamily="34" charset="0"/>
+              <a:buNone/>
+              <a:defRPr sz="2000" kern="1200" baseline="0">
+                <a:solidFill>
+                  <a:schemeClr val="tx1"/>
+                </a:solidFill>
+                <a:latin typeface="+mn-lt"/>
+                <a:ea typeface="+mn-ea"/>
+                <a:cs typeface="+mn-cs"/>
+              </a:defRPr>
+            </a:lvl1pPr>
+            <a:lvl2pPr marL="177800" indent="-177800" algn="l" defTabSz="914400" rtl="0" eaLnBrk="1" latinLnBrk="0" hangingPunct="1">
+              <a:lnSpc>
+                <a:spcPct val="100000"/>
+              </a:lnSpc>
+              <a:spcBef>
+                <a:spcPts val="0"/>
+              </a:spcBef>
+              <a:spcAft>
+                <a:spcPts val="600"/>
+              </a:spcAft>
+              <a:buClr>
+                <a:schemeClr val="accent1"/>
+              </a:buClr>
+              <a:buFont typeface="Wingdings" panose="05000000000000000000" pitchFamily="2" charset="2"/>
+              <a:buChar char="§"/>
+              <a:defRPr sz="1800" kern="1200" baseline="0">
+                <a:solidFill>
+                  <a:schemeClr val="tx1"/>
+                </a:solidFill>
+                <a:latin typeface="+mn-lt"/>
+                <a:ea typeface="+mn-ea"/>
+                <a:cs typeface="+mn-cs"/>
+              </a:defRPr>
+            </a:lvl2pPr>
+            <a:lvl3pPr marL="361950" indent="-184150" algn="l" defTabSz="914400" rtl="0" eaLnBrk="1" latinLnBrk="0" hangingPunct="1">
+              <a:lnSpc>
+                <a:spcPct val="100000"/>
+              </a:lnSpc>
+              <a:spcBef>
+                <a:spcPts val="0"/>
+              </a:spcBef>
+              <a:spcAft>
+                <a:spcPts val="600"/>
+              </a:spcAft>
+              <a:buClr>
+                <a:schemeClr val="accent2"/>
+              </a:buClr>
+              <a:buFont typeface="Arial" panose="020B0604020202020204" pitchFamily="34" charset="0"/>
+              <a:buChar char="•"/>
+              <a:defRPr sz="1600" kern="1200" baseline="0">
+                <a:solidFill>
+                  <a:schemeClr val="tx1"/>
+                </a:solidFill>
+                <a:latin typeface="+mn-lt"/>
+                <a:ea typeface="+mn-ea"/>
+                <a:cs typeface="+mn-cs"/>
+              </a:defRPr>
+            </a:lvl3pPr>
+            <a:lvl4pPr marL="539750" indent="-177800" algn="l" defTabSz="914400" rtl="0" eaLnBrk="1" latinLnBrk="0" hangingPunct="1">
+              <a:lnSpc>
+                <a:spcPct val="100000"/>
+              </a:lnSpc>
+              <a:spcBef>
+                <a:spcPts val="0"/>
+              </a:spcBef>
+              <a:spcAft>
+                <a:spcPts val="600"/>
+              </a:spcAft>
+              <a:buClr>
+                <a:schemeClr val="tx1"/>
+              </a:buClr>
+              <a:buFont typeface="Ubuntu" panose="020B0504030602030204" pitchFamily="34" charset="0"/>
+              <a:buChar char="–"/>
+              <a:defRPr sz="1400" kern="1200" baseline="0">
+                <a:solidFill>
+                  <a:schemeClr val="tx1"/>
+                </a:solidFill>
+                <a:latin typeface="+mn-lt"/>
+                <a:ea typeface="+mn-ea"/>
+                <a:cs typeface="+mn-cs"/>
+              </a:defRPr>
+            </a:lvl4pPr>
+            <a:lvl5pPr marL="717550" indent="-177800" algn="l" defTabSz="914400" rtl="0" eaLnBrk="1" latinLnBrk="0" hangingPunct="1">
+              <a:lnSpc>
+                <a:spcPct val="100000"/>
+              </a:lnSpc>
+              <a:spcBef>
+                <a:spcPts val="0"/>
+              </a:spcBef>
+              <a:spcAft>
+                <a:spcPts val="600"/>
+              </a:spcAft>
+              <a:buClr>
+                <a:schemeClr val="accent3"/>
+              </a:buClr>
+              <a:buFont typeface="Arial" panose="020B0604020202020204" pitchFamily="34" charset="0"/>
+              <a:buChar char="•"/>
+              <a:defRPr sz="1400" kern="1200" baseline="0">
+                <a:solidFill>
+                  <a:schemeClr val="tx1"/>
+                </a:solidFill>
+                <a:latin typeface="+mn-lt"/>
+                <a:ea typeface="+mn-ea"/>
+                <a:cs typeface="+mn-cs"/>
+              </a:defRPr>
+            </a:lvl5pPr>
+            <a:lvl6pPr marL="2514600" indent="-228600" algn="l" defTabSz="914400" rtl="0" eaLnBrk="1" latinLnBrk="0" hangingPunct="1">
+              <a:lnSpc>
+                <a:spcPct val="90000"/>
+              </a:lnSpc>
+              <a:spcBef>
+                <a:spcPts val="500"/>
+              </a:spcBef>
+              <a:buFont typeface="Arial" panose="020B0604020202020204" pitchFamily="34" charset="0"/>
+              <a:buChar char="•"/>
+              <a:defRPr sz="1800" kern="1200">
+                <a:solidFill>
+                  <a:schemeClr val="tx1"/>
+                </a:solidFill>
+                <a:latin typeface="+mn-lt"/>
+                <a:ea typeface="+mn-ea"/>
+                <a:cs typeface="+mn-cs"/>
+              </a:defRPr>
+            </a:lvl6pPr>
+            <a:lvl7pPr marL="2971800" indent="-228600" algn="l" defTabSz="914400" rtl="0" eaLnBrk="1" latinLnBrk="0" hangingPunct="1">
+              <a:lnSpc>
+                <a:spcPct val="90000"/>
+              </a:lnSpc>
+              <a:spcBef>
+                <a:spcPts val="500"/>
+              </a:spcBef>
+              <a:buFont typeface="Arial" panose="020B0604020202020204" pitchFamily="34" charset="0"/>
+              <a:buChar char="•"/>
+              <a:defRPr sz="1800" kern="1200">
+                <a:solidFill>
+                  <a:schemeClr val="tx1"/>
+                </a:solidFill>
+                <a:latin typeface="+mn-lt"/>
+                <a:ea typeface="+mn-ea"/>
+                <a:cs typeface="+mn-cs"/>
+              </a:defRPr>
+            </a:lvl7pPr>
+            <a:lvl8pPr marL="3429000" indent="-228600" algn="l" defTabSz="914400" rtl="0" eaLnBrk="1" latinLnBrk="0" hangingPunct="1">
+              <a:lnSpc>
+                <a:spcPct val="90000"/>
+              </a:lnSpc>
+              <a:spcBef>
+                <a:spcPts val="500"/>
+              </a:spcBef>
+              <a:buFont typeface="Arial" panose="020B0604020202020204" pitchFamily="34" charset="0"/>
+              <a:buChar char="•"/>
+              <a:defRPr sz="1800" kern="1200">
+                <a:solidFill>
+                  <a:schemeClr val="tx1"/>
+                </a:solidFill>
+                <a:latin typeface="+mn-lt"/>
+                <a:ea typeface="+mn-ea"/>
+                <a:cs typeface="+mn-cs"/>
+              </a:defRPr>
+            </a:lvl8pPr>
+            <a:lvl9pPr marL="3886200" indent="-228600" algn="l" defTabSz="914400" rtl="0" eaLnBrk="1" latinLnBrk="0" hangingPunct="1">
+              <a:lnSpc>
+                <a:spcPct val="90000"/>
+              </a:lnSpc>
+              <a:spcBef>
+                <a:spcPts val="500"/>
+              </a:spcBef>
+              <a:buFont typeface="Arial" panose="020B0604020202020204" pitchFamily="34" charset="0"/>
+              <a:buChar char="•"/>
+              <a:defRPr sz="1800" kern="1200">
+                <a:solidFill>
+                  <a:schemeClr val="tx1"/>
+                </a:solidFill>
+                <a:latin typeface="+mn-lt"/>
+                <a:ea typeface="+mn-ea"/>
+                <a:cs typeface="+mn-cs"/>
+              </a:defRPr>
+            </a:lvl9pPr>
+          </a:lstStyle>
+          <a:p>
+            <a:r>
+              <a:rPr lang="en-GB" sz="1800">
+                <a:solidFill>
+                  <a:schemeClr val="bg1"/>
+                </a:solidFill>
+              </a:rPr>
+              <a:t>4ª </a:t>
+            </a:r>
+            <a:r>
+              <a:rPr lang="en-GB" sz="1800" err="1">
+                <a:solidFill>
+                  <a:schemeClr val="bg1"/>
+                </a:solidFill>
+              </a:rPr>
+              <a:t>Fase</a:t>
+            </a:r>
+            <a:endParaRPr lang="en-GB" sz="1800">
+              <a:solidFill>
+                <a:schemeClr val="bg1"/>
+              </a:solidFill>
+            </a:endParaRPr>
+          </a:p>
+          <a:p>
+            <a:endParaRPr lang="en-GB" sz="1800">
+              <a:solidFill>
+                <a:schemeClr val="bg1"/>
+              </a:solidFill>
+            </a:endParaRPr>
+          </a:p>
+        </p:txBody>
+      </p:sp>
+      <p:sp>
+        <p:nvSpPr>
+          <p:cNvPr id="23" name="Text Placeholder 4">
+            <a:extLst>
+              <a:ext uri="{FF2B5EF4-FFF2-40B4-BE49-F238E27FC236}">
+                <a16:creationId xmlns:a16="http://schemas.microsoft.com/office/drawing/2014/main" id="{6EB90B42-E0E7-E636-A711-137FF00BF5C7}"/>
+              </a:ext>
+            </a:extLst>
+          </p:cNvPr>
+          <p:cNvSpPr txBox="1">
+            <a:spLocks/>
+          </p:cNvSpPr>
+          <p:nvPr/>
+        </p:nvSpPr>
+        <p:spPr>
+          <a:xfrm>
+            <a:off x="8967785" y="2273343"/>
+            <a:ext cx="2719376" cy="4076234"/>
+          </a:xfrm>
+          <a:prstGeom prst="rect">
+            <a:avLst/>
+          </a:prstGeom>
+        </p:spPr>
+        <p:txBody>
+          <a:bodyPr vert="horz" lIns="0" tIns="0" rIns="0" bIns="0" rtlCol="0">
+            <a:noAutofit/>
+          </a:bodyPr>
+          <a:lstStyle>
+            <a:lvl1pPr marL="0" indent="0" algn="l" defTabSz="914400" rtl="0" eaLnBrk="1" latinLnBrk="0" hangingPunct="1">
+              <a:lnSpc>
+                <a:spcPct val="100000"/>
+              </a:lnSpc>
+              <a:spcBef>
+                <a:spcPts val="0"/>
+              </a:spcBef>
+              <a:spcAft>
+                <a:spcPts val="600"/>
+              </a:spcAft>
+              <a:buFont typeface="Arial" panose="020B0604020202020204" pitchFamily="34" charset="0"/>
+              <a:buNone/>
+              <a:defRPr sz="2000" kern="1200" baseline="0">
+                <a:solidFill>
+                  <a:schemeClr val="bg1"/>
+                </a:solidFill>
+                <a:latin typeface="+mn-lt"/>
+                <a:ea typeface="+mn-ea"/>
+                <a:cs typeface="+mn-cs"/>
+              </a:defRPr>
+            </a:lvl1pPr>
+            <a:lvl2pPr marL="177800" indent="-177800" algn="l" defTabSz="914400" rtl="0" eaLnBrk="1" latinLnBrk="0" hangingPunct="1">
+              <a:lnSpc>
+                <a:spcPct val="100000"/>
+              </a:lnSpc>
+              <a:spcBef>
+                <a:spcPts val="0"/>
+              </a:spcBef>
+              <a:spcAft>
+                <a:spcPts val="600"/>
+              </a:spcAft>
+              <a:buClr>
+                <a:schemeClr val="accent1"/>
+              </a:buClr>
+              <a:buFont typeface="Wingdings" panose="05000000000000000000" pitchFamily="2" charset="2"/>
+              <a:buChar char="§"/>
+              <a:defRPr sz="1800" kern="1200" baseline="0">
+                <a:solidFill>
+                  <a:schemeClr val="bg1"/>
+                </a:solidFill>
+                <a:latin typeface="+mn-lt"/>
+                <a:ea typeface="+mn-ea"/>
+                <a:cs typeface="+mn-cs"/>
+              </a:defRPr>
+            </a:lvl2pPr>
+            <a:lvl3pPr marL="361950" indent="-184150" algn="l" defTabSz="914400" rtl="0" eaLnBrk="1" latinLnBrk="0" hangingPunct="1">
+              <a:lnSpc>
+                <a:spcPct val="100000"/>
+              </a:lnSpc>
+              <a:spcBef>
+                <a:spcPts val="0"/>
+              </a:spcBef>
+              <a:spcAft>
+                <a:spcPts val="600"/>
+              </a:spcAft>
+              <a:buClr>
+                <a:schemeClr val="accent2"/>
+              </a:buClr>
+              <a:buFont typeface="Arial" panose="020B0604020202020204" pitchFamily="34" charset="0"/>
+              <a:buChar char="•"/>
+              <a:defRPr sz="1600" kern="1200" baseline="0">
+                <a:solidFill>
+                  <a:schemeClr val="bg1"/>
+                </a:solidFill>
+                <a:latin typeface="+mn-lt"/>
+                <a:ea typeface="+mn-ea"/>
+                <a:cs typeface="+mn-cs"/>
+              </a:defRPr>
+            </a:lvl3pPr>
+            <a:lvl4pPr marL="539750" indent="-177800" algn="l" defTabSz="914400" rtl="0" eaLnBrk="1" latinLnBrk="0" hangingPunct="1">
+              <a:lnSpc>
+                <a:spcPct val="100000"/>
+              </a:lnSpc>
+              <a:spcBef>
+                <a:spcPts val="0"/>
+              </a:spcBef>
+              <a:spcAft>
+                <a:spcPts val="600"/>
+              </a:spcAft>
+              <a:buClr>
+                <a:schemeClr val="accent5"/>
+              </a:buClr>
+              <a:buFont typeface="Ubuntu" panose="020B0504030602030204" pitchFamily="34" charset="0"/>
+              <a:buChar char="–"/>
+              <a:defRPr sz="1400" kern="1200" baseline="0">
+                <a:solidFill>
+                  <a:schemeClr val="bg1"/>
+                </a:solidFill>
+                <a:latin typeface="+mn-lt"/>
+                <a:ea typeface="+mn-ea"/>
+                <a:cs typeface="+mn-cs"/>
+              </a:defRPr>
+            </a:lvl4pPr>
+            <a:lvl5pPr marL="717550" indent="-177800" algn="l" defTabSz="914400" rtl="0" eaLnBrk="1" latinLnBrk="0" hangingPunct="1">
+              <a:lnSpc>
+                <a:spcPct val="100000"/>
+              </a:lnSpc>
+              <a:spcBef>
+                <a:spcPts val="0"/>
+              </a:spcBef>
+              <a:spcAft>
+                <a:spcPts val="600"/>
+              </a:spcAft>
+              <a:buClr>
+                <a:schemeClr val="bg1"/>
+              </a:buClr>
+              <a:buFont typeface="Arial" panose="020B0604020202020204" pitchFamily="34" charset="0"/>
+              <a:buChar char="•"/>
+              <a:defRPr sz="1400" kern="1200" baseline="0">
+                <a:solidFill>
+                  <a:schemeClr val="bg1"/>
+                </a:solidFill>
+                <a:latin typeface="+mn-lt"/>
+                <a:ea typeface="+mn-ea"/>
+                <a:cs typeface="+mn-cs"/>
+              </a:defRPr>
+            </a:lvl5pPr>
+            <a:lvl6pPr marL="2514600" indent="-228600" algn="l" defTabSz="914400" rtl="0" eaLnBrk="1" latinLnBrk="0" hangingPunct="1">
+              <a:lnSpc>
+                <a:spcPct val="90000"/>
+              </a:lnSpc>
+              <a:spcBef>
+                <a:spcPts val="500"/>
+              </a:spcBef>
+              <a:buFont typeface="Arial" panose="020B0604020202020204" pitchFamily="34" charset="0"/>
+              <a:buChar char="•"/>
+              <a:defRPr sz="1800" kern="1200">
+                <a:solidFill>
+                  <a:schemeClr val="tx1"/>
+                </a:solidFill>
+                <a:latin typeface="+mn-lt"/>
+                <a:ea typeface="+mn-ea"/>
+                <a:cs typeface="+mn-cs"/>
+              </a:defRPr>
+            </a:lvl6pPr>
+            <a:lvl7pPr marL="2971800" indent="-228600" algn="l" defTabSz="914400" rtl="0" eaLnBrk="1" latinLnBrk="0" hangingPunct="1">
+              <a:lnSpc>
+                <a:spcPct val="90000"/>
+              </a:lnSpc>
+              <a:spcBef>
+                <a:spcPts val="500"/>
+              </a:spcBef>
+              <a:buFont typeface="Arial" panose="020B0604020202020204" pitchFamily="34" charset="0"/>
+              <a:buChar char="•"/>
+              <a:defRPr sz="1800" kern="1200">
+                <a:solidFill>
+                  <a:schemeClr val="tx1"/>
+                </a:solidFill>
+                <a:latin typeface="+mn-lt"/>
+                <a:ea typeface="+mn-ea"/>
+                <a:cs typeface="+mn-cs"/>
+              </a:defRPr>
+            </a:lvl7pPr>
+            <a:lvl8pPr marL="3429000" indent="-228600" algn="l" defTabSz="914400" rtl="0" eaLnBrk="1" latinLnBrk="0" hangingPunct="1">
+              <a:lnSpc>
+                <a:spcPct val="90000"/>
+              </a:lnSpc>
+              <a:spcBef>
+                <a:spcPts val="500"/>
+              </a:spcBef>
+              <a:buFont typeface="Arial" panose="020B0604020202020204" pitchFamily="34" charset="0"/>
+              <a:buChar char="•"/>
+              <a:defRPr sz="1800" kern="1200">
+                <a:solidFill>
+                  <a:schemeClr val="tx1"/>
+                </a:solidFill>
+                <a:latin typeface="+mn-lt"/>
+                <a:ea typeface="+mn-ea"/>
+                <a:cs typeface="+mn-cs"/>
+              </a:defRPr>
+            </a:lvl8pPr>
+            <a:lvl9pPr marL="3886200" indent="-228600" algn="l" defTabSz="914400" rtl="0" eaLnBrk="1" latinLnBrk="0" hangingPunct="1">
+              <a:lnSpc>
+                <a:spcPct val="90000"/>
+              </a:lnSpc>
+              <a:spcBef>
+                <a:spcPts val="500"/>
+              </a:spcBef>
+              <a:buFont typeface="Arial" panose="020B0604020202020204" pitchFamily="34" charset="0"/>
+              <a:buChar char="•"/>
+              <a:defRPr sz="1800" kern="1200">
+                <a:solidFill>
+                  <a:schemeClr val="tx1"/>
+                </a:solidFill>
+                <a:latin typeface="+mn-lt"/>
+                <a:ea typeface="+mn-ea"/>
+                <a:cs typeface="+mn-cs"/>
+              </a:defRPr>
+            </a:lvl9pPr>
+          </a:lstStyle>
+          <a:p>
+            <a:pPr lvl="3"/>
+            <a:r>
+              <a:rPr lang="en-GB" dirty="0" err="1"/>
+              <a:t>Criar</a:t>
+            </a:r>
+            <a:r>
+              <a:rPr lang="en-GB" dirty="0"/>
+              <a:t> Factory para o object Product;</a:t>
+            </a:r>
+          </a:p>
+          <a:p>
+            <a:pPr lvl="3"/>
+            <a:endParaRPr lang="en-GB" dirty="0"/>
           </a:p>
         </p:txBody>
       </p:sp>
     </p:spTree>
     <p:extLst>
       <p:ext uri="{BB962C8B-B14F-4D97-AF65-F5344CB8AC3E}">
-        <p14:creationId xmlns:p14="http://schemas.microsoft.com/office/powerpoint/2010/main" val="1303246894"/>
+        <p14:creationId xmlns:p14="http://schemas.microsoft.com/office/powerpoint/2010/main" val="680033405"/>
       </p:ext>
     </p:extLst>
   </p:cSld>
@@ -21865,7 +23484,7 @@
           <a:lstStyle/>
           <a:p>
             <a:r>
-              <a:rPr lang="en-GB" dirty="0" err="1"/>
+              <a:rPr lang="en-GB" dirty="0"/>
               <a:t>implementação</a:t>
             </a:r>
             <a:endParaRPr lang="en-US" dirty="0"/>
@@ -21895,7 +23514,7 @@
             <a:avLst/>
           </a:prstGeom>
           <a:solidFill>
-            <a:srgbClr val="12ABDC"/>
+            <a:srgbClr val="007D74"/>
           </a:solidFill>
         </p:spPr>
         <p:txBody>
@@ -22098,7 +23717,7 @@
                   <a:schemeClr val="bg1"/>
                 </a:solidFill>
               </a:rPr>
-              <a:t>1ª </a:t>
+              <a:t>5ª </a:t>
             </a:r>
             <a:r>
               <a:rPr lang="en-GB" sz="1800" err="1">
@@ -22134,7 +23753,7 @@
         </p:nvSpPr>
         <p:spPr>
           <a:xfrm>
-            <a:off x="76200" y="2273343"/>
+            <a:off x="9832" y="2263697"/>
             <a:ext cx="2719376" cy="4076234"/>
           </a:xfrm>
         </p:spPr>
@@ -22145,67 +23764,20 @@
             <a:pPr lvl="3"/>
             <a:r>
               <a:rPr lang="en-GB" dirty="0" err="1"/>
-              <a:t>Estruturação</a:t>
+              <a:t>Criar</a:t>
             </a:r>
             <a:r>
               <a:rPr lang="en-GB" dirty="0"/>
-              <a:t> Server e Client Side;</a:t>
-            </a:r>
-          </a:p>
-          <a:p>
-            <a:pPr lvl="3"/>
+              <a:t> View MyAccount para Customer </a:t>
+            </a:r>
             <a:r>
               <a:rPr lang="en-GB" dirty="0" err="1"/>
-              <a:t>Preparação</a:t>
-            </a:r>
-            <a:r>
-              <a:rPr lang="en-GB" dirty="0"/>
-              <a:t> do </a:t>
-            </a:r>
-            <a:r>
-              <a:rPr lang="en-GB" dirty="0" err="1"/>
-              <a:t>ambiente</a:t>
-            </a:r>
-            <a:r>
-              <a:rPr lang="en-GB" dirty="0"/>
-              <a:t> de </a:t>
-            </a:r>
-            <a:r>
-              <a:rPr lang="en-GB" dirty="0" err="1"/>
-              <a:t>trabalho</a:t>
-            </a:r>
-            <a:r>
-              <a:rPr lang="en-GB" dirty="0"/>
-              <a:t> e </a:t>
-            </a:r>
-            <a:r>
-              <a:rPr lang="en-GB" dirty="0" err="1"/>
-              <a:t>instalação</a:t>
-            </a:r>
-            <a:r>
-              <a:rPr lang="en-GB" dirty="0"/>
-              <a:t> de ferramentas </a:t>
-            </a:r>
-            <a:r>
-              <a:rPr lang="en-GB" dirty="0" err="1"/>
-              <a:t>necessárias</a:t>
-            </a:r>
-            <a:r>
-              <a:rPr lang="en-GB" dirty="0"/>
-              <a:t> para o </a:t>
-            </a:r>
-            <a:r>
-              <a:rPr lang="en-GB" dirty="0" err="1"/>
-              <a:t>projeto</a:t>
+              <a:t>logado</a:t>
             </a:r>
             <a:r>
               <a:rPr lang="en-GB" dirty="0"/>
               <a:t>.</a:t>
             </a:r>
-          </a:p>
-          <a:p>
-            <a:pPr lvl="3"/>
-            <a:endParaRPr lang="en-GB" dirty="0"/>
           </a:p>
         </p:txBody>
       </p:sp>
@@ -22232,7 +23804,7 @@
             <a:avLst/>
           </a:prstGeom>
           <a:solidFill>
-            <a:srgbClr val="12ABDC"/>
+            <a:srgbClr val="007D74"/>
           </a:solidFill>
         </p:spPr>
         <p:txBody>
@@ -22435,7 +24007,7 @@
                   <a:schemeClr val="bg1"/>
                 </a:solidFill>
               </a:rPr>
-              <a:t>2ª </a:t>
+              <a:t>6ª </a:t>
             </a:r>
             <a:r>
               <a:rPr lang="en-GB" sz="1800" err="1">
@@ -22476,7 +24048,7 @@
         </p:nvSpPr>
         <p:spPr>
           <a:xfrm>
-            <a:off x="3021723" y="2273343"/>
+            <a:off x="2981634" y="2273343"/>
             <a:ext cx="2719376" cy="4076234"/>
           </a:xfrm>
           <a:prstGeom prst="rect">
@@ -22681,23 +24253,134 @@
           <a:p>
             <a:pPr lvl="3"/>
             <a:r>
-              <a:rPr lang="en-GB" err="1"/>
-              <a:t>Estruturar</a:t>
-            </a:r>
-            <a:r>
-              <a:rPr lang="en-GB"/>
-              <a:t> client-side;</a:t>
+              <a:rPr lang="en-GB" dirty="0" err="1"/>
+              <a:t>Criar</a:t>
+            </a:r>
+            <a:r>
+              <a:rPr lang="en-GB" dirty="0"/>
+              <a:t> Object Category;</a:t>
             </a:r>
           </a:p>
           <a:p>
             <a:pPr lvl="3"/>
             <a:r>
-              <a:rPr lang="en-GB" err="1"/>
-              <a:t>Implementar</a:t>
-            </a:r>
-            <a:r>
-              <a:rPr lang="en-GB"/>
-              <a:t> SASS.</a:t>
+              <a:rPr lang="en-GB" dirty="0"/>
+              <a:t>Uma </a:t>
+            </a:r>
+            <a:r>
+              <a:rPr lang="en-GB" dirty="0" err="1"/>
+              <a:t>categoria</a:t>
+            </a:r>
+            <a:r>
+              <a:rPr lang="en-GB" dirty="0"/>
+              <a:t> </a:t>
+            </a:r>
+            <a:r>
+              <a:rPr lang="en-GB" dirty="0" err="1"/>
+              <a:t>pode</a:t>
+            </a:r>
+            <a:r>
+              <a:rPr lang="en-GB" dirty="0"/>
+              <a:t> </a:t>
+            </a:r>
+            <a:r>
+              <a:rPr lang="en-GB" dirty="0" err="1"/>
+              <a:t>ter</a:t>
+            </a:r>
+            <a:r>
+              <a:rPr lang="en-GB" dirty="0"/>
+              <a:t> </a:t>
+            </a:r>
+            <a:r>
+              <a:rPr lang="en-GB" dirty="0" err="1"/>
+              <a:t>vários</a:t>
+            </a:r>
+            <a:r>
+              <a:rPr lang="en-GB" dirty="0"/>
+              <a:t> </a:t>
+            </a:r>
+            <a:r>
+              <a:rPr lang="en-GB" dirty="0" err="1"/>
+              <a:t>produtos</a:t>
+            </a:r>
+            <a:r>
+              <a:rPr lang="en-GB" dirty="0"/>
+              <a:t> e um </a:t>
+            </a:r>
+            <a:r>
+              <a:rPr lang="en-GB" dirty="0" err="1"/>
+              <a:t>produto</a:t>
+            </a:r>
+            <a:r>
+              <a:rPr lang="en-GB" dirty="0"/>
+              <a:t> </a:t>
+            </a:r>
+            <a:r>
+              <a:rPr lang="en-GB" dirty="0" err="1"/>
+              <a:t>pode</a:t>
+            </a:r>
+            <a:r>
+              <a:rPr lang="en-GB" dirty="0"/>
+              <a:t> </a:t>
+            </a:r>
+            <a:r>
+              <a:rPr lang="en-GB" dirty="0" err="1"/>
+              <a:t>ter</a:t>
+            </a:r>
+            <a:r>
+              <a:rPr lang="en-GB" dirty="0"/>
+              <a:t> </a:t>
+            </a:r>
+            <a:r>
+              <a:rPr lang="en-GB" dirty="0" err="1"/>
+              <a:t>várias</a:t>
+            </a:r>
+            <a:r>
+              <a:rPr lang="en-GB" dirty="0"/>
+              <a:t> </a:t>
+            </a:r>
+            <a:r>
+              <a:rPr lang="en-GB" dirty="0" err="1"/>
+              <a:t>categorias</a:t>
+            </a:r>
+            <a:r>
+              <a:rPr lang="en-GB" dirty="0"/>
+              <a:t>;</a:t>
+            </a:r>
+          </a:p>
+          <a:p>
+            <a:pPr lvl="3"/>
+            <a:r>
+              <a:rPr lang="en-GB" dirty="0" err="1"/>
+              <a:t>Adicionar</a:t>
+            </a:r>
+            <a:r>
+              <a:rPr lang="en-GB" dirty="0"/>
+              <a:t> </a:t>
+            </a:r>
+            <a:r>
+              <a:rPr lang="en-GB" dirty="0" err="1"/>
+              <a:t>propriedade</a:t>
+            </a:r>
+            <a:r>
+              <a:rPr lang="en-GB" dirty="0"/>
+              <a:t> “online” para </a:t>
+            </a:r>
+            <a:r>
+              <a:rPr lang="en-GB" dirty="0" err="1"/>
+              <a:t>objeto</a:t>
+            </a:r>
+            <a:r>
+              <a:rPr lang="en-GB" dirty="0"/>
+              <a:t> </a:t>
+            </a:r>
+            <a:r>
+              <a:rPr lang="en-GB" dirty="0" err="1"/>
+              <a:t>Produto</a:t>
+            </a:r>
+            <a:r>
+              <a:rPr lang="en-GB" dirty="0"/>
+              <a:t>.</a:t>
             </a:r>
           </a:p>
         </p:txBody>
@@ -22725,7 +24408,7 @@
             <a:avLst/>
           </a:prstGeom>
           <a:solidFill>
-            <a:srgbClr val="12ABDC"/>
+            <a:srgbClr val="007D74"/>
           </a:solidFill>
         </p:spPr>
         <p:txBody>
@@ -22928,7 +24611,7 @@
                   <a:schemeClr val="bg1"/>
                 </a:solidFill>
               </a:rPr>
-              <a:t>3ª </a:t>
+              <a:t>7ª </a:t>
             </a:r>
             <a:r>
               <a:rPr lang="en-GB" sz="1800" err="1">
@@ -22969,7 +24652,7 @@
         </p:nvSpPr>
         <p:spPr>
           <a:xfrm>
-            <a:off x="5995983" y="2273343"/>
+            <a:off x="5953436" y="2263697"/>
             <a:ext cx="2719376" cy="4076234"/>
           </a:xfrm>
           <a:prstGeom prst="rect">
@@ -23175,15 +24858,15 @@
             <a:pPr lvl="3"/>
             <a:r>
               <a:rPr lang="en-GB" dirty="0" err="1"/>
-              <a:t>Criar</a:t>
+              <a:t>Implementar</a:t>
             </a:r>
             <a:r>
               <a:rPr lang="en-GB" dirty="0"/>
-              <a:t> BD </a:t>
+              <a:t> CSRF protection para </a:t>
             </a:r>
             <a:r>
               <a:rPr lang="en-GB" dirty="0" err="1"/>
-              <a:t>em</a:t>
+              <a:t>todos</a:t>
             </a:r>
             <a:r>
               <a:rPr lang="en-GB" dirty="0"/>
@@ -23191,11 +24874,11 @@
             </a:r>
             <a:r>
               <a:rPr lang="en-GB" dirty="0" err="1"/>
-              <a:t>mySQL</a:t>
+              <a:t>os</a:t>
             </a:r>
             <a:r>
               <a:rPr lang="en-GB" dirty="0"/>
-              <a:t>;</a:t>
+              <a:t> POST requests;</a:t>
             </a:r>
           </a:p>
           <a:p>
@@ -23206,98 +24889,8 @@
             </a:r>
             <a:r>
               <a:rPr lang="en-GB" dirty="0"/>
-              <a:t> um Controller para Product e Account;</a:t>
-            </a:r>
-          </a:p>
-          <a:p>
-            <a:pPr lvl="3"/>
-            <a:r>
-              <a:rPr lang="en-GB" dirty="0" err="1"/>
-              <a:t>Função</a:t>
-            </a:r>
-            <a:r>
-              <a:rPr lang="en-GB" dirty="0"/>
-              <a:t> para </a:t>
-            </a:r>
-            <a:r>
-              <a:rPr lang="en-GB" dirty="0" err="1"/>
-              <a:t>renderizar</a:t>
-            </a:r>
-            <a:r>
-              <a:rPr lang="en-GB" dirty="0"/>
-              <a:t> PDP;</a:t>
-            </a:r>
-          </a:p>
-          <a:p>
-            <a:pPr lvl="3"/>
-            <a:r>
-              <a:rPr lang="en-GB" dirty="0" err="1"/>
-              <a:t>Criar</a:t>
-            </a:r>
-            <a:r>
-              <a:rPr lang="en-GB" dirty="0"/>
-              <a:t> </a:t>
-            </a:r>
-            <a:r>
-              <a:rPr lang="en-GB" dirty="0" err="1"/>
-              <a:t>objeto</a:t>
-            </a:r>
-            <a:r>
-              <a:rPr lang="en-GB" dirty="0"/>
-              <a:t> Customer </a:t>
-            </a:r>
-            <a:r>
-              <a:rPr lang="en-GB" dirty="0" err="1"/>
-              <a:t>na</a:t>
-            </a:r>
-            <a:r>
-              <a:rPr lang="en-GB" dirty="0"/>
-              <a:t> BD;</a:t>
-            </a:r>
-          </a:p>
-          <a:p>
-            <a:pPr lvl="3"/>
-            <a:r>
-              <a:rPr lang="en-GB" dirty="0" err="1"/>
-              <a:t>Adicionar</a:t>
-            </a:r>
-            <a:r>
-              <a:rPr lang="en-GB" dirty="0"/>
-              <a:t> </a:t>
-            </a:r>
-            <a:r>
-              <a:rPr lang="en-GB" dirty="0" err="1"/>
-              <a:t>funcionalidades</a:t>
-            </a:r>
-            <a:r>
-              <a:rPr lang="en-GB" dirty="0"/>
-              <a:t> de Register, Login e Logout de Customer;</a:t>
-            </a:r>
-          </a:p>
-          <a:p>
-            <a:pPr lvl="3"/>
-            <a:r>
-              <a:rPr lang="en-GB" dirty="0" err="1"/>
-              <a:t>Guardar</a:t>
-            </a:r>
-            <a:r>
-              <a:rPr lang="en-GB" dirty="0"/>
-              <a:t> Login Data </a:t>
-            </a:r>
-            <a:r>
-              <a:rPr lang="en-GB" dirty="0" err="1"/>
-              <a:t>em</a:t>
-            </a:r>
-            <a:r>
-              <a:rPr lang="en-GB" dirty="0"/>
-              <a:t> Session.</a:t>
-            </a:r>
-          </a:p>
-          <a:p>
-            <a:pPr marL="361950" lvl="3" indent="0">
-              <a:buNone/>
-            </a:pPr>
-            <a:endParaRPr lang="en-GB" dirty="0"/>
+              <a:t> Shopping Cart;</a:t>
+            </a:r>
           </a:p>
         </p:txBody>
       </p:sp>
@@ -23324,7 +24917,7 @@
             <a:avLst/>
           </a:prstGeom>
           <a:solidFill>
-            <a:srgbClr val="12ABDC"/>
+            <a:srgbClr val="007D74"/>
           </a:solidFill>
         </p:spPr>
         <p:txBody>
@@ -23527,7 +25120,7 @@
                   <a:schemeClr val="bg1"/>
                 </a:solidFill>
               </a:rPr>
-              <a:t>4ª </a:t>
+              <a:t>8ª </a:t>
             </a:r>
             <a:r>
               <a:rPr lang="en-GB" sz="1800" err="1">
@@ -23568,7 +25161,7 @@
         </p:nvSpPr>
         <p:spPr>
           <a:xfrm>
-            <a:off x="8967785" y="2273343"/>
+            <a:off x="8925238" y="2263697"/>
             <a:ext cx="2719376" cy="4076234"/>
           </a:xfrm>
           <a:prstGeom prst="rect">
@@ -23778,19 +25371,77 @@
             </a:r>
             <a:r>
               <a:rPr lang="en-GB" dirty="0"/>
-              <a:t> Factory para o object Product;</a:t>
+              <a:t> View individual para </a:t>
+            </a:r>
+            <a:r>
+              <a:rPr lang="en-GB" dirty="0" err="1"/>
+              <a:t>efetuar</a:t>
+            </a:r>
+            <a:r>
+              <a:rPr lang="en-GB" dirty="0"/>
+              <a:t> o Checkout.</a:t>
             </a:r>
           </a:p>
           <a:p>
             <a:pPr lvl="3"/>
-            <a:endParaRPr lang="en-GB" dirty="0"/>
+            <a:r>
+              <a:rPr lang="en-GB" dirty="0" err="1"/>
+              <a:t>Criar</a:t>
+            </a:r>
+            <a:r>
+              <a:rPr lang="en-GB" dirty="0"/>
+              <a:t> table Order </a:t>
+            </a:r>
+            <a:r>
+              <a:rPr lang="en-GB" dirty="0" err="1"/>
+              <a:t>na</a:t>
+            </a:r>
+            <a:r>
+              <a:rPr lang="en-GB" dirty="0"/>
+              <a:t> BD;</a:t>
+            </a:r>
+          </a:p>
+          <a:p>
+            <a:pPr lvl="3"/>
+            <a:r>
+              <a:rPr lang="en-GB" dirty="0" err="1"/>
+              <a:t>Adicionar</a:t>
+            </a:r>
+            <a:r>
+              <a:rPr lang="en-GB" dirty="0"/>
+              <a:t> partial </a:t>
+            </a:r>
+            <a:r>
+              <a:rPr lang="en-GB" dirty="0" err="1"/>
+              <a:t>á</a:t>
+            </a:r>
+            <a:r>
+              <a:rPr lang="en-GB" dirty="0"/>
+              <a:t> view do MyAccount com </a:t>
+            </a:r>
+            <a:r>
+              <a:rPr lang="en-GB" dirty="0" err="1"/>
+              <a:t>histórico</a:t>
+            </a:r>
+            <a:r>
+              <a:rPr lang="en-GB" dirty="0"/>
+              <a:t> de Orders do customer </a:t>
+            </a:r>
+            <a:r>
+              <a:rPr lang="en-GB" dirty="0" err="1"/>
+              <a:t>logado</a:t>
+            </a:r>
+            <a:r>
+              <a:rPr lang="en-GB" dirty="0"/>
+              <a:t>.</a:t>
+            </a:r>
           </a:p>
         </p:txBody>
       </p:sp>
     </p:spTree>
     <p:extLst>
       <p:ext uri="{BB962C8B-B14F-4D97-AF65-F5344CB8AC3E}">
-        <p14:creationId xmlns:p14="http://schemas.microsoft.com/office/powerpoint/2010/main" val="680033405"/>
+        <p14:creationId xmlns:p14="http://schemas.microsoft.com/office/powerpoint/2010/main" val="1874303682"/>
       </p:ext>
     </p:extLst>
   </p:cSld>
@@ -23839,2012 +25490,6 @@
           <a:lstStyle/>
           <a:p>
             <a:r>
-              <a:rPr lang="en-GB" dirty="0"/>
-              <a:t>implementação</a:t>
-            </a:r>
-            <a:endParaRPr lang="en-US" dirty="0"/>
-          </a:p>
-        </p:txBody>
-      </p:sp>
-      <p:sp>
-        <p:nvSpPr>
-          <p:cNvPr id="8" name="Text Placeholder 5">
-            <a:extLst>
-              <a:ext uri="{FF2B5EF4-FFF2-40B4-BE49-F238E27FC236}">
-                <a16:creationId xmlns:a16="http://schemas.microsoft.com/office/drawing/2014/main" id="{48AFCFE0-D5C6-3C68-8250-1358A0E1C701}"/>
-              </a:ext>
-            </a:extLst>
-          </p:cNvPr>
-          <p:cNvSpPr txBox="1">
-            <a:spLocks/>
-          </p:cNvSpPr>
-          <p:nvPr/>
-        </p:nvSpPr>
-        <p:spPr>
-          <a:xfrm>
-            <a:off x="304796" y="1295400"/>
-            <a:ext cx="2719385" cy="716711"/>
-          </a:xfrm>
-          <a:prstGeom prst="rect">
-            <a:avLst/>
-          </a:prstGeom>
-          <a:solidFill>
-            <a:srgbClr val="12ABDC"/>
-          </a:solidFill>
-        </p:spPr>
-        <p:txBody>
-          <a:bodyPr/>
-          <a:lstStyle>
-            <a:lvl1pPr marL="0" indent="0" algn="l" defTabSz="914400" rtl="0" eaLnBrk="1" latinLnBrk="0" hangingPunct="1">
-              <a:lnSpc>
-                <a:spcPct val="100000"/>
-              </a:lnSpc>
-              <a:spcBef>
-                <a:spcPts val="0"/>
-              </a:spcBef>
-              <a:spcAft>
-                <a:spcPts val="600"/>
-              </a:spcAft>
-              <a:buFont typeface="Arial" panose="020B0604020202020204" pitchFamily="34" charset="0"/>
-              <a:buNone/>
-              <a:defRPr sz="2000" kern="1200" baseline="0">
-                <a:solidFill>
-                  <a:schemeClr val="tx1"/>
-                </a:solidFill>
-                <a:latin typeface="+mn-lt"/>
-                <a:ea typeface="+mn-ea"/>
-                <a:cs typeface="+mn-cs"/>
-              </a:defRPr>
-            </a:lvl1pPr>
-            <a:lvl2pPr marL="177800" indent="-177800" algn="l" defTabSz="914400" rtl="0" eaLnBrk="1" latinLnBrk="0" hangingPunct="1">
-              <a:lnSpc>
-                <a:spcPct val="100000"/>
-              </a:lnSpc>
-              <a:spcBef>
-                <a:spcPts val="0"/>
-              </a:spcBef>
-              <a:spcAft>
-                <a:spcPts val="600"/>
-              </a:spcAft>
-              <a:buClr>
-                <a:schemeClr val="accent1"/>
-              </a:buClr>
-              <a:buFont typeface="Wingdings" panose="05000000000000000000" pitchFamily="2" charset="2"/>
-              <a:buChar char="§"/>
-              <a:defRPr sz="1800" kern="1200" baseline="0">
-                <a:solidFill>
-                  <a:schemeClr val="tx1"/>
-                </a:solidFill>
-                <a:latin typeface="+mn-lt"/>
-                <a:ea typeface="+mn-ea"/>
-                <a:cs typeface="+mn-cs"/>
-              </a:defRPr>
-            </a:lvl2pPr>
-            <a:lvl3pPr marL="361950" indent="-184150" algn="l" defTabSz="914400" rtl="0" eaLnBrk="1" latinLnBrk="0" hangingPunct="1">
-              <a:lnSpc>
-                <a:spcPct val="100000"/>
-              </a:lnSpc>
-              <a:spcBef>
-                <a:spcPts val="0"/>
-              </a:spcBef>
-              <a:spcAft>
-                <a:spcPts val="600"/>
-              </a:spcAft>
-              <a:buClr>
-                <a:schemeClr val="accent2"/>
-              </a:buClr>
-              <a:buFont typeface="Arial" panose="020B0604020202020204" pitchFamily="34" charset="0"/>
-              <a:buChar char="•"/>
-              <a:defRPr sz="1600" kern="1200" baseline="0">
-                <a:solidFill>
-                  <a:schemeClr val="tx1"/>
-                </a:solidFill>
-                <a:latin typeface="+mn-lt"/>
-                <a:ea typeface="+mn-ea"/>
-                <a:cs typeface="+mn-cs"/>
-              </a:defRPr>
-            </a:lvl3pPr>
-            <a:lvl4pPr marL="539750" indent="-177800" algn="l" defTabSz="914400" rtl="0" eaLnBrk="1" latinLnBrk="0" hangingPunct="1">
-              <a:lnSpc>
-                <a:spcPct val="100000"/>
-              </a:lnSpc>
-              <a:spcBef>
-                <a:spcPts val="0"/>
-              </a:spcBef>
-              <a:spcAft>
-                <a:spcPts val="600"/>
-              </a:spcAft>
-              <a:buClr>
-                <a:schemeClr val="tx1"/>
-              </a:buClr>
-              <a:buFont typeface="Ubuntu" panose="020B0504030602030204" pitchFamily="34" charset="0"/>
-              <a:buChar char="–"/>
-              <a:defRPr sz="1400" kern="1200" baseline="0">
-                <a:solidFill>
-                  <a:schemeClr val="tx1"/>
-                </a:solidFill>
-                <a:latin typeface="+mn-lt"/>
-                <a:ea typeface="+mn-ea"/>
-                <a:cs typeface="+mn-cs"/>
-              </a:defRPr>
-            </a:lvl4pPr>
-            <a:lvl5pPr marL="717550" indent="-177800" algn="l" defTabSz="914400" rtl="0" eaLnBrk="1" latinLnBrk="0" hangingPunct="1">
-              <a:lnSpc>
-                <a:spcPct val="100000"/>
-              </a:lnSpc>
-              <a:spcBef>
-                <a:spcPts val="0"/>
-              </a:spcBef>
-              <a:spcAft>
-                <a:spcPts val="600"/>
-              </a:spcAft>
-              <a:buClr>
-                <a:schemeClr val="accent3"/>
-              </a:buClr>
-              <a:buFont typeface="Arial" panose="020B0604020202020204" pitchFamily="34" charset="0"/>
-              <a:buChar char="•"/>
-              <a:defRPr sz="1400" kern="1200" baseline="0">
-                <a:solidFill>
-                  <a:schemeClr val="tx1"/>
-                </a:solidFill>
-                <a:latin typeface="+mn-lt"/>
-                <a:ea typeface="+mn-ea"/>
-                <a:cs typeface="+mn-cs"/>
-              </a:defRPr>
-            </a:lvl5pPr>
-            <a:lvl6pPr marL="2514600" indent="-228600" algn="l" defTabSz="914400" rtl="0" eaLnBrk="1" latinLnBrk="0" hangingPunct="1">
-              <a:lnSpc>
-                <a:spcPct val="90000"/>
-              </a:lnSpc>
-              <a:spcBef>
-                <a:spcPts val="500"/>
-              </a:spcBef>
-              <a:buFont typeface="Arial" panose="020B0604020202020204" pitchFamily="34" charset="0"/>
-              <a:buChar char="•"/>
-              <a:defRPr sz="1800" kern="1200">
-                <a:solidFill>
-                  <a:schemeClr val="tx1"/>
-                </a:solidFill>
-                <a:latin typeface="+mn-lt"/>
-                <a:ea typeface="+mn-ea"/>
-                <a:cs typeface="+mn-cs"/>
-              </a:defRPr>
-            </a:lvl6pPr>
-            <a:lvl7pPr marL="2971800" indent="-228600" algn="l" defTabSz="914400" rtl="0" eaLnBrk="1" latinLnBrk="0" hangingPunct="1">
-              <a:lnSpc>
-                <a:spcPct val="90000"/>
-              </a:lnSpc>
-              <a:spcBef>
-                <a:spcPts val="500"/>
-              </a:spcBef>
-              <a:buFont typeface="Arial" panose="020B0604020202020204" pitchFamily="34" charset="0"/>
-              <a:buChar char="•"/>
-              <a:defRPr sz="1800" kern="1200">
-                <a:solidFill>
-                  <a:schemeClr val="tx1"/>
-                </a:solidFill>
-                <a:latin typeface="+mn-lt"/>
-                <a:ea typeface="+mn-ea"/>
-                <a:cs typeface="+mn-cs"/>
-              </a:defRPr>
-            </a:lvl7pPr>
-            <a:lvl8pPr marL="3429000" indent="-228600" algn="l" defTabSz="914400" rtl="0" eaLnBrk="1" latinLnBrk="0" hangingPunct="1">
-              <a:lnSpc>
-                <a:spcPct val="90000"/>
-              </a:lnSpc>
-              <a:spcBef>
-                <a:spcPts val="500"/>
-              </a:spcBef>
-              <a:buFont typeface="Arial" panose="020B0604020202020204" pitchFamily="34" charset="0"/>
-              <a:buChar char="•"/>
-              <a:defRPr sz="1800" kern="1200">
-                <a:solidFill>
-                  <a:schemeClr val="tx1"/>
-                </a:solidFill>
-                <a:latin typeface="+mn-lt"/>
-                <a:ea typeface="+mn-ea"/>
-                <a:cs typeface="+mn-cs"/>
-              </a:defRPr>
-            </a:lvl8pPr>
-            <a:lvl9pPr marL="3886200" indent="-228600" algn="l" defTabSz="914400" rtl="0" eaLnBrk="1" latinLnBrk="0" hangingPunct="1">
-              <a:lnSpc>
-                <a:spcPct val="90000"/>
-              </a:lnSpc>
-              <a:spcBef>
-                <a:spcPts val="500"/>
-              </a:spcBef>
-              <a:buFont typeface="Arial" panose="020B0604020202020204" pitchFamily="34" charset="0"/>
-              <a:buChar char="•"/>
-              <a:defRPr sz="1800" kern="1200">
-                <a:solidFill>
-                  <a:schemeClr val="tx1"/>
-                </a:solidFill>
-                <a:latin typeface="+mn-lt"/>
-                <a:ea typeface="+mn-ea"/>
-                <a:cs typeface="+mn-cs"/>
-              </a:defRPr>
-            </a:lvl9pPr>
-          </a:lstStyle>
-          <a:p>
-            <a:r>
-              <a:rPr lang="en-GB" sz="1800">
-                <a:solidFill>
-                  <a:schemeClr val="bg1"/>
-                </a:solidFill>
-              </a:rPr>
-              <a:t>5ª </a:t>
-            </a:r>
-            <a:r>
-              <a:rPr lang="en-GB" sz="1800" err="1">
-                <a:solidFill>
-                  <a:schemeClr val="bg1"/>
-                </a:solidFill>
-              </a:rPr>
-              <a:t>Fase</a:t>
-            </a:r>
-            <a:endParaRPr lang="en-GB" sz="1800">
-              <a:solidFill>
-                <a:schemeClr val="bg1"/>
-              </a:solidFill>
-            </a:endParaRPr>
-          </a:p>
-        </p:txBody>
-      </p:sp>
-      <p:sp>
-        <p:nvSpPr>
-          <p:cNvPr id="9" name="Text Placeholder 4">
-            <a:extLst>
-              <a:ext uri="{FF2B5EF4-FFF2-40B4-BE49-F238E27FC236}">
-                <a16:creationId xmlns:a16="http://schemas.microsoft.com/office/drawing/2014/main" id="{51FA85B3-C664-B6D1-106C-A307CE84938B}"/>
-              </a:ext>
-            </a:extLst>
-          </p:cNvPr>
-          <p:cNvSpPr>
-            <a:spLocks noGrp="1"/>
-          </p:cNvSpPr>
-          <p:nvPr>
-            <p:ph type="body" sz="quarter" idx="10"/>
-          </p:nvPr>
-        </p:nvSpPr>
-        <p:spPr>
-          <a:xfrm>
-            <a:off x="9832" y="2263697"/>
-            <a:ext cx="2719376" cy="4076234"/>
-          </a:xfrm>
-        </p:spPr>
-        <p:txBody>
-          <a:bodyPr/>
-          <a:lstStyle/>
-          <a:p>
-            <a:pPr lvl="3"/>
-            <a:r>
-              <a:rPr lang="en-GB" dirty="0" err="1"/>
-              <a:t>Criar</a:t>
-            </a:r>
-            <a:r>
-              <a:rPr lang="en-GB" dirty="0"/>
-              <a:t> View MyAccount para Customer </a:t>
-            </a:r>
-            <a:r>
-              <a:rPr lang="en-GB" dirty="0" err="1"/>
-              <a:t>logado</a:t>
-            </a:r>
-            <a:r>
-              <a:rPr lang="en-GB" dirty="0"/>
-              <a:t>.</a:t>
-            </a:r>
-          </a:p>
-        </p:txBody>
-      </p:sp>
-      <p:sp>
-        <p:nvSpPr>
-          <p:cNvPr id="18" name="Text Placeholder 5">
-            <a:extLst>
-              <a:ext uri="{FF2B5EF4-FFF2-40B4-BE49-F238E27FC236}">
-                <a16:creationId xmlns:a16="http://schemas.microsoft.com/office/drawing/2014/main" id="{93655D6A-EA90-2BDF-C59A-23E637509E95}"/>
-              </a:ext>
-            </a:extLst>
-          </p:cNvPr>
-          <p:cNvSpPr txBox="1">
-            <a:spLocks/>
-          </p:cNvSpPr>
-          <p:nvPr/>
-        </p:nvSpPr>
-        <p:spPr>
-          <a:xfrm>
-            <a:off x="3276598" y="1295400"/>
-            <a:ext cx="2719385" cy="716711"/>
-          </a:xfrm>
-          <a:prstGeom prst="rect">
-            <a:avLst/>
-          </a:prstGeom>
-          <a:solidFill>
-            <a:srgbClr val="12ABDC"/>
-          </a:solidFill>
-        </p:spPr>
-        <p:txBody>
-          <a:bodyPr/>
-          <a:lstStyle>
-            <a:lvl1pPr marL="0" indent="0" algn="l" defTabSz="914400" rtl="0" eaLnBrk="1" latinLnBrk="0" hangingPunct="1">
-              <a:lnSpc>
-                <a:spcPct val="100000"/>
-              </a:lnSpc>
-              <a:spcBef>
-                <a:spcPts val="0"/>
-              </a:spcBef>
-              <a:spcAft>
-                <a:spcPts val="600"/>
-              </a:spcAft>
-              <a:buFont typeface="Arial" panose="020B0604020202020204" pitchFamily="34" charset="0"/>
-              <a:buNone/>
-              <a:defRPr sz="2000" kern="1200" baseline="0">
-                <a:solidFill>
-                  <a:schemeClr val="tx1"/>
-                </a:solidFill>
-                <a:latin typeface="+mn-lt"/>
-                <a:ea typeface="+mn-ea"/>
-                <a:cs typeface="+mn-cs"/>
-              </a:defRPr>
-            </a:lvl1pPr>
-            <a:lvl2pPr marL="177800" indent="-177800" algn="l" defTabSz="914400" rtl="0" eaLnBrk="1" latinLnBrk="0" hangingPunct="1">
-              <a:lnSpc>
-                <a:spcPct val="100000"/>
-              </a:lnSpc>
-              <a:spcBef>
-                <a:spcPts val="0"/>
-              </a:spcBef>
-              <a:spcAft>
-                <a:spcPts val="600"/>
-              </a:spcAft>
-              <a:buClr>
-                <a:schemeClr val="accent1"/>
-              </a:buClr>
-              <a:buFont typeface="Wingdings" panose="05000000000000000000" pitchFamily="2" charset="2"/>
-              <a:buChar char="§"/>
-              <a:defRPr sz="1800" kern="1200" baseline="0">
-                <a:solidFill>
-                  <a:schemeClr val="tx1"/>
-                </a:solidFill>
-                <a:latin typeface="+mn-lt"/>
-                <a:ea typeface="+mn-ea"/>
-                <a:cs typeface="+mn-cs"/>
-              </a:defRPr>
-            </a:lvl2pPr>
-            <a:lvl3pPr marL="361950" indent="-184150" algn="l" defTabSz="914400" rtl="0" eaLnBrk="1" latinLnBrk="0" hangingPunct="1">
-              <a:lnSpc>
-                <a:spcPct val="100000"/>
-              </a:lnSpc>
-              <a:spcBef>
-                <a:spcPts val="0"/>
-              </a:spcBef>
-              <a:spcAft>
-                <a:spcPts val="600"/>
-              </a:spcAft>
-              <a:buClr>
-                <a:schemeClr val="accent2"/>
-              </a:buClr>
-              <a:buFont typeface="Arial" panose="020B0604020202020204" pitchFamily="34" charset="0"/>
-              <a:buChar char="•"/>
-              <a:defRPr sz="1600" kern="1200" baseline="0">
-                <a:solidFill>
-                  <a:schemeClr val="tx1"/>
-                </a:solidFill>
-                <a:latin typeface="+mn-lt"/>
-                <a:ea typeface="+mn-ea"/>
-                <a:cs typeface="+mn-cs"/>
-              </a:defRPr>
-            </a:lvl3pPr>
-            <a:lvl4pPr marL="539750" indent="-177800" algn="l" defTabSz="914400" rtl="0" eaLnBrk="1" latinLnBrk="0" hangingPunct="1">
-              <a:lnSpc>
-                <a:spcPct val="100000"/>
-              </a:lnSpc>
-              <a:spcBef>
-                <a:spcPts val="0"/>
-              </a:spcBef>
-              <a:spcAft>
-                <a:spcPts val="600"/>
-              </a:spcAft>
-              <a:buClr>
-                <a:schemeClr val="tx1"/>
-              </a:buClr>
-              <a:buFont typeface="Ubuntu" panose="020B0504030602030204" pitchFamily="34" charset="0"/>
-              <a:buChar char="–"/>
-              <a:defRPr sz="1400" kern="1200" baseline="0">
-                <a:solidFill>
-                  <a:schemeClr val="tx1"/>
-                </a:solidFill>
-                <a:latin typeface="+mn-lt"/>
-                <a:ea typeface="+mn-ea"/>
-                <a:cs typeface="+mn-cs"/>
-              </a:defRPr>
-            </a:lvl4pPr>
-            <a:lvl5pPr marL="717550" indent="-177800" algn="l" defTabSz="914400" rtl="0" eaLnBrk="1" latinLnBrk="0" hangingPunct="1">
-              <a:lnSpc>
-                <a:spcPct val="100000"/>
-              </a:lnSpc>
-              <a:spcBef>
-                <a:spcPts val="0"/>
-              </a:spcBef>
-              <a:spcAft>
-                <a:spcPts val="600"/>
-              </a:spcAft>
-              <a:buClr>
-                <a:schemeClr val="accent3"/>
-              </a:buClr>
-              <a:buFont typeface="Arial" panose="020B0604020202020204" pitchFamily="34" charset="0"/>
-              <a:buChar char="•"/>
-              <a:defRPr sz="1400" kern="1200" baseline="0">
-                <a:solidFill>
-                  <a:schemeClr val="tx1"/>
-                </a:solidFill>
-                <a:latin typeface="+mn-lt"/>
-                <a:ea typeface="+mn-ea"/>
-                <a:cs typeface="+mn-cs"/>
-              </a:defRPr>
-            </a:lvl5pPr>
-            <a:lvl6pPr marL="2514600" indent="-228600" algn="l" defTabSz="914400" rtl="0" eaLnBrk="1" latinLnBrk="0" hangingPunct="1">
-              <a:lnSpc>
-                <a:spcPct val="90000"/>
-              </a:lnSpc>
-              <a:spcBef>
-                <a:spcPts val="500"/>
-              </a:spcBef>
-              <a:buFont typeface="Arial" panose="020B0604020202020204" pitchFamily="34" charset="0"/>
-              <a:buChar char="•"/>
-              <a:defRPr sz="1800" kern="1200">
-                <a:solidFill>
-                  <a:schemeClr val="tx1"/>
-                </a:solidFill>
-                <a:latin typeface="+mn-lt"/>
-                <a:ea typeface="+mn-ea"/>
-                <a:cs typeface="+mn-cs"/>
-              </a:defRPr>
-            </a:lvl6pPr>
-            <a:lvl7pPr marL="2971800" indent="-228600" algn="l" defTabSz="914400" rtl="0" eaLnBrk="1" latinLnBrk="0" hangingPunct="1">
-              <a:lnSpc>
-                <a:spcPct val="90000"/>
-              </a:lnSpc>
-              <a:spcBef>
-                <a:spcPts val="500"/>
-              </a:spcBef>
-              <a:buFont typeface="Arial" panose="020B0604020202020204" pitchFamily="34" charset="0"/>
-              <a:buChar char="•"/>
-              <a:defRPr sz="1800" kern="1200">
-                <a:solidFill>
-                  <a:schemeClr val="tx1"/>
-                </a:solidFill>
-                <a:latin typeface="+mn-lt"/>
-                <a:ea typeface="+mn-ea"/>
-                <a:cs typeface="+mn-cs"/>
-              </a:defRPr>
-            </a:lvl7pPr>
-            <a:lvl8pPr marL="3429000" indent="-228600" algn="l" defTabSz="914400" rtl="0" eaLnBrk="1" latinLnBrk="0" hangingPunct="1">
-              <a:lnSpc>
-                <a:spcPct val="90000"/>
-              </a:lnSpc>
-              <a:spcBef>
-                <a:spcPts val="500"/>
-              </a:spcBef>
-              <a:buFont typeface="Arial" panose="020B0604020202020204" pitchFamily="34" charset="0"/>
-              <a:buChar char="•"/>
-              <a:defRPr sz="1800" kern="1200">
-                <a:solidFill>
-                  <a:schemeClr val="tx1"/>
-                </a:solidFill>
-                <a:latin typeface="+mn-lt"/>
-                <a:ea typeface="+mn-ea"/>
-                <a:cs typeface="+mn-cs"/>
-              </a:defRPr>
-            </a:lvl8pPr>
-            <a:lvl9pPr marL="3886200" indent="-228600" algn="l" defTabSz="914400" rtl="0" eaLnBrk="1" latinLnBrk="0" hangingPunct="1">
-              <a:lnSpc>
-                <a:spcPct val="90000"/>
-              </a:lnSpc>
-              <a:spcBef>
-                <a:spcPts val="500"/>
-              </a:spcBef>
-              <a:buFont typeface="Arial" panose="020B0604020202020204" pitchFamily="34" charset="0"/>
-              <a:buChar char="•"/>
-              <a:defRPr sz="1800" kern="1200">
-                <a:solidFill>
-                  <a:schemeClr val="tx1"/>
-                </a:solidFill>
-                <a:latin typeface="+mn-lt"/>
-                <a:ea typeface="+mn-ea"/>
-                <a:cs typeface="+mn-cs"/>
-              </a:defRPr>
-            </a:lvl9pPr>
-          </a:lstStyle>
-          <a:p>
-            <a:r>
-              <a:rPr lang="en-GB" sz="1800">
-                <a:solidFill>
-                  <a:schemeClr val="bg1"/>
-                </a:solidFill>
-              </a:rPr>
-              <a:t>6ª </a:t>
-            </a:r>
-            <a:r>
-              <a:rPr lang="en-GB" sz="1800" err="1">
-                <a:solidFill>
-                  <a:schemeClr val="bg1"/>
-                </a:solidFill>
-              </a:rPr>
-              <a:t>Fase</a:t>
-            </a:r>
-            <a:endParaRPr lang="en-GB" sz="1800">
-              <a:solidFill>
-                <a:schemeClr val="bg1"/>
-              </a:solidFill>
-            </a:endParaRPr>
-          </a:p>
-          <a:p>
-            <a:endParaRPr lang="en-GB" sz="1800">
-              <a:solidFill>
-                <a:schemeClr val="bg1"/>
-              </a:solidFill>
-            </a:endParaRPr>
-          </a:p>
-        </p:txBody>
-      </p:sp>
-      <p:sp>
-        <p:nvSpPr>
-          <p:cNvPr id="19" name="Text Placeholder 4">
-            <a:extLst>
-              <a:ext uri="{FF2B5EF4-FFF2-40B4-BE49-F238E27FC236}">
-                <a16:creationId xmlns:a16="http://schemas.microsoft.com/office/drawing/2014/main" id="{5F40F9CF-7C2C-BDB7-5EC5-E26B6B4E5FC8}"/>
-              </a:ext>
-            </a:extLst>
-          </p:cNvPr>
-          <p:cNvSpPr txBox="1">
-            <a:spLocks/>
-          </p:cNvSpPr>
-          <p:nvPr/>
-        </p:nvSpPr>
-        <p:spPr>
-          <a:xfrm>
-            <a:off x="2981634" y="2273343"/>
-            <a:ext cx="2719376" cy="4076234"/>
-          </a:xfrm>
-          <a:prstGeom prst="rect">
-            <a:avLst/>
-          </a:prstGeom>
-        </p:spPr>
-        <p:txBody>
-          <a:bodyPr vert="horz" lIns="0" tIns="0" rIns="0" bIns="0" rtlCol="0">
-            <a:noAutofit/>
-          </a:bodyPr>
-          <a:lstStyle>
-            <a:lvl1pPr marL="0" indent="0" algn="l" defTabSz="914400" rtl="0" eaLnBrk="1" latinLnBrk="0" hangingPunct="1">
-              <a:lnSpc>
-                <a:spcPct val="100000"/>
-              </a:lnSpc>
-              <a:spcBef>
-                <a:spcPts val="0"/>
-              </a:spcBef>
-              <a:spcAft>
-                <a:spcPts val="600"/>
-              </a:spcAft>
-              <a:buFont typeface="Arial" panose="020B0604020202020204" pitchFamily="34" charset="0"/>
-              <a:buNone/>
-              <a:defRPr sz="2000" kern="1200" baseline="0">
-                <a:solidFill>
-                  <a:schemeClr val="bg1"/>
-                </a:solidFill>
-                <a:latin typeface="+mn-lt"/>
-                <a:ea typeface="+mn-ea"/>
-                <a:cs typeface="+mn-cs"/>
-              </a:defRPr>
-            </a:lvl1pPr>
-            <a:lvl2pPr marL="177800" indent="-177800" algn="l" defTabSz="914400" rtl="0" eaLnBrk="1" latinLnBrk="0" hangingPunct="1">
-              <a:lnSpc>
-                <a:spcPct val="100000"/>
-              </a:lnSpc>
-              <a:spcBef>
-                <a:spcPts val="0"/>
-              </a:spcBef>
-              <a:spcAft>
-                <a:spcPts val="600"/>
-              </a:spcAft>
-              <a:buClr>
-                <a:schemeClr val="accent1"/>
-              </a:buClr>
-              <a:buFont typeface="Wingdings" panose="05000000000000000000" pitchFamily="2" charset="2"/>
-              <a:buChar char="§"/>
-              <a:defRPr sz="1800" kern="1200" baseline="0">
-                <a:solidFill>
-                  <a:schemeClr val="bg1"/>
-                </a:solidFill>
-                <a:latin typeface="+mn-lt"/>
-                <a:ea typeface="+mn-ea"/>
-                <a:cs typeface="+mn-cs"/>
-              </a:defRPr>
-            </a:lvl2pPr>
-            <a:lvl3pPr marL="361950" indent="-184150" algn="l" defTabSz="914400" rtl="0" eaLnBrk="1" latinLnBrk="0" hangingPunct="1">
-              <a:lnSpc>
-                <a:spcPct val="100000"/>
-              </a:lnSpc>
-              <a:spcBef>
-                <a:spcPts val="0"/>
-              </a:spcBef>
-              <a:spcAft>
-                <a:spcPts val="600"/>
-              </a:spcAft>
-              <a:buClr>
-                <a:schemeClr val="accent2"/>
-              </a:buClr>
-              <a:buFont typeface="Arial" panose="020B0604020202020204" pitchFamily="34" charset="0"/>
-              <a:buChar char="•"/>
-              <a:defRPr sz="1600" kern="1200" baseline="0">
-                <a:solidFill>
-                  <a:schemeClr val="bg1"/>
-                </a:solidFill>
-                <a:latin typeface="+mn-lt"/>
-                <a:ea typeface="+mn-ea"/>
-                <a:cs typeface="+mn-cs"/>
-              </a:defRPr>
-            </a:lvl3pPr>
-            <a:lvl4pPr marL="539750" indent="-177800" algn="l" defTabSz="914400" rtl="0" eaLnBrk="1" latinLnBrk="0" hangingPunct="1">
-              <a:lnSpc>
-                <a:spcPct val="100000"/>
-              </a:lnSpc>
-              <a:spcBef>
-                <a:spcPts val="0"/>
-              </a:spcBef>
-              <a:spcAft>
-                <a:spcPts val="600"/>
-              </a:spcAft>
-              <a:buClr>
-                <a:schemeClr val="accent5"/>
-              </a:buClr>
-              <a:buFont typeface="Ubuntu" panose="020B0504030602030204" pitchFamily="34" charset="0"/>
-              <a:buChar char="–"/>
-              <a:defRPr sz="1400" kern="1200" baseline="0">
-                <a:solidFill>
-                  <a:schemeClr val="bg1"/>
-                </a:solidFill>
-                <a:latin typeface="+mn-lt"/>
-                <a:ea typeface="+mn-ea"/>
-                <a:cs typeface="+mn-cs"/>
-              </a:defRPr>
-            </a:lvl4pPr>
-            <a:lvl5pPr marL="717550" indent="-177800" algn="l" defTabSz="914400" rtl="0" eaLnBrk="1" latinLnBrk="0" hangingPunct="1">
-              <a:lnSpc>
-                <a:spcPct val="100000"/>
-              </a:lnSpc>
-              <a:spcBef>
-                <a:spcPts val="0"/>
-              </a:spcBef>
-              <a:spcAft>
-                <a:spcPts val="600"/>
-              </a:spcAft>
-              <a:buClr>
-                <a:schemeClr val="bg1"/>
-              </a:buClr>
-              <a:buFont typeface="Arial" panose="020B0604020202020204" pitchFamily="34" charset="0"/>
-              <a:buChar char="•"/>
-              <a:defRPr sz="1400" kern="1200" baseline="0">
-                <a:solidFill>
-                  <a:schemeClr val="bg1"/>
-                </a:solidFill>
-                <a:latin typeface="+mn-lt"/>
-                <a:ea typeface="+mn-ea"/>
-                <a:cs typeface="+mn-cs"/>
-              </a:defRPr>
-            </a:lvl5pPr>
-            <a:lvl6pPr marL="2514600" indent="-228600" algn="l" defTabSz="914400" rtl="0" eaLnBrk="1" latinLnBrk="0" hangingPunct="1">
-              <a:lnSpc>
-                <a:spcPct val="90000"/>
-              </a:lnSpc>
-              <a:spcBef>
-                <a:spcPts val="500"/>
-              </a:spcBef>
-              <a:buFont typeface="Arial" panose="020B0604020202020204" pitchFamily="34" charset="0"/>
-              <a:buChar char="•"/>
-              <a:defRPr sz="1800" kern="1200">
-                <a:solidFill>
-                  <a:schemeClr val="tx1"/>
-                </a:solidFill>
-                <a:latin typeface="+mn-lt"/>
-                <a:ea typeface="+mn-ea"/>
-                <a:cs typeface="+mn-cs"/>
-              </a:defRPr>
-            </a:lvl6pPr>
-            <a:lvl7pPr marL="2971800" indent="-228600" algn="l" defTabSz="914400" rtl="0" eaLnBrk="1" latinLnBrk="0" hangingPunct="1">
-              <a:lnSpc>
-                <a:spcPct val="90000"/>
-              </a:lnSpc>
-              <a:spcBef>
-                <a:spcPts val="500"/>
-              </a:spcBef>
-              <a:buFont typeface="Arial" panose="020B0604020202020204" pitchFamily="34" charset="0"/>
-              <a:buChar char="•"/>
-              <a:defRPr sz="1800" kern="1200">
-                <a:solidFill>
-                  <a:schemeClr val="tx1"/>
-                </a:solidFill>
-                <a:latin typeface="+mn-lt"/>
-                <a:ea typeface="+mn-ea"/>
-                <a:cs typeface="+mn-cs"/>
-              </a:defRPr>
-            </a:lvl7pPr>
-            <a:lvl8pPr marL="3429000" indent="-228600" algn="l" defTabSz="914400" rtl="0" eaLnBrk="1" latinLnBrk="0" hangingPunct="1">
-              <a:lnSpc>
-                <a:spcPct val="90000"/>
-              </a:lnSpc>
-              <a:spcBef>
-                <a:spcPts val="500"/>
-              </a:spcBef>
-              <a:buFont typeface="Arial" panose="020B0604020202020204" pitchFamily="34" charset="0"/>
-              <a:buChar char="•"/>
-              <a:defRPr sz="1800" kern="1200">
-                <a:solidFill>
-                  <a:schemeClr val="tx1"/>
-                </a:solidFill>
-                <a:latin typeface="+mn-lt"/>
-                <a:ea typeface="+mn-ea"/>
-                <a:cs typeface="+mn-cs"/>
-              </a:defRPr>
-            </a:lvl8pPr>
-            <a:lvl9pPr marL="3886200" indent="-228600" algn="l" defTabSz="914400" rtl="0" eaLnBrk="1" latinLnBrk="0" hangingPunct="1">
-              <a:lnSpc>
-                <a:spcPct val="90000"/>
-              </a:lnSpc>
-              <a:spcBef>
-                <a:spcPts val="500"/>
-              </a:spcBef>
-              <a:buFont typeface="Arial" panose="020B0604020202020204" pitchFamily="34" charset="0"/>
-              <a:buChar char="•"/>
-              <a:defRPr sz="1800" kern="1200">
-                <a:solidFill>
-                  <a:schemeClr val="tx1"/>
-                </a:solidFill>
-                <a:latin typeface="+mn-lt"/>
-                <a:ea typeface="+mn-ea"/>
-                <a:cs typeface="+mn-cs"/>
-              </a:defRPr>
-            </a:lvl9pPr>
-          </a:lstStyle>
-          <a:p>
-            <a:pPr lvl="3"/>
-            <a:r>
-              <a:rPr lang="en-GB" dirty="0" err="1"/>
-              <a:t>Criar</a:t>
-            </a:r>
-            <a:r>
-              <a:rPr lang="en-GB" dirty="0"/>
-              <a:t> Object Category;</a:t>
-            </a:r>
-          </a:p>
-          <a:p>
-            <a:pPr lvl="3"/>
-            <a:r>
-              <a:rPr lang="en-GB" dirty="0"/>
-              <a:t>Uma </a:t>
-            </a:r>
-            <a:r>
-              <a:rPr lang="en-GB" dirty="0" err="1"/>
-              <a:t>categoria</a:t>
-            </a:r>
-            <a:r>
-              <a:rPr lang="en-GB" dirty="0"/>
-              <a:t> </a:t>
-            </a:r>
-            <a:r>
-              <a:rPr lang="en-GB" dirty="0" err="1"/>
-              <a:t>pode</a:t>
-            </a:r>
-            <a:r>
-              <a:rPr lang="en-GB" dirty="0"/>
-              <a:t> </a:t>
-            </a:r>
-            <a:r>
-              <a:rPr lang="en-GB" dirty="0" err="1"/>
-              <a:t>ter</a:t>
-            </a:r>
-            <a:r>
-              <a:rPr lang="en-GB" dirty="0"/>
-              <a:t> </a:t>
-            </a:r>
-            <a:r>
-              <a:rPr lang="en-GB" dirty="0" err="1"/>
-              <a:t>vários</a:t>
-            </a:r>
-            <a:r>
-              <a:rPr lang="en-GB" dirty="0"/>
-              <a:t> </a:t>
-            </a:r>
-            <a:r>
-              <a:rPr lang="en-GB" dirty="0" err="1"/>
-              <a:t>produtos</a:t>
-            </a:r>
-            <a:r>
-              <a:rPr lang="en-GB" dirty="0"/>
-              <a:t> e um </a:t>
-            </a:r>
-            <a:r>
-              <a:rPr lang="en-GB" dirty="0" err="1"/>
-              <a:t>produto</a:t>
-            </a:r>
-            <a:r>
-              <a:rPr lang="en-GB" dirty="0"/>
-              <a:t> </a:t>
-            </a:r>
-            <a:r>
-              <a:rPr lang="en-GB" dirty="0" err="1"/>
-              <a:t>pode</a:t>
-            </a:r>
-            <a:r>
-              <a:rPr lang="en-GB" dirty="0"/>
-              <a:t> </a:t>
-            </a:r>
-            <a:r>
-              <a:rPr lang="en-GB" dirty="0" err="1"/>
-              <a:t>ter</a:t>
-            </a:r>
-            <a:r>
-              <a:rPr lang="en-GB" dirty="0"/>
-              <a:t> </a:t>
-            </a:r>
-            <a:r>
-              <a:rPr lang="en-GB" dirty="0" err="1"/>
-              <a:t>várias</a:t>
-            </a:r>
-            <a:r>
-              <a:rPr lang="en-GB" dirty="0"/>
-              <a:t> </a:t>
-            </a:r>
-            <a:r>
-              <a:rPr lang="en-GB" dirty="0" err="1"/>
-              <a:t>categorias</a:t>
-            </a:r>
-            <a:r>
-              <a:rPr lang="en-GB" dirty="0"/>
-              <a:t>;</a:t>
-            </a:r>
-          </a:p>
-          <a:p>
-            <a:pPr lvl="3"/>
-            <a:r>
-              <a:rPr lang="en-GB" dirty="0" err="1"/>
-              <a:t>Adicionar</a:t>
-            </a:r>
-            <a:r>
-              <a:rPr lang="en-GB" dirty="0"/>
-              <a:t> </a:t>
-            </a:r>
-            <a:r>
-              <a:rPr lang="en-GB" dirty="0" err="1"/>
-              <a:t>propriedade</a:t>
-            </a:r>
-            <a:r>
-              <a:rPr lang="en-GB" dirty="0"/>
-              <a:t> “online” para </a:t>
-            </a:r>
-            <a:r>
-              <a:rPr lang="en-GB" dirty="0" err="1"/>
-              <a:t>objeto</a:t>
-            </a:r>
-            <a:r>
-              <a:rPr lang="en-GB" dirty="0"/>
-              <a:t> </a:t>
-            </a:r>
-            <a:r>
-              <a:rPr lang="en-GB" dirty="0" err="1"/>
-              <a:t>Produto</a:t>
-            </a:r>
-            <a:r>
-              <a:rPr lang="en-GB" dirty="0"/>
-              <a:t>.</a:t>
-            </a:r>
-          </a:p>
-        </p:txBody>
-      </p:sp>
-      <p:sp>
-        <p:nvSpPr>
-          <p:cNvPr id="20" name="Text Placeholder 5">
-            <a:extLst>
-              <a:ext uri="{FF2B5EF4-FFF2-40B4-BE49-F238E27FC236}">
-                <a16:creationId xmlns:a16="http://schemas.microsoft.com/office/drawing/2014/main" id="{1F271B16-BD0A-6E14-E680-A5C913ED3A43}"/>
-              </a:ext>
-            </a:extLst>
-          </p:cNvPr>
-          <p:cNvSpPr txBox="1">
-            <a:spLocks/>
-          </p:cNvSpPr>
-          <p:nvPr/>
-        </p:nvSpPr>
-        <p:spPr>
-          <a:xfrm>
-            <a:off x="6248400" y="1295400"/>
-            <a:ext cx="2719385" cy="716711"/>
-          </a:xfrm>
-          <a:prstGeom prst="rect">
-            <a:avLst/>
-          </a:prstGeom>
-          <a:solidFill>
-            <a:srgbClr val="12ABDC"/>
-          </a:solidFill>
-        </p:spPr>
-        <p:txBody>
-          <a:bodyPr/>
-          <a:lstStyle>
-            <a:lvl1pPr marL="0" indent="0" algn="l" defTabSz="914400" rtl="0" eaLnBrk="1" latinLnBrk="0" hangingPunct="1">
-              <a:lnSpc>
-                <a:spcPct val="100000"/>
-              </a:lnSpc>
-              <a:spcBef>
-                <a:spcPts val="0"/>
-              </a:spcBef>
-              <a:spcAft>
-                <a:spcPts val="600"/>
-              </a:spcAft>
-              <a:buFont typeface="Arial" panose="020B0604020202020204" pitchFamily="34" charset="0"/>
-              <a:buNone/>
-              <a:defRPr sz="2000" kern="1200" baseline="0">
-                <a:solidFill>
-                  <a:schemeClr val="tx1"/>
-                </a:solidFill>
-                <a:latin typeface="+mn-lt"/>
-                <a:ea typeface="+mn-ea"/>
-                <a:cs typeface="+mn-cs"/>
-              </a:defRPr>
-            </a:lvl1pPr>
-            <a:lvl2pPr marL="177800" indent="-177800" algn="l" defTabSz="914400" rtl="0" eaLnBrk="1" latinLnBrk="0" hangingPunct="1">
-              <a:lnSpc>
-                <a:spcPct val="100000"/>
-              </a:lnSpc>
-              <a:spcBef>
-                <a:spcPts val="0"/>
-              </a:spcBef>
-              <a:spcAft>
-                <a:spcPts val="600"/>
-              </a:spcAft>
-              <a:buClr>
-                <a:schemeClr val="accent1"/>
-              </a:buClr>
-              <a:buFont typeface="Wingdings" panose="05000000000000000000" pitchFamily="2" charset="2"/>
-              <a:buChar char="§"/>
-              <a:defRPr sz="1800" kern="1200" baseline="0">
-                <a:solidFill>
-                  <a:schemeClr val="tx1"/>
-                </a:solidFill>
-                <a:latin typeface="+mn-lt"/>
-                <a:ea typeface="+mn-ea"/>
-                <a:cs typeface="+mn-cs"/>
-              </a:defRPr>
-            </a:lvl2pPr>
-            <a:lvl3pPr marL="361950" indent="-184150" algn="l" defTabSz="914400" rtl="0" eaLnBrk="1" latinLnBrk="0" hangingPunct="1">
-              <a:lnSpc>
-                <a:spcPct val="100000"/>
-              </a:lnSpc>
-              <a:spcBef>
-                <a:spcPts val="0"/>
-              </a:spcBef>
-              <a:spcAft>
-                <a:spcPts val="600"/>
-              </a:spcAft>
-              <a:buClr>
-                <a:schemeClr val="accent2"/>
-              </a:buClr>
-              <a:buFont typeface="Arial" panose="020B0604020202020204" pitchFamily="34" charset="0"/>
-              <a:buChar char="•"/>
-              <a:defRPr sz="1600" kern="1200" baseline="0">
-                <a:solidFill>
-                  <a:schemeClr val="tx1"/>
-                </a:solidFill>
-                <a:latin typeface="+mn-lt"/>
-                <a:ea typeface="+mn-ea"/>
-                <a:cs typeface="+mn-cs"/>
-              </a:defRPr>
-            </a:lvl3pPr>
-            <a:lvl4pPr marL="539750" indent="-177800" algn="l" defTabSz="914400" rtl="0" eaLnBrk="1" latinLnBrk="0" hangingPunct="1">
-              <a:lnSpc>
-                <a:spcPct val="100000"/>
-              </a:lnSpc>
-              <a:spcBef>
-                <a:spcPts val="0"/>
-              </a:spcBef>
-              <a:spcAft>
-                <a:spcPts val="600"/>
-              </a:spcAft>
-              <a:buClr>
-                <a:schemeClr val="tx1"/>
-              </a:buClr>
-              <a:buFont typeface="Ubuntu" panose="020B0504030602030204" pitchFamily="34" charset="0"/>
-              <a:buChar char="–"/>
-              <a:defRPr sz="1400" kern="1200" baseline="0">
-                <a:solidFill>
-                  <a:schemeClr val="tx1"/>
-                </a:solidFill>
-                <a:latin typeface="+mn-lt"/>
-                <a:ea typeface="+mn-ea"/>
-                <a:cs typeface="+mn-cs"/>
-              </a:defRPr>
-            </a:lvl4pPr>
-            <a:lvl5pPr marL="717550" indent="-177800" algn="l" defTabSz="914400" rtl="0" eaLnBrk="1" latinLnBrk="0" hangingPunct="1">
-              <a:lnSpc>
-                <a:spcPct val="100000"/>
-              </a:lnSpc>
-              <a:spcBef>
-                <a:spcPts val="0"/>
-              </a:spcBef>
-              <a:spcAft>
-                <a:spcPts val="600"/>
-              </a:spcAft>
-              <a:buClr>
-                <a:schemeClr val="accent3"/>
-              </a:buClr>
-              <a:buFont typeface="Arial" panose="020B0604020202020204" pitchFamily="34" charset="0"/>
-              <a:buChar char="•"/>
-              <a:defRPr sz="1400" kern="1200" baseline="0">
-                <a:solidFill>
-                  <a:schemeClr val="tx1"/>
-                </a:solidFill>
-                <a:latin typeface="+mn-lt"/>
-                <a:ea typeface="+mn-ea"/>
-                <a:cs typeface="+mn-cs"/>
-              </a:defRPr>
-            </a:lvl5pPr>
-            <a:lvl6pPr marL="2514600" indent="-228600" algn="l" defTabSz="914400" rtl="0" eaLnBrk="1" latinLnBrk="0" hangingPunct="1">
-              <a:lnSpc>
-                <a:spcPct val="90000"/>
-              </a:lnSpc>
-              <a:spcBef>
-                <a:spcPts val="500"/>
-              </a:spcBef>
-              <a:buFont typeface="Arial" panose="020B0604020202020204" pitchFamily="34" charset="0"/>
-              <a:buChar char="•"/>
-              <a:defRPr sz="1800" kern="1200">
-                <a:solidFill>
-                  <a:schemeClr val="tx1"/>
-                </a:solidFill>
-                <a:latin typeface="+mn-lt"/>
-                <a:ea typeface="+mn-ea"/>
-                <a:cs typeface="+mn-cs"/>
-              </a:defRPr>
-            </a:lvl6pPr>
-            <a:lvl7pPr marL="2971800" indent="-228600" algn="l" defTabSz="914400" rtl="0" eaLnBrk="1" latinLnBrk="0" hangingPunct="1">
-              <a:lnSpc>
-                <a:spcPct val="90000"/>
-              </a:lnSpc>
-              <a:spcBef>
-                <a:spcPts val="500"/>
-              </a:spcBef>
-              <a:buFont typeface="Arial" panose="020B0604020202020204" pitchFamily="34" charset="0"/>
-              <a:buChar char="•"/>
-              <a:defRPr sz="1800" kern="1200">
-                <a:solidFill>
-                  <a:schemeClr val="tx1"/>
-                </a:solidFill>
-                <a:latin typeface="+mn-lt"/>
-                <a:ea typeface="+mn-ea"/>
-                <a:cs typeface="+mn-cs"/>
-              </a:defRPr>
-            </a:lvl7pPr>
-            <a:lvl8pPr marL="3429000" indent="-228600" algn="l" defTabSz="914400" rtl="0" eaLnBrk="1" latinLnBrk="0" hangingPunct="1">
-              <a:lnSpc>
-                <a:spcPct val="90000"/>
-              </a:lnSpc>
-              <a:spcBef>
-                <a:spcPts val="500"/>
-              </a:spcBef>
-              <a:buFont typeface="Arial" panose="020B0604020202020204" pitchFamily="34" charset="0"/>
-              <a:buChar char="•"/>
-              <a:defRPr sz="1800" kern="1200">
-                <a:solidFill>
-                  <a:schemeClr val="tx1"/>
-                </a:solidFill>
-                <a:latin typeface="+mn-lt"/>
-                <a:ea typeface="+mn-ea"/>
-                <a:cs typeface="+mn-cs"/>
-              </a:defRPr>
-            </a:lvl8pPr>
-            <a:lvl9pPr marL="3886200" indent="-228600" algn="l" defTabSz="914400" rtl="0" eaLnBrk="1" latinLnBrk="0" hangingPunct="1">
-              <a:lnSpc>
-                <a:spcPct val="90000"/>
-              </a:lnSpc>
-              <a:spcBef>
-                <a:spcPts val="500"/>
-              </a:spcBef>
-              <a:buFont typeface="Arial" panose="020B0604020202020204" pitchFamily="34" charset="0"/>
-              <a:buChar char="•"/>
-              <a:defRPr sz="1800" kern="1200">
-                <a:solidFill>
-                  <a:schemeClr val="tx1"/>
-                </a:solidFill>
-                <a:latin typeface="+mn-lt"/>
-                <a:ea typeface="+mn-ea"/>
-                <a:cs typeface="+mn-cs"/>
-              </a:defRPr>
-            </a:lvl9pPr>
-          </a:lstStyle>
-          <a:p>
-            <a:r>
-              <a:rPr lang="en-GB" sz="1800">
-                <a:solidFill>
-                  <a:schemeClr val="bg1"/>
-                </a:solidFill>
-              </a:rPr>
-              <a:t>7ª </a:t>
-            </a:r>
-            <a:r>
-              <a:rPr lang="en-GB" sz="1800" err="1">
-                <a:solidFill>
-                  <a:schemeClr val="bg1"/>
-                </a:solidFill>
-              </a:rPr>
-              <a:t>Fase</a:t>
-            </a:r>
-            <a:endParaRPr lang="en-GB" sz="1800">
-              <a:solidFill>
-                <a:schemeClr val="bg1"/>
-              </a:solidFill>
-            </a:endParaRPr>
-          </a:p>
-          <a:p>
-            <a:endParaRPr lang="en-GB" sz="1800">
-              <a:solidFill>
-                <a:schemeClr val="bg1"/>
-              </a:solidFill>
-            </a:endParaRPr>
-          </a:p>
-        </p:txBody>
-      </p:sp>
-      <p:sp>
-        <p:nvSpPr>
-          <p:cNvPr id="21" name="Text Placeholder 4">
-            <a:extLst>
-              <a:ext uri="{FF2B5EF4-FFF2-40B4-BE49-F238E27FC236}">
-                <a16:creationId xmlns:a16="http://schemas.microsoft.com/office/drawing/2014/main" id="{E8DD302A-0129-1DCC-A013-F7336AFE59EC}"/>
-              </a:ext>
-            </a:extLst>
-          </p:cNvPr>
-          <p:cNvSpPr txBox="1">
-            <a:spLocks/>
-          </p:cNvSpPr>
-          <p:nvPr/>
-        </p:nvSpPr>
-        <p:spPr>
-          <a:xfrm>
-            <a:off x="5953436" y="2263697"/>
-            <a:ext cx="2719376" cy="4076234"/>
-          </a:xfrm>
-          <a:prstGeom prst="rect">
-            <a:avLst/>
-          </a:prstGeom>
-        </p:spPr>
-        <p:txBody>
-          <a:bodyPr vert="horz" lIns="0" tIns="0" rIns="0" bIns="0" rtlCol="0">
-            <a:noAutofit/>
-          </a:bodyPr>
-          <a:lstStyle>
-            <a:lvl1pPr marL="0" indent="0" algn="l" defTabSz="914400" rtl="0" eaLnBrk="1" latinLnBrk="0" hangingPunct="1">
-              <a:lnSpc>
-                <a:spcPct val="100000"/>
-              </a:lnSpc>
-              <a:spcBef>
-                <a:spcPts val="0"/>
-              </a:spcBef>
-              <a:spcAft>
-                <a:spcPts val="600"/>
-              </a:spcAft>
-              <a:buFont typeface="Arial" panose="020B0604020202020204" pitchFamily="34" charset="0"/>
-              <a:buNone/>
-              <a:defRPr sz="2000" kern="1200" baseline="0">
-                <a:solidFill>
-                  <a:schemeClr val="bg1"/>
-                </a:solidFill>
-                <a:latin typeface="+mn-lt"/>
-                <a:ea typeface="+mn-ea"/>
-                <a:cs typeface="+mn-cs"/>
-              </a:defRPr>
-            </a:lvl1pPr>
-            <a:lvl2pPr marL="177800" indent="-177800" algn="l" defTabSz="914400" rtl="0" eaLnBrk="1" latinLnBrk="0" hangingPunct="1">
-              <a:lnSpc>
-                <a:spcPct val="100000"/>
-              </a:lnSpc>
-              <a:spcBef>
-                <a:spcPts val="0"/>
-              </a:spcBef>
-              <a:spcAft>
-                <a:spcPts val="600"/>
-              </a:spcAft>
-              <a:buClr>
-                <a:schemeClr val="accent1"/>
-              </a:buClr>
-              <a:buFont typeface="Wingdings" panose="05000000000000000000" pitchFamily="2" charset="2"/>
-              <a:buChar char="§"/>
-              <a:defRPr sz="1800" kern="1200" baseline="0">
-                <a:solidFill>
-                  <a:schemeClr val="bg1"/>
-                </a:solidFill>
-                <a:latin typeface="+mn-lt"/>
-                <a:ea typeface="+mn-ea"/>
-                <a:cs typeface="+mn-cs"/>
-              </a:defRPr>
-            </a:lvl2pPr>
-            <a:lvl3pPr marL="361950" indent="-184150" algn="l" defTabSz="914400" rtl="0" eaLnBrk="1" latinLnBrk="0" hangingPunct="1">
-              <a:lnSpc>
-                <a:spcPct val="100000"/>
-              </a:lnSpc>
-              <a:spcBef>
-                <a:spcPts val="0"/>
-              </a:spcBef>
-              <a:spcAft>
-                <a:spcPts val="600"/>
-              </a:spcAft>
-              <a:buClr>
-                <a:schemeClr val="accent2"/>
-              </a:buClr>
-              <a:buFont typeface="Arial" panose="020B0604020202020204" pitchFamily="34" charset="0"/>
-              <a:buChar char="•"/>
-              <a:defRPr sz="1600" kern="1200" baseline="0">
-                <a:solidFill>
-                  <a:schemeClr val="bg1"/>
-                </a:solidFill>
-                <a:latin typeface="+mn-lt"/>
-                <a:ea typeface="+mn-ea"/>
-                <a:cs typeface="+mn-cs"/>
-              </a:defRPr>
-            </a:lvl3pPr>
-            <a:lvl4pPr marL="539750" indent="-177800" algn="l" defTabSz="914400" rtl="0" eaLnBrk="1" latinLnBrk="0" hangingPunct="1">
-              <a:lnSpc>
-                <a:spcPct val="100000"/>
-              </a:lnSpc>
-              <a:spcBef>
-                <a:spcPts val="0"/>
-              </a:spcBef>
-              <a:spcAft>
-                <a:spcPts val="600"/>
-              </a:spcAft>
-              <a:buClr>
-                <a:schemeClr val="accent5"/>
-              </a:buClr>
-              <a:buFont typeface="Ubuntu" panose="020B0504030602030204" pitchFamily="34" charset="0"/>
-              <a:buChar char="–"/>
-              <a:defRPr sz="1400" kern="1200" baseline="0">
-                <a:solidFill>
-                  <a:schemeClr val="bg1"/>
-                </a:solidFill>
-                <a:latin typeface="+mn-lt"/>
-                <a:ea typeface="+mn-ea"/>
-                <a:cs typeface="+mn-cs"/>
-              </a:defRPr>
-            </a:lvl4pPr>
-            <a:lvl5pPr marL="717550" indent="-177800" algn="l" defTabSz="914400" rtl="0" eaLnBrk="1" latinLnBrk="0" hangingPunct="1">
-              <a:lnSpc>
-                <a:spcPct val="100000"/>
-              </a:lnSpc>
-              <a:spcBef>
-                <a:spcPts val="0"/>
-              </a:spcBef>
-              <a:spcAft>
-                <a:spcPts val="600"/>
-              </a:spcAft>
-              <a:buClr>
-                <a:schemeClr val="bg1"/>
-              </a:buClr>
-              <a:buFont typeface="Arial" panose="020B0604020202020204" pitchFamily="34" charset="0"/>
-              <a:buChar char="•"/>
-              <a:defRPr sz="1400" kern="1200" baseline="0">
-                <a:solidFill>
-                  <a:schemeClr val="bg1"/>
-                </a:solidFill>
-                <a:latin typeface="+mn-lt"/>
-                <a:ea typeface="+mn-ea"/>
-                <a:cs typeface="+mn-cs"/>
-              </a:defRPr>
-            </a:lvl5pPr>
-            <a:lvl6pPr marL="2514600" indent="-228600" algn="l" defTabSz="914400" rtl="0" eaLnBrk="1" latinLnBrk="0" hangingPunct="1">
-              <a:lnSpc>
-                <a:spcPct val="90000"/>
-              </a:lnSpc>
-              <a:spcBef>
-                <a:spcPts val="500"/>
-              </a:spcBef>
-              <a:buFont typeface="Arial" panose="020B0604020202020204" pitchFamily="34" charset="0"/>
-              <a:buChar char="•"/>
-              <a:defRPr sz="1800" kern="1200">
-                <a:solidFill>
-                  <a:schemeClr val="tx1"/>
-                </a:solidFill>
-                <a:latin typeface="+mn-lt"/>
-                <a:ea typeface="+mn-ea"/>
-                <a:cs typeface="+mn-cs"/>
-              </a:defRPr>
-            </a:lvl6pPr>
-            <a:lvl7pPr marL="2971800" indent="-228600" algn="l" defTabSz="914400" rtl="0" eaLnBrk="1" latinLnBrk="0" hangingPunct="1">
-              <a:lnSpc>
-                <a:spcPct val="90000"/>
-              </a:lnSpc>
-              <a:spcBef>
-                <a:spcPts val="500"/>
-              </a:spcBef>
-              <a:buFont typeface="Arial" panose="020B0604020202020204" pitchFamily="34" charset="0"/>
-              <a:buChar char="•"/>
-              <a:defRPr sz="1800" kern="1200">
-                <a:solidFill>
-                  <a:schemeClr val="tx1"/>
-                </a:solidFill>
-                <a:latin typeface="+mn-lt"/>
-                <a:ea typeface="+mn-ea"/>
-                <a:cs typeface="+mn-cs"/>
-              </a:defRPr>
-            </a:lvl7pPr>
-            <a:lvl8pPr marL="3429000" indent="-228600" algn="l" defTabSz="914400" rtl="0" eaLnBrk="1" latinLnBrk="0" hangingPunct="1">
-              <a:lnSpc>
-                <a:spcPct val="90000"/>
-              </a:lnSpc>
-              <a:spcBef>
-                <a:spcPts val="500"/>
-              </a:spcBef>
-              <a:buFont typeface="Arial" panose="020B0604020202020204" pitchFamily="34" charset="0"/>
-              <a:buChar char="•"/>
-              <a:defRPr sz="1800" kern="1200">
-                <a:solidFill>
-                  <a:schemeClr val="tx1"/>
-                </a:solidFill>
-                <a:latin typeface="+mn-lt"/>
-                <a:ea typeface="+mn-ea"/>
-                <a:cs typeface="+mn-cs"/>
-              </a:defRPr>
-            </a:lvl8pPr>
-            <a:lvl9pPr marL="3886200" indent="-228600" algn="l" defTabSz="914400" rtl="0" eaLnBrk="1" latinLnBrk="0" hangingPunct="1">
-              <a:lnSpc>
-                <a:spcPct val="90000"/>
-              </a:lnSpc>
-              <a:spcBef>
-                <a:spcPts val="500"/>
-              </a:spcBef>
-              <a:buFont typeface="Arial" panose="020B0604020202020204" pitchFamily="34" charset="0"/>
-              <a:buChar char="•"/>
-              <a:defRPr sz="1800" kern="1200">
-                <a:solidFill>
-                  <a:schemeClr val="tx1"/>
-                </a:solidFill>
-                <a:latin typeface="+mn-lt"/>
-                <a:ea typeface="+mn-ea"/>
-                <a:cs typeface="+mn-cs"/>
-              </a:defRPr>
-            </a:lvl9pPr>
-          </a:lstStyle>
-          <a:p>
-            <a:pPr lvl="3"/>
-            <a:r>
-              <a:rPr lang="en-GB" dirty="0" err="1"/>
-              <a:t>Implementar</a:t>
-            </a:r>
-            <a:r>
-              <a:rPr lang="en-GB" dirty="0"/>
-              <a:t> CSRF protection para </a:t>
-            </a:r>
-            <a:r>
-              <a:rPr lang="en-GB" dirty="0" err="1"/>
-              <a:t>todos</a:t>
-            </a:r>
-            <a:r>
-              <a:rPr lang="en-GB" dirty="0"/>
-              <a:t> </a:t>
-            </a:r>
-            <a:r>
-              <a:rPr lang="en-GB" dirty="0" err="1"/>
-              <a:t>os</a:t>
-            </a:r>
-            <a:r>
-              <a:rPr lang="en-GB" dirty="0"/>
-              <a:t> POST requests;</a:t>
-            </a:r>
-          </a:p>
-          <a:p>
-            <a:pPr lvl="3"/>
-            <a:r>
-              <a:rPr lang="en-GB" dirty="0" err="1"/>
-              <a:t>Criar</a:t>
-            </a:r>
-            <a:r>
-              <a:rPr lang="en-GB" dirty="0"/>
-              <a:t> Shopping Cart;</a:t>
-            </a:r>
-          </a:p>
-        </p:txBody>
-      </p:sp>
-      <p:sp>
-        <p:nvSpPr>
-          <p:cNvPr id="22" name="Text Placeholder 5">
-            <a:extLst>
-              <a:ext uri="{FF2B5EF4-FFF2-40B4-BE49-F238E27FC236}">
-                <a16:creationId xmlns:a16="http://schemas.microsoft.com/office/drawing/2014/main" id="{DDA2C911-45B6-5651-9B8D-6720422F66C6}"/>
-              </a:ext>
-            </a:extLst>
-          </p:cNvPr>
-          <p:cNvSpPr txBox="1">
-            <a:spLocks/>
-          </p:cNvSpPr>
-          <p:nvPr/>
-        </p:nvSpPr>
-        <p:spPr>
-          <a:xfrm>
-            <a:off x="9220202" y="1295400"/>
-            <a:ext cx="2719385" cy="716711"/>
-          </a:xfrm>
-          <a:prstGeom prst="rect">
-            <a:avLst/>
-          </a:prstGeom>
-          <a:solidFill>
-            <a:srgbClr val="12ABDC"/>
-          </a:solidFill>
-        </p:spPr>
-        <p:txBody>
-          <a:bodyPr/>
-          <a:lstStyle>
-            <a:lvl1pPr marL="0" indent="0" algn="l" defTabSz="914400" rtl="0" eaLnBrk="1" latinLnBrk="0" hangingPunct="1">
-              <a:lnSpc>
-                <a:spcPct val="100000"/>
-              </a:lnSpc>
-              <a:spcBef>
-                <a:spcPts val="0"/>
-              </a:spcBef>
-              <a:spcAft>
-                <a:spcPts val="600"/>
-              </a:spcAft>
-              <a:buFont typeface="Arial" panose="020B0604020202020204" pitchFamily="34" charset="0"/>
-              <a:buNone/>
-              <a:defRPr sz="2000" kern="1200" baseline="0">
-                <a:solidFill>
-                  <a:schemeClr val="tx1"/>
-                </a:solidFill>
-                <a:latin typeface="+mn-lt"/>
-                <a:ea typeface="+mn-ea"/>
-                <a:cs typeface="+mn-cs"/>
-              </a:defRPr>
-            </a:lvl1pPr>
-            <a:lvl2pPr marL="177800" indent="-177800" algn="l" defTabSz="914400" rtl="0" eaLnBrk="1" latinLnBrk="0" hangingPunct="1">
-              <a:lnSpc>
-                <a:spcPct val="100000"/>
-              </a:lnSpc>
-              <a:spcBef>
-                <a:spcPts val="0"/>
-              </a:spcBef>
-              <a:spcAft>
-                <a:spcPts val="600"/>
-              </a:spcAft>
-              <a:buClr>
-                <a:schemeClr val="accent1"/>
-              </a:buClr>
-              <a:buFont typeface="Wingdings" panose="05000000000000000000" pitchFamily="2" charset="2"/>
-              <a:buChar char="§"/>
-              <a:defRPr sz="1800" kern="1200" baseline="0">
-                <a:solidFill>
-                  <a:schemeClr val="tx1"/>
-                </a:solidFill>
-                <a:latin typeface="+mn-lt"/>
-                <a:ea typeface="+mn-ea"/>
-                <a:cs typeface="+mn-cs"/>
-              </a:defRPr>
-            </a:lvl2pPr>
-            <a:lvl3pPr marL="361950" indent="-184150" algn="l" defTabSz="914400" rtl="0" eaLnBrk="1" latinLnBrk="0" hangingPunct="1">
-              <a:lnSpc>
-                <a:spcPct val="100000"/>
-              </a:lnSpc>
-              <a:spcBef>
-                <a:spcPts val="0"/>
-              </a:spcBef>
-              <a:spcAft>
-                <a:spcPts val="600"/>
-              </a:spcAft>
-              <a:buClr>
-                <a:schemeClr val="accent2"/>
-              </a:buClr>
-              <a:buFont typeface="Arial" panose="020B0604020202020204" pitchFamily="34" charset="0"/>
-              <a:buChar char="•"/>
-              <a:defRPr sz="1600" kern="1200" baseline="0">
-                <a:solidFill>
-                  <a:schemeClr val="tx1"/>
-                </a:solidFill>
-                <a:latin typeface="+mn-lt"/>
-                <a:ea typeface="+mn-ea"/>
-                <a:cs typeface="+mn-cs"/>
-              </a:defRPr>
-            </a:lvl3pPr>
-            <a:lvl4pPr marL="539750" indent="-177800" algn="l" defTabSz="914400" rtl="0" eaLnBrk="1" latinLnBrk="0" hangingPunct="1">
-              <a:lnSpc>
-                <a:spcPct val="100000"/>
-              </a:lnSpc>
-              <a:spcBef>
-                <a:spcPts val="0"/>
-              </a:spcBef>
-              <a:spcAft>
-                <a:spcPts val="600"/>
-              </a:spcAft>
-              <a:buClr>
-                <a:schemeClr val="tx1"/>
-              </a:buClr>
-              <a:buFont typeface="Ubuntu" panose="020B0504030602030204" pitchFamily="34" charset="0"/>
-              <a:buChar char="–"/>
-              <a:defRPr sz="1400" kern="1200" baseline="0">
-                <a:solidFill>
-                  <a:schemeClr val="tx1"/>
-                </a:solidFill>
-                <a:latin typeface="+mn-lt"/>
-                <a:ea typeface="+mn-ea"/>
-                <a:cs typeface="+mn-cs"/>
-              </a:defRPr>
-            </a:lvl4pPr>
-            <a:lvl5pPr marL="717550" indent="-177800" algn="l" defTabSz="914400" rtl="0" eaLnBrk="1" latinLnBrk="0" hangingPunct="1">
-              <a:lnSpc>
-                <a:spcPct val="100000"/>
-              </a:lnSpc>
-              <a:spcBef>
-                <a:spcPts val="0"/>
-              </a:spcBef>
-              <a:spcAft>
-                <a:spcPts val="600"/>
-              </a:spcAft>
-              <a:buClr>
-                <a:schemeClr val="accent3"/>
-              </a:buClr>
-              <a:buFont typeface="Arial" panose="020B0604020202020204" pitchFamily="34" charset="0"/>
-              <a:buChar char="•"/>
-              <a:defRPr sz="1400" kern="1200" baseline="0">
-                <a:solidFill>
-                  <a:schemeClr val="tx1"/>
-                </a:solidFill>
-                <a:latin typeface="+mn-lt"/>
-                <a:ea typeface="+mn-ea"/>
-                <a:cs typeface="+mn-cs"/>
-              </a:defRPr>
-            </a:lvl5pPr>
-            <a:lvl6pPr marL="2514600" indent="-228600" algn="l" defTabSz="914400" rtl="0" eaLnBrk="1" latinLnBrk="0" hangingPunct="1">
-              <a:lnSpc>
-                <a:spcPct val="90000"/>
-              </a:lnSpc>
-              <a:spcBef>
-                <a:spcPts val="500"/>
-              </a:spcBef>
-              <a:buFont typeface="Arial" panose="020B0604020202020204" pitchFamily="34" charset="0"/>
-              <a:buChar char="•"/>
-              <a:defRPr sz="1800" kern="1200">
-                <a:solidFill>
-                  <a:schemeClr val="tx1"/>
-                </a:solidFill>
-                <a:latin typeface="+mn-lt"/>
-                <a:ea typeface="+mn-ea"/>
-                <a:cs typeface="+mn-cs"/>
-              </a:defRPr>
-            </a:lvl6pPr>
-            <a:lvl7pPr marL="2971800" indent="-228600" algn="l" defTabSz="914400" rtl="0" eaLnBrk="1" latinLnBrk="0" hangingPunct="1">
-              <a:lnSpc>
-                <a:spcPct val="90000"/>
-              </a:lnSpc>
-              <a:spcBef>
-                <a:spcPts val="500"/>
-              </a:spcBef>
-              <a:buFont typeface="Arial" panose="020B0604020202020204" pitchFamily="34" charset="0"/>
-              <a:buChar char="•"/>
-              <a:defRPr sz="1800" kern="1200">
-                <a:solidFill>
-                  <a:schemeClr val="tx1"/>
-                </a:solidFill>
-                <a:latin typeface="+mn-lt"/>
-                <a:ea typeface="+mn-ea"/>
-                <a:cs typeface="+mn-cs"/>
-              </a:defRPr>
-            </a:lvl7pPr>
-            <a:lvl8pPr marL="3429000" indent="-228600" algn="l" defTabSz="914400" rtl="0" eaLnBrk="1" latinLnBrk="0" hangingPunct="1">
-              <a:lnSpc>
-                <a:spcPct val="90000"/>
-              </a:lnSpc>
-              <a:spcBef>
-                <a:spcPts val="500"/>
-              </a:spcBef>
-              <a:buFont typeface="Arial" panose="020B0604020202020204" pitchFamily="34" charset="0"/>
-              <a:buChar char="•"/>
-              <a:defRPr sz="1800" kern="1200">
-                <a:solidFill>
-                  <a:schemeClr val="tx1"/>
-                </a:solidFill>
-                <a:latin typeface="+mn-lt"/>
-                <a:ea typeface="+mn-ea"/>
-                <a:cs typeface="+mn-cs"/>
-              </a:defRPr>
-            </a:lvl8pPr>
-            <a:lvl9pPr marL="3886200" indent="-228600" algn="l" defTabSz="914400" rtl="0" eaLnBrk="1" latinLnBrk="0" hangingPunct="1">
-              <a:lnSpc>
-                <a:spcPct val="90000"/>
-              </a:lnSpc>
-              <a:spcBef>
-                <a:spcPts val="500"/>
-              </a:spcBef>
-              <a:buFont typeface="Arial" panose="020B0604020202020204" pitchFamily="34" charset="0"/>
-              <a:buChar char="•"/>
-              <a:defRPr sz="1800" kern="1200">
-                <a:solidFill>
-                  <a:schemeClr val="tx1"/>
-                </a:solidFill>
-                <a:latin typeface="+mn-lt"/>
-                <a:ea typeface="+mn-ea"/>
-                <a:cs typeface="+mn-cs"/>
-              </a:defRPr>
-            </a:lvl9pPr>
-          </a:lstStyle>
-          <a:p>
-            <a:r>
-              <a:rPr lang="en-GB" sz="1800">
-                <a:solidFill>
-                  <a:schemeClr val="bg1"/>
-                </a:solidFill>
-              </a:rPr>
-              <a:t>8ª </a:t>
-            </a:r>
-            <a:r>
-              <a:rPr lang="en-GB" sz="1800" err="1">
-                <a:solidFill>
-                  <a:schemeClr val="bg1"/>
-                </a:solidFill>
-              </a:rPr>
-              <a:t>Fase</a:t>
-            </a:r>
-            <a:endParaRPr lang="en-GB" sz="1800">
-              <a:solidFill>
-                <a:schemeClr val="bg1"/>
-              </a:solidFill>
-            </a:endParaRPr>
-          </a:p>
-          <a:p>
-            <a:endParaRPr lang="en-GB" sz="1800">
-              <a:solidFill>
-                <a:schemeClr val="bg1"/>
-              </a:solidFill>
-            </a:endParaRPr>
-          </a:p>
-        </p:txBody>
-      </p:sp>
-      <p:sp>
-        <p:nvSpPr>
-          <p:cNvPr id="23" name="Text Placeholder 4">
-            <a:extLst>
-              <a:ext uri="{FF2B5EF4-FFF2-40B4-BE49-F238E27FC236}">
-                <a16:creationId xmlns:a16="http://schemas.microsoft.com/office/drawing/2014/main" id="{6EB90B42-E0E7-E636-A711-137FF00BF5C7}"/>
-              </a:ext>
-            </a:extLst>
-          </p:cNvPr>
-          <p:cNvSpPr txBox="1">
-            <a:spLocks/>
-          </p:cNvSpPr>
-          <p:nvPr/>
-        </p:nvSpPr>
-        <p:spPr>
-          <a:xfrm>
-            <a:off x="8925238" y="2263697"/>
-            <a:ext cx="2719376" cy="4076234"/>
-          </a:xfrm>
-          <a:prstGeom prst="rect">
-            <a:avLst/>
-          </a:prstGeom>
-        </p:spPr>
-        <p:txBody>
-          <a:bodyPr vert="horz" lIns="0" tIns="0" rIns="0" bIns="0" rtlCol="0">
-            <a:noAutofit/>
-          </a:bodyPr>
-          <a:lstStyle>
-            <a:lvl1pPr marL="0" indent="0" algn="l" defTabSz="914400" rtl="0" eaLnBrk="1" latinLnBrk="0" hangingPunct="1">
-              <a:lnSpc>
-                <a:spcPct val="100000"/>
-              </a:lnSpc>
-              <a:spcBef>
-                <a:spcPts val="0"/>
-              </a:spcBef>
-              <a:spcAft>
-                <a:spcPts val="600"/>
-              </a:spcAft>
-              <a:buFont typeface="Arial" panose="020B0604020202020204" pitchFamily="34" charset="0"/>
-              <a:buNone/>
-              <a:defRPr sz="2000" kern="1200" baseline="0">
-                <a:solidFill>
-                  <a:schemeClr val="bg1"/>
-                </a:solidFill>
-                <a:latin typeface="+mn-lt"/>
-                <a:ea typeface="+mn-ea"/>
-                <a:cs typeface="+mn-cs"/>
-              </a:defRPr>
-            </a:lvl1pPr>
-            <a:lvl2pPr marL="177800" indent="-177800" algn="l" defTabSz="914400" rtl="0" eaLnBrk="1" latinLnBrk="0" hangingPunct="1">
-              <a:lnSpc>
-                <a:spcPct val="100000"/>
-              </a:lnSpc>
-              <a:spcBef>
-                <a:spcPts val="0"/>
-              </a:spcBef>
-              <a:spcAft>
-                <a:spcPts val="600"/>
-              </a:spcAft>
-              <a:buClr>
-                <a:schemeClr val="accent1"/>
-              </a:buClr>
-              <a:buFont typeface="Wingdings" panose="05000000000000000000" pitchFamily="2" charset="2"/>
-              <a:buChar char="§"/>
-              <a:defRPr sz="1800" kern="1200" baseline="0">
-                <a:solidFill>
-                  <a:schemeClr val="bg1"/>
-                </a:solidFill>
-                <a:latin typeface="+mn-lt"/>
-                <a:ea typeface="+mn-ea"/>
-                <a:cs typeface="+mn-cs"/>
-              </a:defRPr>
-            </a:lvl2pPr>
-            <a:lvl3pPr marL="361950" indent="-184150" algn="l" defTabSz="914400" rtl="0" eaLnBrk="1" latinLnBrk="0" hangingPunct="1">
-              <a:lnSpc>
-                <a:spcPct val="100000"/>
-              </a:lnSpc>
-              <a:spcBef>
-                <a:spcPts val="0"/>
-              </a:spcBef>
-              <a:spcAft>
-                <a:spcPts val="600"/>
-              </a:spcAft>
-              <a:buClr>
-                <a:schemeClr val="accent2"/>
-              </a:buClr>
-              <a:buFont typeface="Arial" panose="020B0604020202020204" pitchFamily="34" charset="0"/>
-              <a:buChar char="•"/>
-              <a:defRPr sz="1600" kern="1200" baseline="0">
-                <a:solidFill>
-                  <a:schemeClr val="bg1"/>
-                </a:solidFill>
-                <a:latin typeface="+mn-lt"/>
-                <a:ea typeface="+mn-ea"/>
-                <a:cs typeface="+mn-cs"/>
-              </a:defRPr>
-            </a:lvl3pPr>
-            <a:lvl4pPr marL="539750" indent="-177800" algn="l" defTabSz="914400" rtl="0" eaLnBrk="1" latinLnBrk="0" hangingPunct="1">
-              <a:lnSpc>
-                <a:spcPct val="100000"/>
-              </a:lnSpc>
-              <a:spcBef>
-                <a:spcPts val="0"/>
-              </a:spcBef>
-              <a:spcAft>
-                <a:spcPts val="600"/>
-              </a:spcAft>
-              <a:buClr>
-                <a:schemeClr val="accent5"/>
-              </a:buClr>
-              <a:buFont typeface="Ubuntu" panose="020B0504030602030204" pitchFamily="34" charset="0"/>
-              <a:buChar char="–"/>
-              <a:defRPr sz="1400" kern="1200" baseline="0">
-                <a:solidFill>
-                  <a:schemeClr val="bg1"/>
-                </a:solidFill>
-                <a:latin typeface="+mn-lt"/>
-                <a:ea typeface="+mn-ea"/>
-                <a:cs typeface="+mn-cs"/>
-              </a:defRPr>
-            </a:lvl4pPr>
-            <a:lvl5pPr marL="717550" indent="-177800" algn="l" defTabSz="914400" rtl="0" eaLnBrk="1" latinLnBrk="0" hangingPunct="1">
-              <a:lnSpc>
-                <a:spcPct val="100000"/>
-              </a:lnSpc>
-              <a:spcBef>
-                <a:spcPts val="0"/>
-              </a:spcBef>
-              <a:spcAft>
-                <a:spcPts val="600"/>
-              </a:spcAft>
-              <a:buClr>
-                <a:schemeClr val="bg1"/>
-              </a:buClr>
-              <a:buFont typeface="Arial" panose="020B0604020202020204" pitchFamily="34" charset="0"/>
-              <a:buChar char="•"/>
-              <a:defRPr sz="1400" kern="1200" baseline="0">
-                <a:solidFill>
-                  <a:schemeClr val="bg1"/>
-                </a:solidFill>
-                <a:latin typeface="+mn-lt"/>
-                <a:ea typeface="+mn-ea"/>
-                <a:cs typeface="+mn-cs"/>
-              </a:defRPr>
-            </a:lvl5pPr>
-            <a:lvl6pPr marL="2514600" indent="-228600" algn="l" defTabSz="914400" rtl="0" eaLnBrk="1" latinLnBrk="0" hangingPunct="1">
-              <a:lnSpc>
-                <a:spcPct val="90000"/>
-              </a:lnSpc>
-              <a:spcBef>
-                <a:spcPts val="500"/>
-              </a:spcBef>
-              <a:buFont typeface="Arial" panose="020B0604020202020204" pitchFamily="34" charset="0"/>
-              <a:buChar char="•"/>
-              <a:defRPr sz="1800" kern="1200">
-                <a:solidFill>
-                  <a:schemeClr val="tx1"/>
-                </a:solidFill>
-                <a:latin typeface="+mn-lt"/>
-                <a:ea typeface="+mn-ea"/>
-                <a:cs typeface="+mn-cs"/>
-              </a:defRPr>
-            </a:lvl6pPr>
-            <a:lvl7pPr marL="2971800" indent="-228600" algn="l" defTabSz="914400" rtl="0" eaLnBrk="1" latinLnBrk="0" hangingPunct="1">
-              <a:lnSpc>
-                <a:spcPct val="90000"/>
-              </a:lnSpc>
-              <a:spcBef>
-                <a:spcPts val="500"/>
-              </a:spcBef>
-              <a:buFont typeface="Arial" panose="020B0604020202020204" pitchFamily="34" charset="0"/>
-              <a:buChar char="•"/>
-              <a:defRPr sz="1800" kern="1200">
-                <a:solidFill>
-                  <a:schemeClr val="tx1"/>
-                </a:solidFill>
-                <a:latin typeface="+mn-lt"/>
-                <a:ea typeface="+mn-ea"/>
-                <a:cs typeface="+mn-cs"/>
-              </a:defRPr>
-            </a:lvl7pPr>
-            <a:lvl8pPr marL="3429000" indent="-228600" algn="l" defTabSz="914400" rtl="0" eaLnBrk="1" latinLnBrk="0" hangingPunct="1">
-              <a:lnSpc>
-                <a:spcPct val="90000"/>
-              </a:lnSpc>
-              <a:spcBef>
-                <a:spcPts val="500"/>
-              </a:spcBef>
-              <a:buFont typeface="Arial" panose="020B0604020202020204" pitchFamily="34" charset="0"/>
-              <a:buChar char="•"/>
-              <a:defRPr sz="1800" kern="1200">
-                <a:solidFill>
-                  <a:schemeClr val="tx1"/>
-                </a:solidFill>
-                <a:latin typeface="+mn-lt"/>
-                <a:ea typeface="+mn-ea"/>
-                <a:cs typeface="+mn-cs"/>
-              </a:defRPr>
-            </a:lvl8pPr>
-            <a:lvl9pPr marL="3886200" indent="-228600" algn="l" defTabSz="914400" rtl="0" eaLnBrk="1" latinLnBrk="0" hangingPunct="1">
-              <a:lnSpc>
-                <a:spcPct val="90000"/>
-              </a:lnSpc>
-              <a:spcBef>
-                <a:spcPts val="500"/>
-              </a:spcBef>
-              <a:buFont typeface="Arial" panose="020B0604020202020204" pitchFamily="34" charset="0"/>
-              <a:buChar char="•"/>
-              <a:defRPr sz="1800" kern="1200">
-                <a:solidFill>
-                  <a:schemeClr val="tx1"/>
-                </a:solidFill>
-                <a:latin typeface="+mn-lt"/>
-                <a:ea typeface="+mn-ea"/>
-                <a:cs typeface="+mn-cs"/>
-              </a:defRPr>
-            </a:lvl9pPr>
-          </a:lstStyle>
-          <a:p>
-            <a:pPr lvl="3"/>
-            <a:r>
-              <a:rPr lang="en-GB" dirty="0" err="1"/>
-              <a:t>Criar</a:t>
-            </a:r>
-            <a:r>
-              <a:rPr lang="en-GB" dirty="0"/>
-              <a:t> View individual para </a:t>
-            </a:r>
-            <a:r>
-              <a:rPr lang="en-GB" dirty="0" err="1"/>
-              <a:t>efetuar</a:t>
-            </a:r>
-            <a:r>
-              <a:rPr lang="en-GB" dirty="0"/>
-              <a:t> o Checkout.</a:t>
-            </a:r>
-          </a:p>
-          <a:p>
-            <a:pPr lvl="3"/>
-            <a:r>
-              <a:rPr lang="en-GB" dirty="0" err="1"/>
-              <a:t>Criar</a:t>
-            </a:r>
-            <a:r>
-              <a:rPr lang="en-GB" dirty="0"/>
-              <a:t> table Order </a:t>
-            </a:r>
-            <a:r>
-              <a:rPr lang="en-GB" dirty="0" err="1"/>
-              <a:t>na</a:t>
-            </a:r>
-            <a:r>
-              <a:rPr lang="en-GB" dirty="0"/>
-              <a:t> BD;</a:t>
-            </a:r>
-          </a:p>
-          <a:p>
-            <a:pPr lvl="3"/>
-            <a:r>
-              <a:rPr lang="en-GB" dirty="0" err="1"/>
-              <a:t>Adicionar</a:t>
-            </a:r>
-            <a:r>
-              <a:rPr lang="en-GB" dirty="0"/>
-              <a:t> partial </a:t>
-            </a:r>
-            <a:r>
-              <a:rPr lang="en-GB" dirty="0" err="1"/>
-              <a:t>á</a:t>
-            </a:r>
-            <a:r>
-              <a:rPr lang="en-GB" dirty="0"/>
-              <a:t> view do MyAccount com </a:t>
-            </a:r>
-            <a:r>
-              <a:rPr lang="en-GB" dirty="0" err="1"/>
-              <a:t>histórico</a:t>
-            </a:r>
-            <a:r>
-              <a:rPr lang="en-GB" dirty="0"/>
-              <a:t> de Orders do customer </a:t>
-            </a:r>
-            <a:r>
-              <a:rPr lang="en-GB" dirty="0" err="1"/>
-              <a:t>logado</a:t>
-            </a:r>
-            <a:r>
-              <a:rPr lang="en-GB" dirty="0"/>
-              <a:t>.</a:t>
-            </a:r>
-          </a:p>
-        </p:txBody>
-      </p:sp>
-    </p:spTree>
-    <p:extLst>
-      <p:ext uri="{BB962C8B-B14F-4D97-AF65-F5344CB8AC3E}">
-        <p14:creationId xmlns:p14="http://schemas.microsoft.com/office/powerpoint/2010/main" val="1874303682"/>
-      </p:ext>
-    </p:extLst>
-  </p:cSld>
-  <p:clrMapOvr>
-    <a:masterClrMapping/>
-  </p:clrMapOvr>
-</p:sld>
-</file>
-
-<file path=ppt/slides/slide13.xml><?xml version="1.0" encoding="utf-8"?>
-<p:sld xmlns:a="http://schemas.openxmlformats.org/drawingml/2006/main" xmlns:r="http://schemas.openxmlformats.org/officeDocument/2006/relationships" xmlns:p="http://schemas.openxmlformats.org/presentationml/2006/main">
-  <p:cSld>
-    <p:spTree>
-      <p:nvGrpSpPr>
-        <p:cNvPr id="1" name=""/>
-        <p:cNvGrpSpPr/>
-        <p:nvPr/>
-      </p:nvGrpSpPr>
-      <p:grpSpPr>
-        <a:xfrm>
-          <a:off x="0" y="0"/>
-          <a:ext cx="0" cy="0"/>
-          <a:chOff x="0" y="0"/>
-          <a:chExt cx="0" cy="0"/>
-        </a:xfrm>
-      </p:grpSpPr>
-      <p:sp>
-        <p:nvSpPr>
-          <p:cNvPr id="2" name="Title 1">
-            <a:extLst>
-              <a:ext uri="{FF2B5EF4-FFF2-40B4-BE49-F238E27FC236}">
-                <a16:creationId xmlns:a16="http://schemas.microsoft.com/office/drawing/2014/main" id="{26542BB7-2C03-8C3A-BD31-F3C4568C9CA3}"/>
-              </a:ext>
-            </a:extLst>
-          </p:cNvPr>
-          <p:cNvSpPr>
-            <a:spLocks noGrp="1"/>
-          </p:cNvSpPr>
-          <p:nvPr>
-            <p:ph type="title"/>
-          </p:nvPr>
-        </p:nvSpPr>
-        <p:spPr/>
-        <p:txBody>
-          <a:bodyPr/>
-          <a:lstStyle/>
-          <a:p>
-            <a:r>
               <a:rPr lang="en-GB" err="1"/>
               <a:t>implementação</a:t>
             </a:r>
@@ -25875,7 +25520,7 @@
             <a:avLst/>
           </a:prstGeom>
           <a:solidFill>
-            <a:srgbClr val="12ABDC"/>
+            <a:srgbClr val="007D74"/>
           </a:solidFill>
         </p:spPr>
         <p:txBody>
@@ -26405,7 +26050,7 @@
             <a:avLst/>
           </a:prstGeom>
           <a:solidFill>
-            <a:srgbClr val="12ABDC"/>
+            <a:srgbClr val="007D74"/>
           </a:solidFill>
         </p:spPr>
         <p:txBody>
@@ -26867,7 +26512,15 @@
             </a:r>
             <a:r>
               <a:rPr lang="en-GB" dirty="0"/>
-              <a:t>.</a:t>
+              <a:t> </a:t>
+            </a:r>
+            <a:r>
+              <a:rPr lang="en-GB" dirty="0" err="1"/>
+              <a:t>em</a:t>
+            </a:r>
+            <a:r>
+              <a:rPr lang="en-GB" dirty="0"/>
+              <a:t> imagens.</a:t>
             </a:r>
           </a:p>
         </p:txBody>
@@ -26885,418 +26538,7 @@
 </p:sld>
 </file>
 
-<file path=ppt/slides/slide14.xml><?xml version="1.0" encoding="utf-8"?>
-<p:sld xmlns:a="http://schemas.openxmlformats.org/drawingml/2006/main" xmlns:r="http://schemas.openxmlformats.org/officeDocument/2006/relationships" xmlns:p="http://schemas.openxmlformats.org/presentationml/2006/main">
-  <p:cSld>
-    <p:spTree>
-      <p:nvGrpSpPr>
-        <p:cNvPr id="1" name=""/>
-        <p:cNvGrpSpPr/>
-        <p:nvPr/>
-      </p:nvGrpSpPr>
-      <p:grpSpPr>
-        <a:xfrm>
-          <a:off x="0" y="0"/>
-          <a:ext cx="0" cy="0"/>
-          <a:chOff x="0" y="0"/>
-          <a:chExt cx="0" cy="0"/>
-        </a:xfrm>
-      </p:grpSpPr>
-      <p:pic>
-        <p:nvPicPr>
-          <p:cNvPr id="14" name="Picture Placeholder 13">
-            <a:extLst>
-              <a:ext uri="{FF2B5EF4-FFF2-40B4-BE49-F238E27FC236}">
-                <a16:creationId xmlns:a16="http://schemas.microsoft.com/office/drawing/2014/main" id="{E1D47607-D621-4ECE-7E3E-CA986270B22E}"/>
-              </a:ext>
-              <a:ext uri="{C183D7F6-B498-43B3-948B-1728B52AA6E4}">
-                <adec:decorative xmlns:adec="http://schemas.microsoft.com/office/drawing/2017/decorative" val="1"/>
-              </a:ext>
-            </a:extLst>
-          </p:cNvPr>
-          <p:cNvPicPr>
-            <a:picLocks noGrp="1" noChangeAspect="1"/>
-          </p:cNvPicPr>
-          <p:nvPr>
-            <p:ph type="pic" sz="quarter" idx="13"/>
-          </p:nvPr>
-        </p:nvPicPr>
-        <p:blipFill>
-          <a:blip r:embed="rId3">
-            <a:extLst>
-              <a:ext uri="{28A0092B-C50C-407E-A947-70E740481C1C}">
-                <a14:useLocalDpi xmlns:a14="http://schemas.microsoft.com/office/drawing/2010/main" val="0"/>
-              </a:ext>
-            </a:extLst>
-          </a:blip>
-          <a:srcRect/>
-          <a:stretch>
-            <a:fillRect/>
-          </a:stretch>
-        </p:blipFill>
-        <p:spPr/>
-      </p:pic>
-      <p:sp>
-        <p:nvSpPr>
-          <p:cNvPr id="9" name="Rectangle 8">
-            <a:extLst>
-              <a:ext uri="{FF2B5EF4-FFF2-40B4-BE49-F238E27FC236}">
-                <a16:creationId xmlns:a16="http://schemas.microsoft.com/office/drawing/2014/main" id="{CF1962CF-EF97-412C-B792-066A1C9D2733}"/>
-              </a:ext>
-              <a:ext uri="{C183D7F6-B498-43B3-948B-1728B52AA6E4}">
-                <adec:decorative xmlns:adec="http://schemas.microsoft.com/office/drawing/2017/decorative" val="1"/>
-              </a:ext>
-            </a:extLst>
-          </p:cNvPr>
-          <p:cNvSpPr/>
-          <p:nvPr/>
-        </p:nvSpPr>
-        <p:spPr bwMode="white">
-          <a:xfrm>
-            <a:off x="1624995" y="0"/>
-            <a:ext cx="4563421" cy="6859720"/>
-          </a:xfrm>
-          <a:prstGeom prst="rect">
-            <a:avLst/>
-          </a:prstGeom>
-          <a:solidFill>
-            <a:srgbClr val="272936">
-              <a:alpha val="78132"/>
-            </a:srgbClr>
-          </a:solidFill>
-          <a:ln>
-            <a:noFill/>
-          </a:ln>
-        </p:spPr>
-        <p:style>
-          <a:lnRef idx="2">
-            <a:schemeClr val="accent1">
-              <a:shade val="50000"/>
-            </a:schemeClr>
-          </a:lnRef>
-          <a:fillRef idx="1">
-            <a:schemeClr val="accent1"/>
-          </a:fillRef>
-          <a:effectRef idx="0">
-            <a:schemeClr val="accent1"/>
-          </a:effectRef>
-          <a:fontRef idx="minor">
-            <a:schemeClr val="lt1"/>
-          </a:fontRef>
-        </p:style>
-        <p:txBody>
-          <a:bodyPr rtlCol="0" anchor="ctr"/>
-          <a:lstStyle/>
-          <a:p>
-            <a:pPr algn="ctr"/>
-            <a:endParaRPr lang="en-GB" sz="849">
-              <a:solidFill>
-                <a:schemeClr val="tx1"/>
-              </a:solidFill>
-              <a:latin typeface="+mj-lt"/>
-            </a:endParaRPr>
-          </a:p>
-        </p:txBody>
-      </p:sp>
-      <p:sp>
-        <p:nvSpPr>
-          <p:cNvPr id="11" name="object 5">
-            <a:extLst>
-              <a:ext uri="{FF2B5EF4-FFF2-40B4-BE49-F238E27FC236}">
-                <a16:creationId xmlns:a16="http://schemas.microsoft.com/office/drawing/2014/main" id="{14918BB1-58F4-42AC-859A-E60DF368D314}"/>
-              </a:ext>
-            </a:extLst>
-          </p:cNvPr>
-          <p:cNvSpPr txBox="1">
-            <a:spLocks noGrp="1"/>
-          </p:cNvSpPr>
-          <p:nvPr>
-            <p:ph type="title" idx="4294967295"/>
-          </p:nvPr>
-        </p:nvSpPr>
-        <p:spPr>
-          <a:xfrm>
-            <a:off x="1816524" y="2286000"/>
-            <a:ext cx="5574876" cy="1568312"/>
-          </a:xfrm>
-          <a:prstGeom prst="rect">
-            <a:avLst/>
-          </a:prstGeom>
-          <a:noFill/>
-          <a:ln>
-            <a:noFill/>
-            <a:prstDash/>
-          </a:ln>
-          <a:effectLst/>
-        </p:spPr>
-        <p:txBody>
-          <a:bodyPr rot="0" spcFirstLastPara="0" vertOverflow="overflow" horzOverflow="overflow" vert="horz" wrap="square" lIns="0" tIns="90105" rIns="0" bIns="0" numCol="1" spcCol="0" rtlCol="0" fromWordArt="0" anchor="b" anchorCtr="0" forceAA="0" compatLnSpc="1">
-            <a:prstTxWarp prst="textNoShape">
-              <a:avLst/>
-            </a:prstTxWarp>
-            <a:spAutoFit/>
-          </a:bodyPr>
-          <a:lstStyle>
-            <a:lvl1pPr marL="0" marR="0" indent="0" algn="l" defTabSz="1507846" rtl="0" eaLnBrk="1" fontAlgn="auto" latinLnBrk="0" hangingPunct="1">
-              <a:lnSpc>
-                <a:spcPct val="90000"/>
-              </a:lnSpc>
-              <a:spcBef>
-                <a:spcPct val="0"/>
-              </a:spcBef>
-              <a:spcAft>
-                <a:spcPts val="0"/>
-              </a:spcAft>
-              <a:buClrTx/>
-              <a:buSzTx/>
-              <a:buFontTx/>
-              <a:buNone/>
-              <a:tabLst/>
-              <a:defRPr kumimoji="0" lang="en-US" sz="2950" b="0" i="0" u="none" strike="noStrike" kern="1200" cap="all" spc="0" normalizeH="0" baseline="0" noProof="0">
-                <a:ln>
-                  <a:noFill/>
-                </a:ln>
-                <a:solidFill>
-                  <a:schemeClr val="bg1"/>
-                </a:solidFill>
-                <a:effectLst/>
-                <a:uLnTx/>
-                <a:uFillTx/>
-                <a:latin typeface="Ubuntu Light"/>
-                <a:ea typeface="+mj-ea"/>
-                <a:cs typeface="Ubuntu Light"/>
-              </a:defRPr>
-            </a:lvl1pPr>
-          </a:lstStyle>
-          <a:p>
-            <a:pPr marL="7701" marR="3081" lvl="0" indent="0" algn="l" defTabSz="1507846" rtl="0" eaLnBrk="1" fontAlgn="auto" latinLnBrk="0" hangingPunct="1">
-              <a:lnSpc>
-                <a:spcPct val="100000"/>
-              </a:lnSpc>
-              <a:spcBef>
-                <a:spcPts val="0"/>
-              </a:spcBef>
-              <a:spcAft>
-                <a:spcPts val="0"/>
-              </a:spcAft>
-              <a:buClrTx/>
-              <a:buSzTx/>
-              <a:buFontTx/>
-              <a:buNone/>
-              <a:tabLst/>
-              <a:defRPr/>
-            </a:pPr>
-            <a:r>
-              <a:rPr kumimoji="0" lang="en-US" sz="4800" i="0" u="none" strike="noStrike" kern="1200" cap="all" spc="-6" normalizeH="0" baseline="0" noProof="0" dirty="0">
-                <a:ln>
-                  <a:noFill/>
-                </a:ln>
-                <a:solidFill>
-                  <a:schemeClr val="bg1"/>
-                </a:solidFill>
-                <a:effectLst/>
-                <a:uLnTx/>
-                <a:uFillTx/>
-                <a:latin typeface="Ubuntu Light"/>
-                <a:ea typeface="+mj-ea"/>
-                <a:cs typeface="Ubuntu Light"/>
-              </a:rPr>
-              <a:t>Resultados e 	conclusões</a:t>
-            </a:r>
-            <a:endParaRPr kumimoji="0" lang="en-US" sz="4800" i="0" u="none" strike="noStrike" kern="1200" cap="all" spc="0" normalizeH="0" baseline="0" noProof="0" dirty="0">
-              <a:ln>
-                <a:noFill/>
-              </a:ln>
-              <a:solidFill>
-                <a:schemeClr val="accent2"/>
-              </a:solidFill>
-              <a:effectLst/>
-              <a:uLnTx/>
-              <a:uFillTx/>
-              <a:latin typeface="Ubuntu Light"/>
-              <a:ea typeface="+mj-ea"/>
-              <a:cs typeface="Ubuntu Light"/>
-            </a:endParaRPr>
-          </a:p>
-        </p:txBody>
-      </p:sp>
-    </p:spTree>
-    <p:extLst>
-      <p:ext uri="{BB962C8B-B14F-4D97-AF65-F5344CB8AC3E}">
-        <p14:creationId xmlns:p14="http://schemas.microsoft.com/office/powerpoint/2010/main" val="3459132397"/>
-      </p:ext>
-    </p:extLst>
-  </p:cSld>
-  <p:clrMapOvr>
-    <a:masterClrMapping/>
-  </p:clrMapOvr>
-</p:sld>
-</file>
-
-<file path=ppt/slides/slide15.xml><?xml version="1.0" encoding="utf-8"?>
-<p:sld xmlns:a="http://schemas.openxmlformats.org/drawingml/2006/main" xmlns:r="http://schemas.openxmlformats.org/officeDocument/2006/relationships" xmlns:p="http://schemas.openxmlformats.org/presentationml/2006/main">
-  <p:cSld>
-    <p:spTree>
-      <p:nvGrpSpPr>
-        <p:cNvPr id="1" name=""/>
-        <p:cNvGrpSpPr/>
-        <p:nvPr/>
-      </p:nvGrpSpPr>
-      <p:grpSpPr>
-        <a:xfrm>
-          <a:off x="0" y="0"/>
-          <a:ext cx="0" cy="0"/>
-          <a:chOff x="0" y="0"/>
-          <a:chExt cx="0" cy="0"/>
-        </a:xfrm>
-      </p:grpSpPr>
-      <p:sp>
-        <p:nvSpPr>
-          <p:cNvPr id="2" name="Title 1">
-            <a:extLst>
-              <a:ext uri="{FF2B5EF4-FFF2-40B4-BE49-F238E27FC236}">
-                <a16:creationId xmlns:a16="http://schemas.microsoft.com/office/drawing/2014/main" id="{26542BB7-2C03-8C3A-BD31-F3C4568C9CA3}"/>
-              </a:ext>
-            </a:extLst>
-          </p:cNvPr>
-          <p:cNvSpPr>
-            <a:spLocks noGrp="1"/>
-          </p:cNvSpPr>
-          <p:nvPr>
-            <p:ph type="title"/>
-          </p:nvPr>
-        </p:nvSpPr>
-        <p:spPr/>
-        <p:txBody>
-          <a:bodyPr/>
-          <a:lstStyle/>
-          <a:p>
-            <a:r>
-              <a:rPr lang="en-GB" dirty="0"/>
-              <a:t>RESULTADOS E CONCLUSÕES</a:t>
-            </a:r>
-            <a:endParaRPr lang="en-US" dirty="0"/>
-          </a:p>
-        </p:txBody>
-      </p:sp>
-      <p:sp>
-        <p:nvSpPr>
-          <p:cNvPr id="4" name="object 5">
-            <a:extLst>
-              <a:ext uri="{FF2B5EF4-FFF2-40B4-BE49-F238E27FC236}">
-                <a16:creationId xmlns:a16="http://schemas.microsoft.com/office/drawing/2014/main" id="{CFA63747-2C66-9399-9766-6FB4A3533837}"/>
-              </a:ext>
-            </a:extLst>
-          </p:cNvPr>
-          <p:cNvSpPr txBox="1">
-            <a:spLocks/>
-          </p:cNvSpPr>
-          <p:nvPr/>
-        </p:nvSpPr>
-        <p:spPr>
-          <a:xfrm>
-            <a:off x="838200" y="1600200"/>
-            <a:ext cx="3581400" cy="644983"/>
-          </a:xfrm>
-          <a:prstGeom prst="rect">
-            <a:avLst/>
-          </a:prstGeom>
-          <a:noFill/>
-          <a:ln>
-            <a:noFill/>
-            <a:prstDash/>
-          </a:ln>
-          <a:effectLst/>
-        </p:spPr>
-        <p:txBody>
-          <a:bodyPr rot="0" spcFirstLastPara="0" vertOverflow="overflow" horzOverflow="overflow" vert="horz" wrap="square" lIns="0" tIns="90105" rIns="0" bIns="0" numCol="1" spcCol="0" rtlCol="0" fromWordArt="0" anchor="ctr" anchorCtr="0" forceAA="0" compatLnSpc="1">
-            <a:prstTxWarp prst="textNoShape">
-              <a:avLst/>
-            </a:prstTxWarp>
-            <a:spAutoFit/>
-          </a:bodyPr>
-          <a:lstStyle>
-            <a:lvl1pPr marL="0" marR="0" indent="0" algn="l" defTabSz="1507846" rtl="0" eaLnBrk="1" fontAlgn="auto" latinLnBrk="0" hangingPunct="1">
-              <a:lnSpc>
-                <a:spcPct val="90000"/>
-              </a:lnSpc>
-              <a:spcBef>
-                <a:spcPct val="0"/>
-              </a:spcBef>
-              <a:spcAft>
-                <a:spcPts val="0"/>
-              </a:spcAft>
-              <a:buClrTx/>
-              <a:buSzTx/>
-              <a:buFontTx/>
-              <a:buNone/>
-              <a:tabLst/>
-              <a:defRPr kumimoji="0" lang="en-US" sz="2950" b="0" i="0" u="none" strike="noStrike" kern="1200" cap="all" spc="0" normalizeH="0" baseline="0" noProof="0">
-                <a:ln>
-                  <a:noFill/>
-                </a:ln>
-                <a:solidFill>
-                  <a:schemeClr val="bg1"/>
-                </a:solidFill>
-                <a:effectLst/>
-                <a:uLnTx/>
-                <a:uFillTx/>
-                <a:latin typeface="Ubuntu Light"/>
-                <a:ea typeface="+mj-ea"/>
-                <a:cs typeface="Ubuntu Light"/>
-              </a:defRPr>
-            </a:lvl1pPr>
-          </a:lstStyle>
-          <a:p>
-            <a:pPr marL="350601" marR="3081" indent="-342900">
-              <a:lnSpc>
-                <a:spcPct val="100000"/>
-              </a:lnSpc>
-              <a:spcBef>
-                <a:spcPts val="0"/>
-              </a:spcBef>
-              <a:buFont typeface="+mj-lt"/>
-              <a:buAutoNum type="arabicPeriod"/>
-              <a:defRPr/>
-            </a:pPr>
-            <a:r>
-              <a:rPr lang="pt-PT" sz="1800" spc="-6" dirty="0"/>
-              <a:t>Objetivos cumpridos?</a:t>
-            </a:r>
-          </a:p>
-          <a:p>
-            <a:pPr marL="350601" marR="3081" indent="-342900">
-              <a:lnSpc>
-                <a:spcPct val="100000"/>
-              </a:lnSpc>
-              <a:spcBef>
-                <a:spcPts val="0"/>
-              </a:spcBef>
-              <a:buFont typeface="+mj-lt"/>
-              <a:buAutoNum type="arabicPeriod"/>
-              <a:defRPr/>
-            </a:pPr>
-            <a:r>
-              <a:rPr lang="pt-PT" sz="1800" spc="-6" dirty="0"/>
-              <a:t>Principais dificuldades.</a:t>
-            </a:r>
-          </a:p>
-        </p:txBody>
-      </p:sp>
-    </p:spTree>
-    <p:extLst>
-      <p:ext uri="{BB962C8B-B14F-4D97-AF65-F5344CB8AC3E}">
-        <p14:creationId xmlns:p14="http://schemas.microsoft.com/office/powerpoint/2010/main" val="1205416514"/>
-      </p:ext>
-    </p:extLst>
-  </p:cSld>
-  <p:clrMapOvr>
-    <a:masterClrMapping/>
-  </p:clrMapOvr>
-</p:sld>
-</file>
-
-<file path=ppt/slides/slide16.xml><?xml version="1.0" encoding="utf-8"?>
+<file path=ppt/slides/slide13.xml><?xml version="1.0" encoding="utf-8"?>
 <p:sld xmlns:a="http://schemas.openxmlformats.org/drawingml/2006/main" xmlns:r="http://schemas.openxmlformats.org/officeDocument/2006/relationships" xmlns:p="http://schemas.openxmlformats.org/presentationml/2006/main">
   <p:cSld>
     <p:spTree>
@@ -27600,7 +26842,7 @@
 </p:sld>
 </file>
 
-<file path=ppt/slides/slide17.xml><?xml version="1.0" encoding="utf-8"?>
+<file path=ppt/slides/slide14.xml><?xml version="1.0" encoding="utf-8"?>
 <p:sld xmlns:a="http://schemas.openxmlformats.org/drawingml/2006/main" xmlns:r="http://schemas.openxmlformats.org/officeDocument/2006/relationships" xmlns:p="http://schemas.openxmlformats.org/presentationml/2006/main">
   <p:cSld>
     <p:spTree>
@@ -27848,7 +27090,7 @@
 </p:sld>
 </file>
 
-<file path=ppt/slides/slide18.xml><?xml version="1.0" encoding="utf-8"?>
+<file path=ppt/slides/slide15.xml><?xml version="1.0" encoding="utf-8"?>
 <p:sld xmlns:a="http://schemas.openxmlformats.org/drawingml/2006/main" xmlns:r="http://schemas.openxmlformats.org/officeDocument/2006/relationships" xmlns:p="http://schemas.openxmlformats.org/presentationml/2006/main">
   <p:cSld>
     <p:spTree>
@@ -30056,8 +29298,8 @@
         </p:nvSpPr>
         <p:spPr>
           <a:xfrm>
-            <a:off x="1887405" y="1965067"/>
-            <a:ext cx="4818196" cy="1752978"/>
+            <a:off x="1752600" y="2567464"/>
+            <a:ext cx="9220200" cy="1568312"/>
           </a:xfrm>
           <a:prstGeom prst="rect">
             <a:avLst/>
@@ -30109,7 +29351,7 @@
             </a:lvl1pPr>
           </a:lstStyle>
           <a:p>
-            <a:pPr marL="7701" marR="3081" lvl="0" indent="0" algn="l" defTabSz="1507846" rtl="0" eaLnBrk="1" fontAlgn="auto" latinLnBrk="0" hangingPunct="1">
+            <a:pPr marL="7701" marR="3081" lvl="0" indent="0" defTabSz="1507846" rtl="0" eaLnBrk="1" fontAlgn="auto" latinLnBrk="0" hangingPunct="1">
               <a:lnSpc>
                 <a:spcPct val="100000"/>
               </a:lnSpc>
@@ -30141,26 +29383,9 @@
                 <a:ea typeface="+mj-ea"/>
                 <a:cs typeface="Ubuntu Light"/>
               </a:rPr>
-              <a:t>Tecnologias</a:t>
-            </a:r>
-            <a:r>
-              <a:rPr kumimoji="0" lang="en-US" sz="5400" i="0" u="none" strike="noStrike" kern="1200" cap="all" spc="-6" normalizeH="0" baseline="0" noProof="0" dirty="0">
-                <a:ln>
-                  <a:noFill/>
-                </a:ln>
-                <a:solidFill>
-                  <a:schemeClr val="bg1"/>
-                </a:solidFill>
-                <a:effectLst/>
-                <a:uLnTx/>
-                <a:uFillTx/>
-                <a:latin typeface="Ubuntu Light"/>
-                <a:ea typeface="+mj-ea"/>
-                <a:cs typeface="Ubuntu Light"/>
-              </a:rPr>
-              <a:t> 	</a:t>
-            </a:r>
-            <a:r>
+              <a:t>Implementação e </a:t>
+            </a:r>
+            <a:br>
               <a:rPr kumimoji="0" lang="en-US" sz="4800" i="0" u="none" strike="noStrike" kern="1200" cap="all" spc="-6" normalizeH="0" baseline="0" noProof="0" dirty="0">
                 <a:ln>
                   <a:noFill/>
@@ -30175,7 +29400,23 @@
                 <a:ea typeface="+mj-ea"/>
                 <a:cs typeface="Ubuntu Light"/>
               </a:rPr>
-              <a:t>utilizadas</a:t>
+            </a:br>
+            <a:r>
+              <a:rPr kumimoji="0" lang="en-US" sz="4800" i="0" u="none" strike="noStrike" kern="1200" cap="all" spc="-6" normalizeH="0" baseline="0" noProof="0" dirty="0">
+                <a:ln>
+                  <a:noFill/>
+                </a:ln>
+                <a:solidFill>
+                  <a:schemeClr val="bg1"/>
+                </a:solidFill>
+                <a:effectLst/>
+                <a:uLnTx/>
+                <a:uFillTx/>
+                <a:latin typeface="Ubuntu Light"/>
+                <a:ea typeface="+mj-ea"/>
+                <a:cs typeface="Ubuntu Light"/>
+              </a:rPr>
+              <a:t>	Tecnologias utilizadas</a:t>
             </a:r>
             <a:endParaRPr kumimoji="0" lang="en-US" sz="5400" i="0" u="none" strike="noStrike" kern="1200" cap="all" spc="0" normalizeH="0" baseline="0" noProof="0" dirty="0">
               <a:ln>
@@ -30197,7 +29438,7 @@
     </p:spTree>
     <p:extLst>
       <p:ext uri="{BB962C8B-B14F-4D97-AF65-F5344CB8AC3E}">
-        <p14:creationId xmlns:p14="http://schemas.microsoft.com/office/powerpoint/2010/main" val="2436647850"/>
+        <p14:creationId xmlns:p14="http://schemas.microsoft.com/office/powerpoint/2010/main" val="1303246894"/>
       </p:ext>
     </p:extLst>
   </p:cSld>

--- a/Apresentação e-commerce.pptx
+++ b/Apresentação e-commerce.pptx
@@ -263,7 +263,7 @@
             <a:fld id="{86C988DC-9DE3-4390-97AB-D61B85DACE57}" type="datetimeFigureOut">
               <a:rPr lang="pt-PT" sz="900" smtClean="0"/>
               <a:pPr/>
-              <a:t>03/05/23</a:t>
+              <a:t>04/05/23</a:t>
             </a:fld>
             <a:endParaRPr lang="pt-PT" sz="900"/>
           </a:p>
@@ -442,7 +442,7 @@
             <a:fld id="{0835B8F7-DAC4-4931-8AED-4356A8B2FD64}" type="datetimeFigureOut">
               <a:rPr lang="pt-BR" smtClean="0"/>
               <a:pPr/>
-              <a:t>03/05/2023</a:t>
+              <a:t>04/05/2023</a:t>
             </a:fld>
             <a:endParaRPr lang="pt-BR"/>
           </a:p>
@@ -29067,7 +29067,7 @@
           <a:lstStyle/>
           <a:p>
             <a:r>
-              <a:rPr lang="en-GB" dirty="0" err="1"/>
+              <a:rPr lang="en-GB" dirty="0"/>
               <a:t>arquitetura</a:t>
             </a:r>
             <a:endParaRPr lang="en-US" dirty="0"/>
@@ -31033,6 +31033,15 @@
 </file>
 
 <file path=customXml/item2.xml><?xml version="1.0" encoding="utf-8"?>
+<p:properties xmlns:p="http://schemas.microsoft.com/office/2006/metadata/properties" xmlns:xsi="http://www.w3.org/2001/XMLSchema-instance" xmlns:pc="http://schemas.microsoft.com/office/infopath/2007/PartnerControls">
+  <documentManagement>
+    <Entity xmlns="f1122fed-4606-4ec8-90ef-13536176a38c">Capgemini Group</Entity>
+    <Classification xmlns="f1122fed-4606-4ec8-90ef-13536176a38c">Company Public (Sec 0)</Classification>
+  </documentManagement>
+</p:properties>
+</file>
+
+<file path=customXml/item3.xml><?xml version="1.0" encoding="utf-8"?>
 <ct:contentTypeSchema xmlns:ct="http://schemas.microsoft.com/office/2006/metadata/contentType" xmlns:ma="http://schemas.microsoft.com/office/2006/metadata/properties/metaAttributes" ct:_="" ma:_="" ma:contentTypeName="Document" ma:contentTypeID="0x010100E3DB8F1B61B4E349B1D07C13E9DB8DAC" ma:contentTypeVersion="9" ma:contentTypeDescription="Create a new document." ma:contentTypeScope="" ma:versionID="6e9e2595fa1084b1a028894ca2627931">
   <xsd:schema xmlns:xsd="http://www.w3.org/2001/XMLSchema" xmlns:xs="http://www.w3.org/2001/XMLSchema" xmlns:p="http://schemas.microsoft.com/office/2006/metadata/properties" xmlns:ns2="f1122fed-4606-4ec8-90ef-13536176a38c" xmlns:ns3="83fd27e2-85d6-4e10-9bbd-a3e555ecf21b" targetNamespace="http://schemas.microsoft.com/office/2006/metadata/properties" ma:root="true" ma:fieldsID="42542138c7c0860554875b300c3d4ef7" ns2:_="" ns3:_="">
     <xsd:import namespace="f1122fed-4606-4ec8-90ef-13536176a38c"/>
@@ -31238,15 +31247,6 @@
 </ct:contentTypeSchema>
 </file>
 
-<file path=customXml/item3.xml><?xml version="1.0" encoding="utf-8"?>
-<p:properties xmlns:p="http://schemas.microsoft.com/office/2006/metadata/properties" xmlns:xsi="http://www.w3.org/2001/XMLSchema-instance" xmlns:pc="http://schemas.microsoft.com/office/infopath/2007/PartnerControls">
-  <documentManagement>
-    <Entity xmlns="f1122fed-4606-4ec8-90ef-13536176a38c">Capgemini Group</Entity>
-    <Classification xmlns="f1122fed-4606-4ec8-90ef-13536176a38c">Company Public (Sec 0)</Classification>
-  </documentManagement>
-</p:properties>
-</file>
-
 <file path=customXml/itemProps1.xml><?xml version="1.0" encoding="utf-8"?>
 <ds:datastoreItem xmlns:ds="http://schemas.openxmlformats.org/officeDocument/2006/customXml" ds:itemID="{D941E1A9-0998-4BCC-8A3D-8EAB16ADB626}">
   <ds:schemaRefs>
@@ -31256,6 +31256,16 @@
 </file>
 
 <file path=customXml/itemProps2.xml><?xml version="1.0" encoding="utf-8"?>
+<ds:datastoreItem xmlns:ds="http://schemas.openxmlformats.org/officeDocument/2006/customXml" ds:itemID="{FF982877-D147-4C15-B050-A052E4937983}">
+  <ds:schemaRefs>
+    <ds:schemaRef ds:uri="http://schemas.microsoft.com/office/2006/metadata/properties"/>
+    <ds:schemaRef ds:uri="http://schemas.microsoft.com/office/infopath/2007/PartnerControls"/>
+    <ds:schemaRef ds:uri="f1122fed-4606-4ec8-90ef-13536176a38c"/>
+  </ds:schemaRefs>
+</ds:datastoreItem>
+</file>
+
+<file path=customXml/itemProps3.xml><?xml version="1.0" encoding="utf-8"?>
 <ds:datastoreItem xmlns:ds="http://schemas.openxmlformats.org/officeDocument/2006/customXml" ds:itemID="{2B411529-341F-4BDF-98A6-FA8EF3214927}">
   <ds:schemaRefs>
     <ds:schemaRef ds:uri="http://schemas.microsoft.com/office/2006/metadata/contentType"/>
@@ -31272,14 +31282,4 @@
     <ds:schemaRef ds:uri="http://schemas.microsoft.com/internal/obd"/>
   </ds:schemaRefs>
 </ds:datastoreItem>
-</file>
-
-<file path=customXml/itemProps3.xml><?xml version="1.0" encoding="utf-8"?>
-<ds:datastoreItem xmlns:ds="http://schemas.openxmlformats.org/officeDocument/2006/customXml" ds:itemID="{FF982877-D147-4C15-B050-A052E4937983}">
-  <ds:schemaRefs>
-    <ds:schemaRef ds:uri="http://schemas.microsoft.com/office/2006/metadata/properties"/>
-    <ds:schemaRef ds:uri="http://schemas.microsoft.com/office/infopath/2007/PartnerControls"/>
-    <ds:schemaRef ds:uri="f1122fed-4606-4ec8-90ef-13536176a38c"/>
-  </ds:schemaRefs>
-</ds:datastoreItem>
 </file>